--- a/draft GDP presentation.pptx
+++ b/draft GDP presentation.pptx
@@ -6,17 +6,18 @@
   </p:sldMasterIdLst>
   <p:sldIdLst>
     <p:sldId id="256" r:id="rId2"/>
-    <p:sldId id="262" r:id="rId3"/>
-    <p:sldId id="257" r:id="rId4"/>
-    <p:sldId id="258" r:id="rId5"/>
-    <p:sldId id="259" r:id="rId6"/>
-    <p:sldId id="266" r:id="rId7"/>
-    <p:sldId id="267" r:id="rId8"/>
-    <p:sldId id="260" r:id="rId9"/>
-    <p:sldId id="261" r:id="rId10"/>
-    <p:sldId id="263" r:id="rId11"/>
-    <p:sldId id="265" r:id="rId12"/>
-    <p:sldId id="264" r:id="rId13"/>
+    <p:sldId id="268" r:id="rId3"/>
+    <p:sldId id="262" r:id="rId4"/>
+    <p:sldId id="257" r:id="rId5"/>
+    <p:sldId id="258" r:id="rId6"/>
+    <p:sldId id="259" r:id="rId7"/>
+    <p:sldId id="266" r:id="rId8"/>
+    <p:sldId id="267" r:id="rId9"/>
+    <p:sldId id="260" r:id="rId10"/>
+    <p:sldId id="261" r:id="rId11"/>
+    <p:sldId id="263" r:id="rId12"/>
+    <p:sldId id="265" r:id="rId13"/>
+    <p:sldId id="264" r:id="rId14"/>
   </p:sldIdLst>
   <p:sldSz cx="12192000" cy="6858000"/>
   <p:notesSz cx="6858000" cy="9144000"/>
@@ -3347,7 +3348,10 @@
     <p:bg>
       <p:bgPr>
         <a:solidFill>
-          <a:schemeClr val="bg1"/>
+          <a:schemeClr val="accent4">
+            <a:lumMod val="20000"/>
+            <a:lumOff val="80000"/>
+          </a:schemeClr>
         </a:solidFill>
         <a:effectLst/>
       </p:bgPr>
@@ -3669,6 +3673,17 @@
 <file path=ppt/slides/slide10.xml><?xml version="1.0" encoding="utf-8"?>
 <p:sld xmlns:a="http://schemas.openxmlformats.org/drawingml/2006/main" xmlns:r="http://schemas.openxmlformats.org/officeDocument/2006/relationships" xmlns:p="http://schemas.openxmlformats.org/presentationml/2006/main">
   <p:cSld>
+    <p:bg>
+      <p:bgPr>
+        <a:solidFill>
+          <a:schemeClr val="accent4">
+            <a:lumMod val="20000"/>
+            <a:lumOff val="80000"/>
+          </a:schemeClr>
+        </a:solidFill>
+        <a:effectLst/>
+      </p:bgPr>
+    </p:bg>
     <p:spTree>
       <p:nvGrpSpPr>
         <p:cNvPr id="1" name=""/>
@@ -3685,18 +3700,18 @@
       </p:grpSpPr>
       <p:sp>
         <p:nvSpPr>
-          <p:cNvPr id="2" name="Title 1">
-            <a:extLst>
-              <a:ext uri="{FF2B5EF4-FFF2-40B4-BE49-F238E27FC236}">
-                <a16:creationId xmlns:a16="http://schemas.microsoft.com/office/drawing/2014/main" id="{C8DB2DA2-C334-4682-BB00-573D70135D61}"/>
-              </a:ext>
-            </a:extLst>
-          </p:cNvPr>
-          <p:cNvSpPr>
-            <a:spLocks noGrp="1"/>
-          </p:cNvSpPr>
-          <p:nvPr>
-            <p:ph type="title"/>
+          <p:cNvPr id="3" name="Content Placeholder 2">
+            <a:extLst>
+              <a:ext uri="{FF2B5EF4-FFF2-40B4-BE49-F238E27FC236}">
+                <a16:creationId xmlns:a16="http://schemas.microsoft.com/office/drawing/2014/main" id="{6035287A-EF46-4C65-A0B8-CE292478A9DD}"/>
+              </a:ext>
+            </a:extLst>
+          </p:cNvPr>
+          <p:cNvSpPr>
+            <a:spLocks noGrp="1"/>
+          </p:cNvSpPr>
+          <p:nvPr>
+            <p:ph idx="1"/>
           </p:nvPr>
         </p:nvSpPr>
         <p:spPr/>
@@ -3704,41 +3719,12 @@
           <a:bodyPr/>
           <a:lstStyle/>
           <a:p>
+            <a:pPr marL="0" indent="0">
+              <a:buNone/>
+            </a:pPr>
             <a:r>
               <a:rPr lang="en-US" dirty="0"/>
-              <a:t>GDP Models</a:t>
-            </a:r>
-            <a:endParaRPr lang="en-AU" dirty="0"/>
-          </a:p>
-        </p:txBody>
-      </p:sp>
-      <p:sp>
-        <p:nvSpPr>
-          <p:cNvPr id="3" name="Content Placeholder 2">
-            <a:extLst>
-              <a:ext uri="{FF2B5EF4-FFF2-40B4-BE49-F238E27FC236}">
-                <a16:creationId xmlns:a16="http://schemas.microsoft.com/office/drawing/2014/main" id="{A4940170-F0BA-4695-A709-299A6FDCA560}"/>
-              </a:ext>
-            </a:extLst>
-          </p:cNvPr>
-          <p:cNvSpPr>
-            <a:spLocks noGrp="1"/>
-          </p:cNvSpPr>
-          <p:nvPr>
-            <p:ph idx="1"/>
-          </p:nvPr>
-        </p:nvSpPr>
-        <p:spPr/>
-        <p:txBody>
-          <a:bodyPr/>
-          <a:lstStyle/>
-          <a:p>
-            <a:pPr marL="0" indent="0">
-              <a:buNone/>
-            </a:pPr>
-            <a:r>
-              <a:rPr lang="en-US" dirty="0"/>
-              <a:t>GDP = A + B + C – D</a:t>
+              <a:t>Lasso Regression</a:t>
             </a:r>
           </a:p>
           <a:p>
@@ -3753,7 +3739,7 @@
             </a:pPr>
             <a:r>
               <a:rPr lang="en-US" dirty="0"/>
-              <a:t>GDP = income + spending + services - imports</a:t>
+              <a:t>[show lasso graph here]</a:t>
             </a:r>
             <a:endParaRPr lang="en-AU" dirty="0"/>
           </a:p>
@@ -3764,7 +3750,7 @@
           <p:cNvPr id="5" name="Rectangle 4">
             <a:extLst>
               <a:ext uri="{FF2B5EF4-FFF2-40B4-BE49-F238E27FC236}">
-                <a16:creationId xmlns:a16="http://schemas.microsoft.com/office/drawing/2014/main" id="{026DAE39-51D7-43FF-8FB9-6C5E38D17548}"/>
+                <a16:creationId xmlns:a16="http://schemas.microsoft.com/office/drawing/2014/main" id="{8C94BEED-456F-4A6E-9706-2A799104D655}"/>
               </a:ext>
             </a:extLst>
           </p:cNvPr>
@@ -3822,7 +3808,7 @@
     </p:spTree>
     <p:extLst>
       <p:ext uri="{BB962C8B-B14F-4D97-AF65-F5344CB8AC3E}">
-        <p14:creationId xmlns:p14="http://schemas.microsoft.com/office/powerpoint/2010/main" val="2427415370"/>
+        <p14:creationId xmlns:p14="http://schemas.microsoft.com/office/powerpoint/2010/main" val="3784513456"/>
       </p:ext>
     </p:extLst>
   </p:cSld>
@@ -3835,6 +3821,17 @@
 <file path=ppt/slides/slide11.xml><?xml version="1.0" encoding="utf-8"?>
 <p:sld xmlns:a="http://schemas.openxmlformats.org/drawingml/2006/main" xmlns:r="http://schemas.openxmlformats.org/officeDocument/2006/relationships" xmlns:p="http://schemas.openxmlformats.org/presentationml/2006/main">
   <p:cSld>
+    <p:bg>
+      <p:bgPr>
+        <a:solidFill>
+          <a:schemeClr val="accent4">
+            <a:lumMod val="20000"/>
+            <a:lumOff val="80000"/>
+          </a:schemeClr>
+        </a:solidFill>
+        <a:effectLst/>
+      </p:bgPr>
+    </p:bg>
     <p:spTree>
       <p:nvGrpSpPr>
         <p:cNvPr id="1" name=""/>
@@ -3854,7 +3851,7 @@
           <p:cNvPr id="2" name="Title 1">
             <a:extLst>
               <a:ext uri="{FF2B5EF4-FFF2-40B4-BE49-F238E27FC236}">
-                <a16:creationId xmlns:a16="http://schemas.microsoft.com/office/drawing/2014/main" id="{3D6C439B-2F69-43AA-A074-10BE1AD2632D}"/>
+                <a16:creationId xmlns:a16="http://schemas.microsoft.com/office/drawing/2014/main" id="{C8DB2DA2-C334-4682-BB00-573D70135D61}"/>
               </a:ext>
             </a:extLst>
           </p:cNvPr>
@@ -3872,7 +3869,7 @@
           <a:p>
             <a:r>
               <a:rPr lang="en-US" dirty="0"/>
-              <a:t>Models</a:t>
+              <a:t>GDP Models</a:t>
             </a:r>
             <a:endParaRPr lang="en-AU" dirty="0"/>
           </a:p>
@@ -3883,7 +3880,7 @@
           <p:cNvPr id="3" name="Content Placeholder 2">
             <a:extLst>
               <a:ext uri="{FF2B5EF4-FFF2-40B4-BE49-F238E27FC236}">
-                <a16:creationId xmlns:a16="http://schemas.microsoft.com/office/drawing/2014/main" id="{8E960FBD-F39E-4815-A726-E7944EF8B128}"/>
+                <a16:creationId xmlns:a16="http://schemas.microsoft.com/office/drawing/2014/main" id="{A4940170-F0BA-4695-A709-299A6FDCA560}"/>
               </a:ext>
             </a:extLst>
           </p:cNvPr>
@@ -3904,7 +3901,22 @@
             </a:pPr>
             <a:r>
               <a:rPr lang="en-US" dirty="0"/>
-              <a:t>[plot of the models]</a:t>
+              <a:t>GDP = A + B + C – D</a:t>
+            </a:r>
+          </a:p>
+          <a:p>
+            <a:pPr marL="0" indent="0">
+              <a:buNone/>
+            </a:pPr>
+            <a:endParaRPr lang="en-US" dirty="0"/>
+          </a:p>
+          <a:p>
+            <a:pPr marL="0" indent="0">
+              <a:buNone/>
+            </a:pPr>
+            <a:r>
+              <a:rPr lang="en-US" dirty="0"/>
+              <a:t>GDP = income + spending + services - imports</a:t>
             </a:r>
             <a:endParaRPr lang="en-AU" dirty="0"/>
           </a:p>
@@ -3915,7 +3927,7 @@
           <p:cNvPr id="5" name="Rectangle 4">
             <a:extLst>
               <a:ext uri="{FF2B5EF4-FFF2-40B4-BE49-F238E27FC236}">
-                <a16:creationId xmlns:a16="http://schemas.microsoft.com/office/drawing/2014/main" id="{CDB5F720-236C-4EA9-A250-C0767D317D0B}"/>
+                <a16:creationId xmlns:a16="http://schemas.microsoft.com/office/drawing/2014/main" id="{026DAE39-51D7-43FF-8FB9-6C5E38D17548}"/>
               </a:ext>
             </a:extLst>
           </p:cNvPr>
@@ -3973,7 +3985,7 @@
     </p:spTree>
     <p:extLst>
       <p:ext uri="{BB962C8B-B14F-4D97-AF65-F5344CB8AC3E}">
-        <p14:creationId xmlns:p14="http://schemas.microsoft.com/office/powerpoint/2010/main" val="2231131298"/>
+        <p14:creationId xmlns:p14="http://schemas.microsoft.com/office/powerpoint/2010/main" val="2427415370"/>
       </p:ext>
     </p:extLst>
   </p:cSld>
@@ -3986,6 +3998,17 @@
 <file path=ppt/slides/slide12.xml><?xml version="1.0" encoding="utf-8"?>
 <p:sld xmlns:a="http://schemas.openxmlformats.org/drawingml/2006/main" xmlns:r="http://schemas.openxmlformats.org/officeDocument/2006/relationships" xmlns:p="http://schemas.openxmlformats.org/presentationml/2006/main">
   <p:cSld>
+    <p:bg>
+      <p:bgPr>
+        <a:solidFill>
+          <a:schemeClr val="accent4">
+            <a:lumMod val="20000"/>
+            <a:lumOff val="80000"/>
+          </a:schemeClr>
+        </a:solidFill>
+        <a:effectLst/>
+      </p:bgPr>
+    </p:bg>
     <p:spTree>
       <p:nvGrpSpPr>
         <p:cNvPr id="1" name=""/>
@@ -4005,7 +4028,7 @@
           <p:cNvPr id="2" name="Title 1">
             <a:extLst>
               <a:ext uri="{FF2B5EF4-FFF2-40B4-BE49-F238E27FC236}">
-                <a16:creationId xmlns:a16="http://schemas.microsoft.com/office/drawing/2014/main" id="{CF07F78C-8A42-4777-BD9B-2DF8347669E1}"/>
+                <a16:creationId xmlns:a16="http://schemas.microsoft.com/office/drawing/2014/main" id="{3D6C439B-2F69-43AA-A074-10BE1AD2632D}"/>
               </a:ext>
             </a:extLst>
           </p:cNvPr>
@@ -4023,7 +4046,7 @@
           <a:p>
             <a:r>
               <a:rPr lang="en-US" dirty="0"/>
-              <a:t>Result: Variables affecting Australian GDP</a:t>
+              <a:t>Models</a:t>
             </a:r>
             <a:endParaRPr lang="en-AU" dirty="0"/>
           </a:p>
@@ -4034,7 +4057,7 @@
           <p:cNvPr id="3" name="Content Placeholder 2">
             <a:extLst>
               <a:ext uri="{FF2B5EF4-FFF2-40B4-BE49-F238E27FC236}">
-                <a16:creationId xmlns:a16="http://schemas.microsoft.com/office/drawing/2014/main" id="{EB1F6860-4365-4AB7-B1FC-5B6D3DE56A28}"/>
+                <a16:creationId xmlns:a16="http://schemas.microsoft.com/office/drawing/2014/main" id="{8E960FBD-F39E-4815-A726-E7944EF8B128}"/>
               </a:ext>
             </a:extLst>
           </p:cNvPr>
@@ -4050,27 +4073,12 @@
           <a:bodyPr/>
           <a:lstStyle/>
           <a:p>
+            <a:pPr marL="0" indent="0">
+              <a:buNone/>
+            </a:pPr>
             <a:r>
               <a:rPr lang="en-US" dirty="0"/>
-              <a:t>Unemployment</a:t>
-            </a:r>
-          </a:p>
-          <a:p>
-            <a:r>
-              <a:rPr lang="en-US" dirty="0"/>
-              <a:t>Mining Output</a:t>
-            </a:r>
-          </a:p>
-          <a:p>
-            <a:r>
-              <a:rPr lang="en-US" dirty="0"/>
-              <a:t>Educational Attainment</a:t>
-            </a:r>
-          </a:p>
-          <a:p>
-            <a:r>
-              <a:rPr lang="en-US" dirty="0" err="1"/>
-              <a:t>etc</a:t>
+              <a:t>[plot of the models]</a:t>
             </a:r>
             <a:endParaRPr lang="en-AU" dirty="0"/>
           </a:p>
@@ -4081,7 +4089,7 @@
           <p:cNvPr id="5" name="Rectangle 4">
             <a:extLst>
               <a:ext uri="{FF2B5EF4-FFF2-40B4-BE49-F238E27FC236}">
-                <a16:creationId xmlns:a16="http://schemas.microsoft.com/office/drawing/2014/main" id="{AE8EC591-8909-4918-AB68-6C1C765F1CA7}"/>
+                <a16:creationId xmlns:a16="http://schemas.microsoft.com/office/drawing/2014/main" id="{CDB5F720-236C-4EA9-A250-C0767D317D0B}"/>
               </a:ext>
             </a:extLst>
           </p:cNvPr>
@@ -4139,7 +4147,7 @@
     </p:spTree>
     <p:extLst>
       <p:ext uri="{BB962C8B-B14F-4D97-AF65-F5344CB8AC3E}">
-        <p14:creationId xmlns:p14="http://schemas.microsoft.com/office/powerpoint/2010/main" val="3352697728"/>
+        <p14:creationId xmlns:p14="http://schemas.microsoft.com/office/powerpoint/2010/main" val="2231131298"/>
       </p:ext>
     </p:extLst>
   </p:cSld>
@@ -4149,9 +4157,20 @@
 </p:sld>
 </file>
 
-<file path=ppt/slides/slide2.xml><?xml version="1.0" encoding="utf-8"?>
+<file path=ppt/slides/slide13.xml><?xml version="1.0" encoding="utf-8"?>
 <p:sld xmlns:a="http://schemas.openxmlformats.org/drawingml/2006/main" xmlns:r="http://schemas.openxmlformats.org/officeDocument/2006/relationships" xmlns:p="http://schemas.openxmlformats.org/presentationml/2006/main">
   <p:cSld>
+    <p:bg>
+      <p:bgPr>
+        <a:solidFill>
+          <a:schemeClr val="accent4">
+            <a:lumMod val="20000"/>
+            <a:lumOff val="80000"/>
+          </a:schemeClr>
+        </a:solidFill>
+        <a:effectLst/>
+      </p:bgPr>
+    </p:bg>
     <p:spTree>
       <p:nvGrpSpPr>
         <p:cNvPr id="1" name=""/>
@@ -4244,10 +4263,10 @@
       </p:sp>
       <p:sp>
         <p:nvSpPr>
-          <p:cNvPr id="9" name="Rectangle 8">
-            <a:extLst>
-              <a:ext uri="{FF2B5EF4-FFF2-40B4-BE49-F238E27FC236}">
-                <a16:creationId xmlns:a16="http://schemas.microsoft.com/office/drawing/2014/main" id="{4518CCE5-9E82-49B6-B6FC-5EA3D4F544D7}"/>
+          <p:cNvPr id="5" name="Rectangle 4">
+            <a:extLst>
+              <a:ext uri="{FF2B5EF4-FFF2-40B4-BE49-F238E27FC236}">
+                <a16:creationId xmlns:a16="http://schemas.microsoft.com/office/drawing/2014/main" id="{AE8EC591-8909-4918-AB68-6C1C765F1CA7}"/>
               </a:ext>
             </a:extLst>
           </p:cNvPr>
@@ -4305,7 +4324,7 @@
     </p:spTree>
     <p:extLst>
       <p:ext uri="{BB962C8B-B14F-4D97-AF65-F5344CB8AC3E}">
-        <p14:creationId xmlns:p14="http://schemas.microsoft.com/office/powerpoint/2010/main" val="4228824512"/>
+        <p14:creationId xmlns:p14="http://schemas.microsoft.com/office/powerpoint/2010/main" val="3352697728"/>
       </p:ext>
     </p:extLst>
   </p:cSld>
@@ -4315,9 +4334,20 @@
 </p:sld>
 </file>
 
-<file path=ppt/slides/slide3.xml><?xml version="1.0" encoding="utf-8"?>
+<file path=ppt/slides/slide2.xml><?xml version="1.0" encoding="utf-8"?>
 <p:sld xmlns:a="http://schemas.openxmlformats.org/drawingml/2006/main" xmlns:r="http://schemas.openxmlformats.org/officeDocument/2006/relationships" xmlns:p="http://schemas.openxmlformats.org/presentationml/2006/main">
   <p:cSld>
+    <p:bg>
+      <p:bgPr>
+        <a:solidFill>
+          <a:schemeClr val="accent4">
+            <a:lumMod val="20000"/>
+            <a:lumOff val="80000"/>
+          </a:schemeClr>
+        </a:solidFill>
+        <a:effectLst/>
+      </p:bgPr>
+    </p:bg>
     <p:spTree>
       <p:nvGrpSpPr>
         <p:cNvPr id="1" name=""/>
@@ -4337,7 +4367,7 @@
           <p:cNvPr id="2" name="Title 1">
             <a:extLst>
               <a:ext uri="{FF2B5EF4-FFF2-40B4-BE49-F238E27FC236}">
-                <a16:creationId xmlns:a16="http://schemas.microsoft.com/office/drawing/2014/main" id="{EA30C031-80A8-4BB2-A211-2E6403B7693B}"/>
+                <a16:creationId xmlns:a16="http://schemas.microsoft.com/office/drawing/2014/main" id="{8EE1CB2E-3A25-4894-8C27-E92CC1E9E3D8}"/>
               </a:ext>
             </a:extLst>
           </p:cNvPr>
@@ -4354,10 +4384,9 @@
           <a:lstStyle/>
           <a:p>
             <a:r>
-              <a:rPr lang="en-US" dirty="0"/>
-              <a:t>What is GDP?</a:t>
-            </a:r>
-            <a:endParaRPr lang="en-AU" dirty="0"/>
+              <a:rPr lang="en-AU" dirty="0"/>
+              <a:t>Target Audience</a:t>
+            </a:r>
           </a:p>
         </p:txBody>
       </p:sp>
@@ -4366,7 +4395,7 @@
           <p:cNvPr id="3" name="Content Placeholder 2">
             <a:extLst>
               <a:ext uri="{FF2B5EF4-FFF2-40B4-BE49-F238E27FC236}">
-                <a16:creationId xmlns:a16="http://schemas.microsoft.com/office/drawing/2014/main" id="{0C85858F-2394-4E9C-8951-012B769280E4}"/>
+                <a16:creationId xmlns:a16="http://schemas.microsoft.com/office/drawing/2014/main" id="{B9537EF0-F2FF-401D-9E88-77594C2716A7}"/>
               </a:ext>
             </a:extLst>
           </p:cNvPr>
@@ -4385,46 +4414,55 @@
             <a:pPr marL="0" indent="0">
               <a:buNone/>
             </a:pPr>
-            <a:endParaRPr lang="en-US" dirty="0"/>
+            <a:r>
+              <a:rPr lang="en-AU" dirty="0"/>
+              <a:t>Economists</a:t>
+            </a:r>
           </a:p>
           <a:p>
             <a:pPr marL="0" indent="0">
               <a:buNone/>
             </a:pPr>
-            <a:endParaRPr lang="en-US" dirty="0"/>
+            <a:r>
+              <a:rPr lang="en-AU" dirty="0"/>
+              <a:t>Magazine Writers</a:t>
+            </a:r>
           </a:p>
           <a:p>
             <a:pPr marL="0" indent="0">
               <a:buNone/>
             </a:pPr>
             <a:r>
-              <a:rPr lang="en-US" dirty="0"/>
-              <a:t>Gross domestic product (GDP) is a monetary measure of the market value of all final goods and services produced in a period (quarterly or yearly) of time.</a:t>
+              <a:rPr lang="en-AU" dirty="0"/>
+              <a:t>Researchers</a:t>
             </a:r>
           </a:p>
           <a:p>
             <a:pPr marL="0" indent="0">
               <a:buNone/>
             </a:pPr>
-            <a:endParaRPr lang="en-US" dirty="0"/>
+            <a:r>
+              <a:rPr lang="en-AU" dirty="0"/>
+              <a:t>Bankers</a:t>
+            </a:r>
           </a:p>
           <a:p>
             <a:pPr marL="0" indent="0">
               <a:buNone/>
             </a:pPr>
             <a:r>
-              <a:rPr lang="en-US" sz="2000" dirty="0"/>
-              <a:t>Source: Wikipedia</a:t>
-            </a:r>
-          </a:p>
-        </p:txBody>
-      </p:sp>
-      <p:sp>
-        <p:nvSpPr>
-          <p:cNvPr id="5" name="Rectangle 4">
-            <a:extLst>
-              <a:ext uri="{FF2B5EF4-FFF2-40B4-BE49-F238E27FC236}">
-                <a16:creationId xmlns:a16="http://schemas.microsoft.com/office/drawing/2014/main" id="{2A72960C-07F0-45A1-BB15-1060F35A00AE}"/>
+              <a:rPr lang="en-AU" dirty="0"/>
+              <a:t>Investors</a:t>
+            </a:r>
+          </a:p>
+        </p:txBody>
+      </p:sp>
+      <p:sp>
+        <p:nvSpPr>
+          <p:cNvPr id="4" name="Rectangle 3">
+            <a:extLst>
+              <a:ext uri="{FF2B5EF4-FFF2-40B4-BE49-F238E27FC236}">
+                <a16:creationId xmlns:a16="http://schemas.microsoft.com/office/drawing/2014/main" id="{B8FC61FB-216A-4EBE-8FA1-27A00D82F4BC}"/>
               </a:ext>
             </a:extLst>
           </p:cNvPr>
@@ -4435,7 +4473,7 @@
         </p:nvSpPr>
         <p:spPr>
           <a:xfrm>
-            <a:off x="609600" y="775200"/>
+            <a:off x="457200" y="622800"/>
             <a:ext cx="11278800" cy="5608800"/>
           </a:xfrm>
           <a:prstGeom prst="rect">
@@ -4482,7 +4520,184 @@
     </p:spTree>
     <p:extLst>
       <p:ext uri="{BB962C8B-B14F-4D97-AF65-F5344CB8AC3E}">
-        <p14:creationId xmlns:p14="http://schemas.microsoft.com/office/powerpoint/2010/main" val="1910756210"/>
+        <p14:creationId xmlns:p14="http://schemas.microsoft.com/office/powerpoint/2010/main" val="4005952285"/>
+      </p:ext>
+    </p:extLst>
+  </p:cSld>
+  <p:clrMapOvr>
+    <a:masterClrMapping/>
+  </p:clrMapOvr>
+</p:sld>
+</file>
+
+<file path=ppt/slides/slide3.xml><?xml version="1.0" encoding="utf-8"?>
+<p:sld xmlns:a="http://schemas.openxmlformats.org/drawingml/2006/main" xmlns:r="http://schemas.openxmlformats.org/officeDocument/2006/relationships" xmlns:p="http://schemas.openxmlformats.org/presentationml/2006/main">
+  <p:cSld>
+    <p:bg>
+      <p:bgPr>
+        <a:solidFill>
+          <a:schemeClr val="accent4">
+            <a:lumMod val="20000"/>
+            <a:lumOff val="80000"/>
+          </a:schemeClr>
+        </a:solidFill>
+        <a:effectLst/>
+      </p:bgPr>
+    </p:bg>
+    <p:spTree>
+      <p:nvGrpSpPr>
+        <p:cNvPr id="1" name=""/>
+        <p:cNvGrpSpPr/>
+        <p:nvPr/>
+      </p:nvGrpSpPr>
+      <p:grpSpPr>
+        <a:xfrm>
+          <a:off x="0" y="0"/>
+          <a:ext cx="0" cy="0"/>
+          <a:chOff x="0" y="0"/>
+          <a:chExt cx="0" cy="0"/>
+        </a:xfrm>
+      </p:grpSpPr>
+      <p:sp>
+        <p:nvSpPr>
+          <p:cNvPr id="2" name="Title 1">
+            <a:extLst>
+              <a:ext uri="{FF2B5EF4-FFF2-40B4-BE49-F238E27FC236}">
+                <a16:creationId xmlns:a16="http://schemas.microsoft.com/office/drawing/2014/main" id="{CF07F78C-8A42-4777-BD9B-2DF8347669E1}"/>
+              </a:ext>
+            </a:extLst>
+          </p:cNvPr>
+          <p:cNvSpPr>
+            <a:spLocks noGrp="1"/>
+          </p:cNvSpPr>
+          <p:nvPr>
+            <p:ph type="title"/>
+          </p:nvPr>
+        </p:nvSpPr>
+        <p:spPr/>
+        <p:txBody>
+          <a:bodyPr/>
+          <a:lstStyle/>
+          <a:p>
+            <a:r>
+              <a:rPr lang="en-US" dirty="0"/>
+              <a:t>Result: Variables affecting Australian GDP</a:t>
+            </a:r>
+            <a:endParaRPr lang="en-AU" dirty="0"/>
+          </a:p>
+        </p:txBody>
+      </p:sp>
+      <p:sp>
+        <p:nvSpPr>
+          <p:cNvPr id="3" name="Content Placeholder 2">
+            <a:extLst>
+              <a:ext uri="{FF2B5EF4-FFF2-40B4-BE49-F238E27FC236}">
+                <a16:creationId xmlns:a16="http://schemas.microsoft.com/office/drawing/2014/main" id="{EB1F6860-4365-4AB7-B1FC-5B6D3DE56A28}"/>
+              </a:ext>
+            </a:extLst>
+          </p:cNvPr>
+          <p:cNvSpPr>
+            <a:spLocks noGrp="1"/>
+          </p:cNvSpPr>
+          <p:nvPr>
+            <p:ph idx="1"/>
+          </p:nvPr>
+        </p:nvSpPr>
+        <p:spPr/>
+        <p:txBody>
+          <a:bodyPr/>
+          <a:lstStyle/>
+          <a:p>
+            <a:r>
+              <a:rPr lang="en-US" dirty="0"/>
+              <a:t>Unemployment</a:t>
+            </a:r>
+          </a:p>
+          <a:p>
+            <a:r>
+              <a:rPr lang="en-US" dirty="0"/>
+              <a:t>Mining Output</a:t>
+            </a:r>
+          </a:p>
+          <a:p>
+            <a:r>
+              <a:rPr lang="en-US" dirty="0"/>
+              <a:t>Educational Attainment</a:t>
+            </a:r>
+          </a:p>
+          <a:p>
+            <a:r>
+              <a:rPr lang="en-US" dirty="0" err="1"/>
+              <a:t>etc</a:t>
+            </a:r>
+            <a:endParaRPr lang="en-AU" dirty="0"/>
+          </a:p>
+        </p:txBody>
+      </p:sp>
+      <p:sp>
+        <p:nvSpPr>
+          <p:cNvPr id="9" name="Rectangle 8">
+            <a:extLst>
+              <a:ext uri="{FF2B5EF4-FFF2-40B4-BE49-F238E27FC236}">
+                <a16:creationId xmlns:a16="http://schemas.microsoft.com/office/drawing/2014/main" id="{4518CCE5-9E82-49B6-B6FC-5EA3D4F544D7}"/>
+              </a:ext>
+            </a:extLst>
+          </p:cNvPr>
+          <p:cNvSpPr>
+            <a:spLocks noChangeAspect="1"/>
+          </p:cNvSpPr>
+          <p:nvPr/>
+        </p:nvSpPr>
+        <p:spPr>
+          <a:xfrm>
+            <a:off x="457200" y="622800"/>
+            <a:ext cx="11278800" cy="5608800"/>
+          </a:xfrm>
+          <a:prstGeom prst="rect">
+            <a:avLst/>
+          </a:prstGeom>
+          <a:blipFill dpi="0" rotWithShape="1">
+            <a:blip r:embed="rId2">
+              <a:alphaModFix amt="25000"/>
+            </a:blip>
+            <a:srcRect/>
+            <a:stretch>
+              <a:fillRect/>
+            </a:stretch>
+          </a:blipFill>
+          <a:ln>
+            <a:noFill/>
+          </a:ln>
+        </p:spPr>
+        <p:style>
+          <a:lnRef idx="2">
+            <a:schemeClr val="accent1">
+              <a:shade val="50000"/>
+            </a:schemeClr>
+          </a:lnRef>
+          <a:fillRef idx="1">
+            <a:schemeClr val="accent1"/>
+          </a:fillRef>
+          <a:effectRef idx="0">
+            <a:schemeClr val="accent1"/>
+          </a:effectRef>
+          <a:fontRef idx="minor">
+            <a:schemeClr val="lt1"/>
+          </a:fontRef>
+        </p:style>
+        <p:txBody>
+          <a:bodyPr rtlCol="0" anchor="ctr"/>
+          <a:lstStyle/>
+          <a:p>
+            <a:pPr algn="ctr"/>
+            <a:endParaRPr lang="en-AU"/>
+          </a:p>
+        </p:txBody>
+      </p:sp>
+    </p:spTree>
+    <p:extLst>
+      <p:ext uri="{BB962C8B-B14F-4D97-AF65-F5344CB8AC3E}">
+        <p14:creationId xmlns:p14="http://schemas.microsoft.com/office/powerpoint/2010/main" val="4228824512"/>
       </p:ext>
     </p:extLst>
   </p:cSld>
@@ -4495,6 +4710,205 @@
 <file path=ppt/slides/slide4.xml><?xml version="1.0" encoding="utf-8"?>
 <p:sld xmlns:a="http://schemas.openxmlformats.org/drawingml/2006/main" xmlns:r="http://schemas.openxmlformats.org/officeDocument/2006/relationships" xmlns:p="http://schemas.openxmlformats.org/presentationml/2006/main">
   <p:cSld>
+    <p:bg>
+      <p:bgPr>
+        <a:solidFill>
+          <a:schemeClr val="accent4">
+            <a:lumMod val="20000"/>
+            <a:lumOff val="80000"/>
+          </a:schemeClr>
+        </a:solidFill>
+        <a:effectLst/>
+      </p:bgPr>
+    </p:bg>
+    <p:spTree>
+      <p:nvGrpSpPr>
+        <p:cNvPr id="1" name=""/>
+        <p:cNvGrpSpPr/>
+        <p:nvPr/>
+      </p:nvGrpSpPr>
+      <p:grpSpPr>
+        <a:xfrm>
+          <a:off x="0" y="0"/>
+          <a:ext cx="0" cy="0"/>
+          <a:chOff x="0" y="0"/>
+          <a:chExt cx="0" cy="0"/>
+        </a:xfrm>
+      </p:grpSpPr>
+      <p:sp>
+        <p:nvSpPr>
+          <p:cNvPr id="2" name="Title 1">
+            <a:extLst>
+              <a:ext uri="{FF2B5EF4-FFF2-40B4-BE49-F238E27FC236}">
+                <a16:creationId xmlns:a16="http://schemas.microsoft.com/office/drawing/2014/main" id="{EA30C031-80A8-4BB2-A211-2E6403B7693B}"/>
+              </a:ext>
+            </a:extLst>
+          </p:cNvPr>
+          <p:cNvSpPr>
+            <a:spLocks noGrp="1"/>
+          </p:cNvSpPr>
+          <p:nvPr>
+            <p:ph type="title"/>
+          </p:nvPr>
+        </p:nvSpPr>
+        <p:spPr/>
+        <p:txBody>
+          <a:bodyPr/>
+          <a:lstStyle/>
+          <a:p>
+            <a:r>
+              <a:rPr lang="en-US" dirty="0"/>
+              <a:t>What is GDP?</a:t>
+            </a:r>
+            <a:endParaRPr lang="en-AU" dirty="0"/>
+          </a:p>
+        </p:txBody>
+      </p:sp>
+      <p:sp>
+        <p:nvSpPr>
+          <p:cNvPr id="3" name="Content Placeholder 2">
+            <a:extLst>
+              <a:ext uri="{FF2B5EF4-FFF2-40B4-BE49-F238E27FC236}">
+                <a16:creationId xmlns:a16="http://schemas.microsoft.com/office/drawing/2014/main" id="{0C85858F-2394-4E9C-8951-012B769280E4}"/>
+              </a:ext>
+            </a:extLst>
+          </p:cNvPr>
+          <p:cNvSpPr>
+            <a:spLocks noGrp="1"/>
+          </p:cNvSpPr>
+          <p:nvPr>
+            <p:ph idx="1"/>
+          </p:nvPr>
+        </p:nvSpPr>
+        <p:spPr/>
+        <p:txBody>
+          <a:bodyPr/>
+          <a:lstStyle/>
+          <a:p>
+            <a:pPr marL="0" indent="0">
+              <a:buNone/>
+            </a:pPr>
+            <a:endParaRPr lang="en-US" dirty="0"/>
+          </a:p>
+          <a:p>
+            <a:pPr marL="0" indent="0">
+              <a:buNone/>
+            </a:pPr>
+            <a:endParaRPr lang="en-US" dirty="0"/>
+          </a:p>
+          <a:p>
+            <a:pPr marL="0" indent="0">
+              <a:buNone/>
+            </a:pPr>
+            <a:r>
+              <a:rPr lang="en-US" dirty="0"/>
+              <a:t>Gross domestic product (GDP) is a monetary measure of the market value of all final goods and services produced in a period (quarterly or yearly) of time.</a:t>
+            </a:r>
+          </a:p>
+          <a:p>
+            <a:pPr marL="0" indent="0">
+              <a:buNone/>
+            </a:pPr>
+            <a:endParaRPr lang="en-US" dirty="0"/>
+          </a:p>
+          <a:p>
+            <a:pPr marL="0" indent="0">
+              <a:buNone/>
+            </a:pPr>
+            <a:r>
+              <a:rPr lang="en-US" sz="2000" dirty="0"/>
+              <a:t>Source: Wikipedia</a:t>
+            </a:r>
+          </a:p>
+        </p:txBody>
+      </p:sp>
+      <p:sp>
+        <p:nvSpPr>
+          <p:cNvPr id="6" name="Rectangle 5">
+            <a:extLst>
+              <a:ext uri="{FF2B5EF4-FFF2-40B4-BE49-F238E27FC236}">
+                <a16:creationId xmlns:a16="http://schemas.microsoft.com/office/drawing/2014/main" id="{EB5171DC-8FBE-4CB3-8F9D-D70A9DA14319}"/>
+              </a:ext>
+            </a:extLst>
+          </p:cNvPr>
+          <p:cNvSpPr>
+            <a:spLocks noChangeAspect="1"/>
+          </p:cNvSpPr>
+          <p:nvPr/>
+        </p:nvSpPr>
+        <p:spPr>
+          <a:xfrm>
+            <a:off x="457200" y="622800"/>
+            <a:ext cx="11278800" cy="5608800"/>
+          </a:xfrm>
+          <a:prstGeom prst="rect">
+            <a:avLst/>
+          </a:prstGeom>
+          <a:blipFill dpi="0" rotWithShape="1">
+            <a:blip r:embed="rId2">
+              <a:alphaModFix amt="25000"/>
+            </a:blip>
+            <a:srcRect/>
+            <a:stretch>
+              <a:fillRect/>
+            </a:stretch>
+          </a:blipFill>
+          <a:ln>
+            <a:noFill/>
+          </a:ln>
+        </p:spPr>
+        <p:style>
+          <a:lnRef idx="2">
+            <a:schemeClr val="accent1">
+              <a:shade val="50000"/>
+            </a:schemeClr>
+          </a:lnRef>
+          <a:fillRef idx="1">
+            <a:schemeClr val="accent1"/>
+          </a:fillRef>
+          <a:effectRef idx="0">
+            <a:schemeClr val="accent1"/>
+          </a:effectRef>
+          <a:fontRef idx="minor">
+            <a:schemeClr val="lt1"/>
+          </a:fontRef>
+        </p:style>
+        <p:txBody>
+          <a:bodyPr rtlCol="0" anchor="ctr"/>
+          <a:lstStyle/>
+          <a:p>
+            <a:pPr algn="ctr"/>
+            <a:endParaRPr lang="en-AU"/>
+          </a:p>
+        </p:txBody>
+      </p:sp>
+    </p:spTree>
+    <p:extLst>
+      <p:ext uri="{BB962C8B-B14F-4D97-AF65-F5344CB8AC3E}">
+        <p14:creationId xmlns:p14="http://schemas.microsoft.com/office/powerpoint/2010/main" val="1910756210"/>
+      </p:ext>
+    </p:extLst>
+  </p:cSld>
+  <p:clrMapOvr>
+    <a:masterClrMapping/>
+  </p:clrMapOvr>
+</p:sld>
+</file>
+
+<file path=ppt/slides/slide5.xml><?xml version="1.0" encoding="utf-8"?>
+<p:sld xmlns:a="http://schemas.openxmlformats.org/drawingml/2006/main" xmlns:r="http://schemas.openxmlformats.org/officeDocument/2006/relationships" xmlns:p="http://schemas.openxmlformats.org/presentationml/2006/main">
+  <p:cSld>
+    <p:bg>
+      <p:bgPr>
+        <a:solidFill>
+          <a:schemeClr val="accent4">
+            <a:lumMod val="20000"/>
+            <a:lumOff val="80000"/>
+          </a:schemeClr>
+        </a:solidFill>
+        <a:effectLst/>
+      </p:bgPr>
+    </p:bg>
     <p:spTree>
       <p:nvGrpSpPr>
         <p:cNvPr id="1" name=""/>
@@ -4841,9 +5255,20 @@
 </p:sld>
 </file>
 
-<file path=ppt/slides/slide5.xml><?xml version="1.0" encoding="utf-8"?>
+<file path=ppt/slides/slide6.xml><?xml version="1.0" encoding="utf-8"?>
 <p:sld xmlns:a="http://schemas.openxmlformats.org/drawingml/2006/main" xmlns:r="http://schemas.openxmlformats.org/officeDocument/2006/relationships" xmlns:p="http://schemas.openxmlformats.org/presentationml/2006/main">
   <p:cSld>
+    <p:bg>
+      <p:bgPr>
+        <a:solidFill>
+          <a:schemeClr val="accent4">
+            <a:lumMod val="20000"/>
+            <a:lumOff val="80000"/>
+          </a:schemeClr>
+        </a:solidFill>
+        <a:effectLst/>
+      </p:bgPr>
+    </p:bg>
     <p:spTree>
       <p:nvGrpSpPr>
         <p:cNvPr id="1" name=""/>
@@ -5019,9 +5444,20 @@
 </p:sld>
 </file>
 
-<file path=ppt/slides/slide6.xml><?xml version="1.0" encoding="utf-8"?>
+<file path=ppt/slides/slide7.xml><?xml version="1.0" encoding="utf-8"?>
 <p:sld xmlns:a="http://schemas.openxmlformats.org/drawingml/2006/main" xmlns:r="http://schemas.openxmlformats.org/officeDocument/2006/relationships" xmlns:p="http://schemas.openxmlformats.org/presentationml/2006/main">
   <p:cSld>
+    <p:bg>
+      <p:bgPr>
+        <a:solidFill>
+          <a:schemeClr val="accent4">
+            <a:lumMod val="20000"/>
+            <a:lumOff val="80000"/>
+          </a:schemeClr>
+        </a:solidFill>
+        <a:effectLst/>
+      </p:bgPr>
+    </p:bg>
     <p:spTree>
       <p:nvGrpSpPr>
         <p:cNvPr id="1" name=""/>
@@ -6072,9 +6508,20 @@
 </p:sld>
 </file>
 
-<file path=ppt/slides/slide7.xml><?xml version="1.0" encoding="utf-8"?>
+<file path=ppt/slides/slide8.xml><?xml version="1.0" encoding="utf-8"?>
 <p:sld xmlns:a="http://schemas.openxmlformats.org/drawingml/2006/main" xmlns:r="http://schemas.openxmlformats.org/officeDocument/2006/relationships" xmlns:p="http://schemas.openxmlformats.org/presentationml/2006/main">
   <p:cSld>
+    <p:bg>
+      <p:bgPr>
+        <a:solidFill>
+          <a:schemeClr val="accent4">
+            <a:lumMod val="20000"/>
+            <a:lumOff val="80000"/>
+          </a:schemeClr>
+        </a:solidFill>
+        <a:effectLst/>
+      </p:bgPr>
+    </p:bg>
     <p:spTree>
       <p:nvGrpSpPr>
         <p:cNvPr id="1" name=""/>
@@ -7058,9 +7505,20 @@
 </p:sld>
 </file>
 
-<file path=ppt/slides/slide8.xml><?xml version="1.0" encoding="utf-8"?>
+<file path=ppt/slides/slide9.xml><?xml version="1.0" encoding="utf-8"?>
 <p:sld xmlns:a="http://schemas.openxmlformats.org/drawingml/2006/main" xmlns:r="http://schemas.openxmlformats.org/officeDocument/2006/relationships" xmlns:p="http://schemas.openxmlformats.org/presentationml/2006/main">
   <p:cSld>
+    <p:bg>
+      <p:bgPr>
+        <a:solidFill>
+          <a:schemeClr val="accent4">
+            <a:lumMod val="20000"/>
+            <a:lumOff val="80000"/>
+          </a:schemeClr>
+        </a:solidFill>
+        <a:effectLst/>
+      </p:bgPr>
+    </p:bg>
     <p:spTree>
       <p:nvGrpSpPr>
         <p:cNvPr id="1" name=""/>
@@ -7215,143 +7673,6 @@
     <p:extLst>
       <p:ext uri="{BB962C8B-B14F-4D97-AF65-F5344CB8AC3E}">
         <p14:creationId xmlns:p14="http://schemas.microsoft.com/office/powerpoint/2010/main" val="2136944146"/>
-      </p:ext>
-    </p:extLst>
-  </p:cSld>
-  <p:clrMapOvr>
-    <a:masterClrMapping/>
-  </p:clrMapOvr>
-</p:sld>
-</file>
-
-<file path=ppt/slides/slide9.xml><?xml version="1.0" encoding="utf-8"?>
-<p:sld xmlns:a="http://schemas.openxmlformats.org/drawingml/2006/main" xmlns:r="http://schemas.openxmlformats.org/officeDocument/2006/relationships" xmlns:p="http://schemas.openxmlformats.org/presentationml/2006/main">
-  <p:cSld>
-    <p:spTree>
-      <p:nvGrpSpPr>
-        <p:cNvPr id="1" name=""/>
-        <p:cNvGrpSpPr/>
-        <p:nvPr/>
-      </p:nvGrpSpPr>
-      <p:grpSpPr>
-        <a:xfrm>
-          <a:off x="0" y="0"/>
-          <a:ext cx="0" cy="0"/>
-          <a:chOff x="0" y="0"/>
-          <a:chExt cx="0" cy="0"/>
-        </a:xfrm>
-      </p:grpSpPr>
-      <p:sp>
-        <p:nvSpPr>
-          <p:cNvPr id="3" name="Content Placeholder 2">
-            <a:extLst>
-              <a:ext uri="{FF2B5EF4-FFF2-40B4-BE49-F238E27FC236}">
-                <a16:creationId xmlns:a16="http://schemas.microsoft.com/office/drawing/2014/main" id="{6035287A-EF46-4C65-A0B8-CE292478A9DD}"/>
-              </a:ext>
-            </a:extLst>
-          </p:cNvPr>
-          <p:cNvSpPr>
-            <a:spLocks noGrp="1"/>
-          </p:cNvSpPr>
-          <p:nvPr>
-            <p:ph idx="1"/>
-          </p:nvPr>
-        </p:nvSpPr>
-        <p:spPr/>
-        <p:txBody>
-          <a:bodyPr/>
-          <a:lstStyle/>
-          <a:p>
-            <a:pPr marL="0" indent="0">
-              <a:buNone/>
-            </a:pPr>
-            <a:r>
-              <a:rPr lang="en-US" dirty="0"/>
-              <a:t>Lasso Regression</a:t>
-            </a:r>
-          </a:p>
-          <a:p>
-            <a:pPr marL="0" indent="0">
-              <a:buNone/>
-            </a:pPr>
-            <a:endParaRPr lang="en-US" dirty="0"/>
-          </a:p>
-          <a:p>
-            <a:pPr marL="0" indent="0">
-              <a:buNone/>
-            </a:pPr>
-            <a:r>
-              <a:rPr lang="en-US" dirty="0"/>
-              <a:t>[show lasso graph here]</a:t>
-            </a:r>
-            <a:endParaRPr lang="en-AU" dirty="0"/>
-          </a:p>
-        </p:txBody>
-      </p:sp>
-      <p:sp>
-        <p:nvSpPr>
-          <p:cNvPr id="5" name="Rectangle 4">
-            <a:extLst>
-              <a:ext uri="{FF2B5EF4-FFF2-40B4-BE49-F238E27FC236}">
-                <a16:creationId xmlns:a16="http://schemas.microsoft.com/office/drawing/2014/main" id="{8C94BEED-456F-4A6E-9706-2A799104D655}"/>
-              </a:ext>
-            </a:extLst>
-          </p:cNvPr>
-          <p:cNvSpPr>
-            <a:spLocks noChangeAspect="1"/>
-          </p:cNvSpPr>
-          <p:nvPr/>
-        </p:nvSpPr>
-        <p:spPr>
-          <a:xfrm>
-            <a:off x="457200" y="622800"/>
-            <a:ext cx="11278800" cy="5608800"/>
-          </a:xfrm>
-          <a:prstGeom prst="rect">
-            <a:avLst/>
-          </a:prstGeom>
-          <a:blipFill dpi="0" rotWithShape="1">
-            <a:blip r:embed="rId2">
-              <a:alphaModFix amt="25000"/>
-            </a:blip>
-            <a:srcRect/>
-            <a:stretch>
-              <a:fillRect/>
-            </a:stretch>
-          </a:blipFill>
-          <a:ln>
-            <a:noFill/>
-          </a:ln>
-        </p:spPr>
-        <p:style>
-          <a:lnRef idx="2">
-            <a:schemeClr val="accent1">
-              <a:shade val="50000"/>
-            </a:schemeClr>
-          </a:lnRef>
-          <a:fillRef idx="1">
-            <a:schemeClr val="accent1"/>
-          </a:fillRef>
-          <a:effectRef idx="0">
-            <a:schemeClr val="accent1"/>
-          </a:effectRef>
-          <a:fontRef idx="minor">
-            <a:schemeClr val="lt1"/>
-          </a:fontRef>
-        </p:style>
-        <p:txBody>
-          <a:bodyPr rtlCol="0" anchor="ctr"/>
-          <a:lstStyle/>
-          <a:p>
-            <a:pPr algn="ctr"/>
-            <a:endParaRPr lang="en-AU"/>
-          </a:p>
-        </p:txBody>
-      </p:sp>
-    </p:spTree>
-    <p:extLst>
-      <p:ext uri="{BB962C8B-B14F-4D97-AF65-F5344CB8AC3E}">
-        <p14:creationId xmlns:p14="http://schemas.microsoft.com/office/powerpoint/2010/main" val="3784513456"/>
       </p:ext>
     </p:extLst>
   </p:cSld>

--- a/draft GDP presentation.pptx
+++ b/draft GDP presentation.pptx
@@ -5,18 +5,19 @@
     <p:sldMasterId id="2147483749" r:id="rId1"/>
   </p:sldMasterIdLst>
   <p:notesMasterIdLst>
-    <p:notesMasterId r:id="rId11"/>
+    <p:notesMasterId r:id="rId12"/>
   </p:notesMasterIdLst>
   <p:sldIdLst>
     <p:sldId id="256" r:id="rId2"/>
-    <p:sldId id="263" r:id="rId3"/>
-    <p:sldId id="257" r:id="rId4"/>
-    <p:sldId id="269" r:id="rId5"/>
-    <p:sldId id="264" r:id="rId6"/>
-    <p:sldId id="265" r:id="rId7"/>
-    <p:sldId id="266" r:id="rId8"/>
-    <p:sldId id="268" r:id="rId9"/>
-    <p:sldId id="267" r:id="rId10"/>
+    <p:sldId id="270" r:id="rId3"/>
+    <p:sldId id="263" r:id="rId4"/>
+    <p:sldId id="257" r:id="rId5"/>
+    <p:sldId id="269" r:id="rId6"/>
+    <p:sldId id="264" r:id="rId7"/>
+    <p:sldId id="265" r:id="rId8"/>
+    <p:sldId id="266" r:id="rId9"/>
+    <p:sldId id="268" r:id="rId10"/>
+    <p:sldId id="267" r:id="rId11"/>
   </p:sldIdLst>
   <p:sldSz cx="12192000" cy="6858000"/>
   <p:notesSz cx="6858000" cy="9144000"/>
@@ -19554,7 +19555,7 @@
           <a:p>
             <a:fld id="{B1506C49-874C-4049-A2D7-4189454C6028}" type="slidenum">
               <a:rPr lang="en-AU" smtClean="0"/>
-              <a:t>3</a:t>
+              <a:t>4</a:t>
             </a:fld>
             <a:endParaRPr lang="en-AU"/>
           </a:p>
@@ -19642,7 +19643,7 @@
           <a:p>
             <a:fld id="{B1506C49-874C-4049-A2D7-4189454C6028}" type="slidenum">
               <a:rPr lang="en-AU" smtClean="0"/>
-              <a:t>5</a:t>
+              <a:t>6</a:t>
             </a:fld>
             <a:endParaRPr lang="en-AU"/>
           </a:p>
@@ -23249,7 +23250,198 @@
 </p:sld>
 </file>
 
+<file path=ppt/slides/slide10.xml><?xml version="1.0" encoding="utf-8"?>
+<p:sld xmlns:a="http://schemas.openxmlformats.org/drawingml/2006/main" xmlns:r="http://schemas.openxmlformats.org/officeDocument/2006/relationships" xmlns:p="http://schemas.openxmlformats.org/presentationml/2006/main">
+  <p:cSld>
+    <p:spTree>
+      <p:nvGrpSpPr>
+        <p:cNvPr id="1" name=""/>
+        <p:cNvGrpSpPr/>
+        <p:nvPr/>
+      </p:nvGrpSpPr>
+      <p:grpSpPr>
+        <a:xfrm>
+          <a:off x="0" y="0"/>
+          <a:ext cx="0" cy="0"/>
+          <a:chOff x="0" y="0"/>
+          <a:chExt cx="0" cy="0"/>
+        </a:xfrm>
+      </p:grpSpPr>
+      <p:sp>
+        <p:nvSpPr>
+          <p:cNvPr id="2" name="Title 1">
+            <a:extLst>
+              <a:ext uri="{FF2B5EF4-FFF2-40B4-BE49-F238E27FC236}">
+                <a16:creationId xmlns:a16="http://schemas.microsoft.com/office/drawing/2014/main" id="{6F58F258-C06A-47DC-9F49-59E435C56A34}"/>
+              </a:ext>
+            </a:extLst>
+          </p:cNvPr>
+          <p:cNvSpPr>
+            <a:spLocks noGrp="1"/>
+          </p:cNvSpPr>
+          <p:nvPr>
+            <p:ph type="title"/>
+          </p:nvPr>
+        </p:nvSpPr>
+        <p:spPr/>
+        <p:txBody>
+          <a:bodyPr/>
+          <a:lstStyle/>
+          <a:p>
+            <a:r>
+              <a:rPr lang="en-AU" dirty="0"/>
+              <a:t>Model 3</a:t>
+            </a:r>
+          </a:p>
+        </p:txBody>
+      </p:sp>
+      <p:sp>
+        <p:nvSpPr>
+          <p:cNvPr id="3" name="Content Placeholder 2">
+            <a:extLst>
+              <a:ext uri="{FF2B5EF4-FFF2-40B4-BE49-F238E27FC236}">
+                <a16:creationId xmlns:a16="http://schemas.microsoft.com/office/drawing/2014/main" id="{33C9FD51-E028-4961-BD58-5736378E6487}"/>
+              </a:ext>
+            </a:extLst>
+          </p:cNvPr>
+          <p:cNvSpPr>
+            <a:spLocks noGrp="1"/>
+          </p:cNvSpPr>
+          <p:nvPr>
+            <p:ph idx="1"/>
+          </p:nvPr>
+        </p:nvSpPr>
+        <p:spPr/>
+        <p:txBody>
+          <a:bodyPr/>
+          <a:lstStyle/>
+          <a:p>
+            <a:endParaRPr lang="en-AU"/>
+          </a:p>
+        </p:txBody>
+      </p:sp>
+    </p:spTree>
+    <p:extLst>
+      <p:ext uri="{BB962C8B-B14F-4D97-AF65-F5344CB8AC3E}">
+        <p14:creationId xmlns:p14="http://schemas.microsoft.com/office/powerpoint/2010/main" val="2738545271"/>
+      </p:ext>
+    </p:extLst>
+  </p:cSld>
+  <p:clrMapOvr>
+    <a:masterClrMapping/>
+  </p:clrMapOvr>
+</p:sld>
+</file>
+
 <file path=ppt/slides/slide2.xml><?xml version="1.0" encoding="utf-8"?>
+<p:sld xmlns:a="http://schemas.openxmlformats.org/drawingml/2006/main" xmlns:r="http://schemas.openxmlformats.org/officeDocument/2006/relationships" xmlns:p="http://schemas.openxmlformats.org/presentationml/2006/main">
+  <p:cSld>
+    <p:spTree>
+      <p:nvGrpSpPr>
+        <p:cNvPr id="1" name=""/>
+        <p:cNvGrpSpPr/>
+        <p:nvPr/>
+      </p:nvGrpSpPr>
+      <p:grpSpPr>
+        <a:xfrm>
+          <a:off x="0" y="0"/>
+          <a:ext cx="0" cy="0"/>
+          <a:chOff x="0" y="0"/>
+          <a:chExt cx="0" cy="0"/>
+        </a:xfrm>
+      </p:grpSpPr>
+      <p:sp>
+        <p:nvSpPr>
+          <p:cNvPr id="2" name="Title 1">
+            <a:extLst>
+              <a:ext uri="{FF2B5EF4-FFF2-40B4-BE49-F238E27FC236}">
+                <a16:creationId xmlns:a16="http://schemas.microsoft.com/office/drawing/2014/main" id="{66C94C2D-E3E5-4E70-9395-7DC63EC52814}"/>
+              </a:ext>
+            </a:extLst>
+          </p:cNvPr>
+          <p:cNvSpPr>
+            <a:spLocks noGrp="1"/>
+          </p:cNvSpPr>
+          <p:nvPr>
+            <p:ph type="title"/>
+          </p:nvPr>
+        </p:nvSpPr>
+        <p:spPr/>
+        <p:txBody>
+          <a:bodyPr/>
+          <a:lstStyle/>
+          <a:p>
+            <a:r>
+              <a:rPr lang="en-AU" dirty="0"/>
+              <a:t>Research Questions</a:t>
+            </a:r>
+          </a:p>
+        </p:txBody>
+      </p:sp>
+      <p:sp>
+        <p:nvSpPr>
+          <p:cNvPr id="3" name="Content Placeholder 2">
+            <a:extLst>
+              <a:ext uri="{FF2B5EF4-FFF2-40B4-BE49-F238E27FC236}">
+                <a16:creationId xmlns:a16="http://schemas.microsoft.com/office/drawing/2014/main" id="{6A7A6296-1D5D-4A55-8C35-D9A1B2B4D3AB}"/>
+              </a:ext>
+            </a:extLst>
+          </p:cNvPr>
+          <p:cNvSpPr>
+            <a:spLocks noGrp="1"/>
+          </p:cNvSpPr>
+          <p:nvPr>
+            <p:ph idx="1"/>
+          </p:nvPr>
+        </p:nvSpPr>
+        <p:spPr/>
+        <p:txBody>
+          <a:bodyPr/>
+          <a:lstStyle/>
+          <a:p>
+            <a:r>
+              <a:rPr lang="en-AU" b="1" dirty="0"/>
+              <a:t>MAIN Question:</a:t>
+            </a:r>
+            <a:r>
+              <a:rPr lang="en-AU" dirty="0"/>
+              <a:t> how did Australia break the world record for economic growth</a:t>
+            </a:r>
+          </a:p>
+          <a:p>
+            <a:pPr lvl="1"/>
+            <a:r>
+              <a:rPr lang="en-AU" b="1" i="1" dirty="0"/>
+              <a:t>Supplementary Question: </a:t>
+            </a:r>
+            <a:r>
+              <a:rPr lang="en-AU" dirty="0"/>
+              <a:t>what are the main factors that contribute to economic growth in Australia</a:t>
+            </a:r>
+          </a:p>
+          <a:p>
+            <a:pPr lvl="1"/>
+            <a:r>
+              <a:rPr lang="en-AU" b="1" i="1" dirty="0"/>
+              <a:t>Supplementary Question:</a:t>
+            </a:r>
+          </a:p>
+        </p:txBody>
+      </p:sp>
+    </p:spTree>
+    <p:extLst>
+      <p:ext uri="{BB962C8B-B14F-4D97-AF65-F5344CB8AC3E}">
+        <p14:creationId xmlns:p14="http://schemas.microsoft.com/office/powerpoint/2010/main" val="985890515"/>
+      </p:ext>
+    </p:extLst>
+  </p:cSld>
+  <p:clrMapOvr>
+    <a:masterClrMapping/>
+  </p:clrMapOvr>
+</p:sld>
+</file>
+
+<file path=ppt/slides/slide3.xml><?xml version="1.0" encoding="utf-8"?>
 <p:sld xmlns:a="http://schemas.openxmlformats.org/drawingml/2006/main" xmlns:r="http://schemas.openxmlformats.org/officeDocument/2006/relationships" xmlns:p="http://schemas.openxmlformats.org/presentationml/2006/main">
   <p:cSld>
     <p:spTree>
@@ -23327,6 +23519,32 @@
             </a:r>
           </a:p>
           <a:p>
+            <a:r>
+              <a:rPr lang="en-AU" dirty="0"/>
+              <a:t>GDP is measured on a quarterly basis (or every 3 months)</a:t>
+            </a:r>
+          </a:p>
+          <a:p>
+            <a:r>
+              <a:rPr lang="en-AU" dirty="0"/>
+              <a:t>Economic growth occurs when GDP increases between quarters (e.g. Q2 &gt; Q1)</a:t>
+            </a:r>
+          </a:p>
+          <a:p>
+            <a:r>
+              <a:rPr lang="en-AU" dirty="0"/>
+              <a:t>Australia has avoided a recession (defined as two consecutive quarters of negative GDP growth) for 28 years to hold the world record </a:t>
+            </a:r>
+            <a:r>
+              <a:rPr lang="en-AU"/>
+              <a:t>for continued economic </a:t>
+            </a:r>
+            <a:r>
+              <a:rPr lang="en-AU" dirty="0"/>
+              <a:t>growth</a:t>
+            </a:r>
+          </a:p>
+          <a:p>
             <a:endParaRPr lang="en-AU" dirty="0"/>
           </a:p>
         </p:txBody>
@@ -23344,7 +23562,7 @@
 </p:sld>
 </file>
 
-<file path=ppt/slides/slide3.xml><?xml version="1.0" encoding="utf-8"?>
+<file path=ppt/slides/slide4.xml><?xml version="1.0" encoding="utf-8"?>
 <p:sld xmlns:a="http://schemas.openxmlformats.org/drawingml/2006/main" xmlns:r="http://schemas.openxmlformats.org/officeDocument/2006/relationships" xmlns:p="http://schemas.openxmlformats.org/presentationml/2006/main">
   <p:cSld>
     <p:spTree>
@@ -23438,7 +23656,7 @@
 </p:sld>
 </file>
 
-<file path=ppt/slides/slide4.xml><?xml version="1.0" encoding="utf-8"?>
+<file path=ppt/slides/slide5.xml><?xml version="1.0" encoding="utf-8"?>
 <p:sld xmlns:a="http://schemas.openxmlformats.org/drawingml/2006/main" xmlns:r="http://schemas.openxmlformats.org/officeDocument/2006/relationships" xmlns:p="http://schemas.openxmlformats.org/presentationml/2006/main">
   <p:cSld>
     <p:spTree>
@@ -23542,7 +23760,7 @@
 </p:sld>
 </file>
 
-<file path=ppt/slides/slide5.xml><?xml version="1.0" encoding="utf-8"?>
+<file path=ppt/slides/slide6.xml><?xml version="1.0" encoding="utf-8"?>
 <p:sld xmlns:a="http://schemas.openxmlformats.org/drawingml/2006/main" xmlns:r="http://schemas.openxmlformats.org/officeDocument/2006/relationships" xmlns:p="http://schemas.openxmlformats.org/presentationml/2006/main">
   <p:cSld>
     <p:spTree>
@@ -23691,7 +23909,7 @@
 </p:sld>
 </file>
 
-<file path=ppt/slides/slide6.xml><?xml version="1.0" encoding="utf-8"?>
+<file path=ppt/slides/slide7.xml><?xml version="1.0" encoding="utf-8"?>
 <p:sld xmlns:a="http://schemas.openxmlformats.org/drawingml/2006/main" xmlns:r="http://schemas.openxmlformats.org/officeDocument/2006/relationships" xmlns:p="http://schemas.openxmlformats.org/presentationml/2006/main">
   <p:cSld>
     <p:spTree>
@@ -23815,7 +24033,7 @@
 </p:sld>
 </file>
 
-<file path=ppt/slides/slide7.xml><?xml version="1.0" encoding="utf-8"?>
+<file path=ppt/slides/slide8.xml><?xml version="1.0" encoding="utf-8"?>
 <p:sld xmlns:a="http://schemas.openxmlformats.org/drawingml/2006/main" xmlns:r="http://schemas.openxmlformats.org/officeDocument/2006/relationships" xmlns:p="http://schemas.openxmlformats.org/presentationml/2006/main">
   <p:cSld>
     <p:spTree>
@@ -23934,7 +24152,7 @@
 </p:sld>
 </file>
 
-<file path=ppt/slides/slide8.xml><?xml version="1.0" encoding="utf-8"?>
+<file path=ppt/slides/slide9.xml><?xml version="1.0" encoding="utf-8"?>
 <p:sld xmlns:a="http://schemas.openxmlformats.org/drawingml/2006/main" xmlns:r="http://schemas.openxmlformats.org/officeDocument/2006/relationships" xmlns:p="http://schemas.openxmlformats.org/presentationml/2006/main">
   <p:cSld>
     <p:spTree>
@@ -24008,89 +24226,6 @@
     <p:extLst>
       <p:ext uri="{BB962C8B-B14F-4D97-AF65-F5344CB8AC3E}">
         <p14:creationId xmlns:p14="http://schemas.microsoft.com/office/powerpoint/2010/main" val="2684175183"/>
-      </p:ext>
-    </p:extLst>
-  </p:cSld>
-  <p:clrMapOvr>
-    <a:masterClrMapping/>
-  </p:clrMapOvr>
-</p:sld>
-</file>
-
-<file path=ppt/slides/slide9.xml><?xml version="1.0" encoding="utf-8"?>
-<p:sld xmlns:a="http://schemas.openxmlformats.org/drawingml/2006/main" xmlns:r="http://schemas.openxmlformats.org/officeDocument/2006/relationships" xmlns:p="http://schemas.openxmlformats.org/presentationml/2006/main">
-  <p:cSld>
-    <p:spTree>
-      <p:nvGrpSpPr>
-        <p:cNvPr id="1" name=""/>
-        <p:cNvGrpSpPr/>
-        <p:nvPr/>
-      </p:nvGrpSpPr>
-      <p:grpSpPr>
-        <a:xfrm>
-          <a:off x="0" y="0"/>
-          <a:ext cx="0" cy="0"/>
-          <a:chOff x="0" y="0"/>
-          <a:chExt cx="0" cy="0"/>
-        </a:xfrm>
-      </p:grpSpPr>
-      <p:sp>
-        <p:nvSpPr>
-          <p:cNvPr id="2" name="Title 1">
-            <a:extLst>
-              <a:ext uri="{FF2B5EF4-FFF2-40B4-BE49-F238E27FC236}">
-                <a16:creationId xmlns:a16="http://schemas.microsoft.com/office/drawing/2014/main" id="{6F58F258-C06A-47DC-9F49-59E435C56A34}"/>
-              </a:ext>
-            </a:extLst>
-          </p:cNvPr>
-          <p:cNvSpPr>
-            <a:spLocks noGrp="1"/>
-          </p:cNvSpPr>
-          <p:nvPr>
-            <p:ph type="title"/>
-          </p:nvPr>
-        </p:nvSpPr>
-        <p:spPr/>
-        <p:txBody>
-          <a:bodyPr/>
-          <a:lstStyle/>
-          <a:p>
-            <a:r>
-              <a:rPr lang="en-AU" dirty="0"/>
-              <a:t>Model 3</a:t>
-            </a:r>
-          </a:p>
-        </p:txBody>
-      </p:sp>
-      <p:sp>
-        <p:nvSpPr>
-          <p:cNvPr id="3" name="Content Placeholder 2">
-            <a:extLst>
-              <a:ext uri="{FF2B5EF4-FFF2-40B4-BE49-F238E27FC236}">
-                <a16:creationId xmlns:a16="http://schemas.microsoft.com/office/drawing/2014/main" id="{33C9FD51-E028-4961-BD58-5736378E6487}"/>
-              </a:ext>
-            </a:extLst>
-          </p:cNvPr>
-          <p:cNvSpPr>
-            <a:spLocks noGrp="1"/>
-          </p:cNvSpPr>
-          <p:nvPr>
-            <p:ph idx="1"/>
-          </p:nvPr>
-        </p:nvSpPr>
-        <p:spPr/>
-        <p:txBody>
-          <a:bodyPr/>
-          <a:lstStyle/>
-          <a:p>
-            <a:endParaRPr lang="en-AU"/>
-          </a:p>
-        </p:txBody>
-      </p:sp>
-    </p:spTree>
-    <p:extLst>
-      <p:ext uri="{BB962C8B-B14F-4D97-AF65-F5344CB8AC3E}">
-        <p14:creationId xmlns:p14="http://schemas.microsoft.com/office/powerpoint/2010/main" val="2738545271"/>
       </p:ext>
     </p:extLst>
   </p:cSld>

--- a/draft GDP presentation.pptx
+++ b/draft GDP presentation.pptx
@@ -149,7 +149,7 @@
           <a:lstStyle/>
           <a:p>
             <a:pPr>
-              <a:defRPr sz="1400" b="0" i="0" u="none" strike="noStrike" kern="1200" spc="0" baseline="0">
+              <a:defRPr sz="1600" b="1" i="0" u="none" strike="noStrike" kern="1200" spc="0" baseline="0">
                 <a:solidFill>
                   <a:schemeClr val="tx1">
                     <a:lumMod val="65000"/>
@@ -162,14 +162,14 @@
               </a:defRPr>
             </a:pPr>
             <a:r>
-              <a:rPr lang="en-AU" b="1" dirty="0"/>
-              <a:t>Australia's GDP from 1960</a:t>
+              <a:rPr lang="en-AU" sz="1600" b="1"/>
+              <a:t> Australia's</a:t>
             </a:r>
             <a:r>
-              <a:rPr lang="en-AU" b="1" baseline="0" dirty="0"/>
-              <a:t> to 2017</a:t>
+              <a:rPr lang="en-AU" sz="1600" b="1" baseline="0"/>
+              <a:t> GDP from 1980 to 2017</a:t>
             </a:r>
-            <a:endParaRPr lang="en-AU" b="1" dirty="0"/>
+            <a:endParaRPr lang="en-AU" sz="1600" b="1"/>
           </a:p>
         </c:rich>
       </c:tx>
@@ -186,7 +186,7 @@
         <a:lstStyle/>
         <a:p>
           <a:pPr>
-            <a:defRPr sz="1400" b="0" i="0" u="none" strike="noStrike" kern="1200" spc="0" baseline="0">
+            <a:defRPr sz="1600" b="1" i="0" u="none" strike="noStrike" kern="1200" spc="0" baseline="0">
               <a:solidFill>
                 <a:schemeClr val="tx1">
                   <a:lumMod val="65000"/>
@@ -233,365 +233,245 @@
           </c:spPr>
           <c:cat>
             <c:numRef>
-              <c:f>Sheet1!$A$2:$A$68</c:f>
+              <c:f>Sheet1!$A$2:$A$39</c:f>
               <c:numCache>
-                <c:formatCode>mmm\-yyyy</c:formatCode>
-                <c:ptCount val="67"/>
+                <c:formatCode>0</c:formatCode>
+                <c:ptCount val="38"/>
                 <c:pt idx="0">
-                  <c:v>22068</c:v>
+                  <c:v>1980</c:v>
                 </c:pt>
                 <c:pt idx="1">
-                  <c:v>22433</c:v>
+                  <c:v>1981</c:v>
                 </c:pt>
                 <c:pt idx="2">
-                  <c:v>22798</c:v>
+                  <c:v>1982</c:v>
                 </c:pt>
                 <c:pt idx="3">
-                  <c:v>23163</c:v>
+                  <c:v>1983</c:v>
                 </c:pt>
                 <c:pt idx="4">
-                  <c:v>23529</c:v>
+                  <c:v>1984</c:v>
                 </c:pt>
                 <c:pt idx="5">
-                  <c:v>23894</c:v>
+                  <c:v>1985</c:v>
                 </c:pt>
                 <c:pt idx="6">
-                  <c:v>24259</c:v>
+                  <c:v>1986</c:v>
                 </c:pt>
                 <c:pt idx="7">
-                  <c:v>24624</c:v>
+                  <c:v>1987</c:v>
                 </c:pt>
                 <c:pt idx="8">
-                  <c:v>24990</c:v>
+                  <c:v>1988</c:v>
                 </c:pt>
                 <c:pt idx="9">
-                  <c:v>25355</c:v>
+                  <c:v>1989</c:v>
                 </c:pt>
                 <c:pt idx="10">
-                  <c:v>25720</c:v>
+                  <c:v>1990</c:v>
                 </c:pt>
                 <c:pt idx="11">
-                  <c:v>26085</c:v>
+                  <c:v>1991</c:v>
                 </c:pt>
                 <c:pt idx="12">
-                  <c:v>26451</c:v>
+                  <c:v>1992</c:v>
                 </c:pt>
                 <c:pt idx="13">
-                  <c:v>26816</c:v>
+                  <c:v>1993</c:v>
                 </c:pt>
                 <c:pt idx="14">
-                  <c:v>27181</c:v>
+                  <c:v>1994</c:v>
                 </c:pt>
                 <c:pt idx="15">
-                  <c:v>27546</c:v>
+                  <c:v>1995</c:v>
                 </c:pt>
                 <c:pt idx="16">
-                  <c:v>27912</c:v>
+                  <c:v>1996</c:v>
                 </c:pt>
                 <c:pt idx="17">
-                  <c:v>28277</c:v>
+                  <c:v>1997</c:v>
                 </c:pt>
                 <c:pt idx="18">
-                  <c:v>28642</c:v>
+                  <c:v>1998</c:v>
                 </c:pt>
                 <c:pt idx="19">
-                  <c:v>29007</c:v>
+                  <c:v>1999</c:v>
                 </c:pt>
                 <c:pt idx="20">
-                  <c:v>29373</c:v>
+                  <c:v>2000</c:v>
                 </c:pt>
                 <c:pt idx="21">
-                  <c:v>29738</c:v>
+                  <c:v>2001</c:v>
                 </c:pt>
                 <c:pt idx="22">
-                  <c:v>30103</c:v>
+                  <c:v>2002</c:v>
                 </c:pt>
                 <c:pt idx="23">
-                  <c:v>30468</c:v>
+                  <c:v>2003</c:v>
                 </c:pt>
                 <c:pt idx="24">
-                  <c:v>30834</c:v>
+                  <c:v>2004</c:v>
                 </c:pt>
                 <c:pt idx="25">
-                  <c:v>31199</c:v>
+                  <c:v>2005</c:v>
                 </c:pt>
                 <c:pt idx="26">
-                  <c:v>31564</c:v>
+                  <c:v>2006</c:v>
                 </c:pt>
                 <c:pt idx="27">
-                  <c:v>31929</c:v>
+                  <c:v>2007</c:v>
                 </c:pt>
                 <c:pt idx="28">
-                  <c:v>32295</c:v>
+                  <c:v>2008</c:v>
                 </c:pt>
                 <c:pt idx="29">
-                  <c:v>32660</c:v>
+                  <c:v>2009</c:v>
                 </c:pt>
                 <c:pt idx="30">
-                  <c:v>33025</c:v>
+                  <c:v>2010</c:v>
                 </c:pt>
                 <c:pt idx="31">
-                  <c:v>33390</c:v>
+                  <c:v>2011</c:v>
                 </c:pt>
                 <c:pt idx="32">
-                  <c:v>33756</c:v>
+                  <c:v>2012</c:v>
                 </c:pt>
                 <c:pt idx="33">
-                  <c:v>34121</c:v>
+                  <c:v>2013</c:v>
                 </c:pt>
                 <c:pt idx="34">
-                  <c:v>34486</c:v>
+                  <c:v>2014</c:v>
                 </c:pt>
                 <c:pt idx="35">
-                  <c:v>34851</c:v>
+                  <c:v>2015</c:v>
                 </c:pt>
                 <c:pt idx="36">
-                  <c:v>35217</c:v>
+                  <c:v>2016</c:v>
                 </c:pt>
                 <c:pt idx="37">
-                  <c:v>35582</c:v>
-                </c:pt>
-                <c:pt idx="38">
-                  <c:v>35947</c:v>
-                </c:pt>
-                <c:pt idx="39">
-                  <c:v>36312</c:v>
-                </c:pt>
-                <c:pt idx="40">
-                  <c:v>36678</c:v>
-                </c:pt>
-                <c:pt idx="41">
-                  <c:v>37043</c:v>
-                </c:pt>
-                <c:pt idx="42">
-                  <c:v>37408</c:v>
-                </c:pt>
-                <c:pt idx="43">
-                  <c:v>37773</c:v>
-                </c:pt>
-                <c:pt idx="44">
-                  <c:v>38139</c:v>
-                </c:pt>
-                <c:pt idx="45">
-                  <c:v>38504</c:v>
-                </c:pt>
-                <c:pt idx="46">
-                  <c:v>38869</c:v>
-                </c:pt>
-                <c:pt idx="47">
-                  <c:v>39234</c:v>
-                </c:pt>
-                <c:pt idx="48">
-                  <c:v>39600</c:v>
-                </c:pt>
-                <c:pt idx="49">
-                  <c:v>39965</c:v>
-                </c:pt>
-                <c:pt idx="50">
-                  <c:v>40330</c:v>
-                </c:pt>
-                <c:pt idx="51">
-                  <c:v>40695</c:v>
-                </c:pt>
-                <c:pt idx="52">
-                  <c:v>41061</c:v>
-                </c:pt>
-                <c:pt idx="53">
-                  <c:v>41426</c:v>
-                </c:pt>
-                <c:pt idx="54">
-                  <c:v>41791</c:v>
-                </c:pt>
-                <c:pt idx="55">
-                  <c:v>42156</c:v>
-                </c:pt>
-                <c:pt idx="56">
-                  <c:v>42522</c:v>
-                </c:pt>
-                <c:pt idx="57">
-                  <c:v>42887</c:v>
+                  <c:v>2017</c:v>
                 </c:pt>
               </c:numCache>
             </c:numRef>
           </c:cat>
           <c:val>
             <c:numRef>
-              <c:f>Sheet1!$B$2:$B$68</c:f>
+              <c:f>Sheet1!$B$2:$B$39</c:f>
               <c:numCache>
                 <c:formatCode>General</c:formatCode>
-                <c:ptCount val="67"/>
+                <c:ptCount val="38"/>
                 <c:pt idx="0">
-                  <c:v>135869</c:v>
+                  <c:v>300626</c:v>
                 </c:pt>
                 <c:pt idx="1">
-                  <c:v>138879</c:v>
+                  <c:v>310364</c:v>
                 </c:pt>
                 <c:pt idx="2">
-                  <c:v>142361</c:v>
+                  <c:v>327686</c:v>
                 </c:pt>
                 <c:pt idx="3">
-                  <c:v>150126</c:v>
+                  <c:v>335583</c:v>
                 </c:pt>
                 <c:pt idx="4">
-                  <c:v>160697</c:v>
+                  <c:v>339102</c:v>
                 </c:pt>
                 <c:pt idx="5">
-                  <c:v>168736</c:v>
+                  <c:v>342120</c:v>
                 </c:pt>
                 <c:pt idx="6">
-                  <c:v>173692</c:v>
+                  <c:v>359804</c:v>
                 </c:pt>
                 <c:pt idx="7">
-                  <c:v>182578</c:v>
+                  <c:v>367074</c:v>
                 </c:pt>
                 <c:pt idx="8">
-                  <c:v>191639</c:v>
+                  <c:v>378734</c:v>
                 </c:pt>
                 <c:pt idx="9">
-                  <c:v>201841</c:v>
+                  <c:v>396284</c:v>
                 </c:pt>
                 <c:pt idx="10">
-                  <c:v>214171</c:v>
+                  <c:v>413356</c:v>
                 </c:pt>
                 <c:pt idx="11">
-                  <c:v>222481</c:v>
+                  <c:v>417353</c:v>
                 </c:pt>
                 <c:pt idx="12">
-                  <c:v>230505</c:v>
+                  <c:v>427094</c:v>
                 </c:pt>
                 <c:pt idx="13">
-                  <c:v>241268</c:v>
+                  <c:v>435075</c:v>
                 </c:pt>
                 <c:pt idx="14">
-                  <c:v>256415</c:v>
+                  <c:v>444423</c:v>
                 </c:pt>
                 <c:pt idx="15">
-                  <c:v>268920</c:v>
+                  <c:v>464088</c:v>
                 </c:pt>
                 <c:pt idx="16">
-                  <c:v>270953</c:v>
+                  <c:v>479887</c:v>
                 </c:pt>
                 <c:pt idx="17">
-                  <c:v>285388</c:v>
+                  <c:v>494148</c:v>
                 </c:pt>
                 <c:pt idx="18">
-                  <c:v>291035</c:v>
+                  <c:v>518604</c:v>
                 </c:pt>
                 <c:pt idx="19">
-                  <c:v>295352</c:v>
+                  <c:v>548328</c:v>
                 </c:pt>
                 <c:pt idx="20">
-                  <c:v>300626</c:v>
+                  <c:v>571675</c:v>
                 </c:pt>
                 <c:pt idx="21">
-                  <c:v>310364</c:v>
+                  <c:v>589856</c:v>
                 </c:pt>
                 <c:pt idx="22">
-                  <c:v>327686</c:v>
+                  <c:v>608128</c:v>
                 </c:pt>
                 <c:pt idx="23">
-                  <c:v>335583</c:v>
+                  <c:v>632646</c:v>
                 </c:pt>
                 <c:pt idx="24">
-                  <c:v>339102</c:v>
+                  <c:v>664525</c:v>
                 </c:pt>
                 <c:pt idx="25">
-                  <c:v>342120</c:v>
+                  <c:v>694727</c:v>
                 </c:pt>
                 <c:pt idx="26">
-                  <c:v>359804</c:v>
+                  <c:v>717281</c:v>
                 </c:pt>
                 <c:pt idx="27">
-                  <c:v>367074</c:v>
+                  <c:v>756311</c:v>
                 </c:pt>
                 <c:pt idx="28">
-                  <c:v>378734</c:v>
+                  <c:v>793492</c:v>
                 </c:pt>
                 <c:pt idx="29">
-                  <c:v>396284</c:v>
+                  <c:v>798016</c:v>
                 </c:pt>
                 <c:pt idx="30">
-                  <c:v>413356</c:v>
+                  <c:v>823978</c:v>
                 </c:pt>
                 <c:pt idx="31">
-                  <c:v>417353</c:v>
+                  <c:v>856815</c:v>
                 </c:pt>
                 <c:pt idx="32">
-                  <c:v>427094</c:v>
+                  <c:v>882289</c:v>
                 </c:pt>
                 <c:pt idx="33">
-                  <c:v>435075</c:v>
+                  <c:v>897899</c:v>
                 </c:pt>
                 <c:pt idx="34">
-                  <c:v>444423</c:v>
+                  <c:v>919795</c:v>
                 </c:pt>
                 <c:pt idx="35">
-                  <c:v>464088</c:v>
+                  <c:v>941795</c:v>
                 </c:pt>
                 <c:pt idx="36">
-                  <c:v>479887</c:v>
+                  <c:v>968070</c:v>
                 </c:pt>
                 <c:pt idx="37">
-                  <c:v>494148</c:v>
-                </c:pt>
-                <c:pt idx="38">
-                  <c:v>518604</c:v>
-                </c:pt>
-                <c:pt idx="39">
-                  <c:v>548328</c:v>
-                </c:pt>
-                <c:pt idx="40">
-                  <c:v>571675</c:v>
-                </c:pt>
-                <c:pt idx="41">
-                  <c:v>589856</c:v>
-                </c:pt>
-                <c:pt idx="42">
-                  <c:v>608128</c:v>
-                </c:pt>
-                <c:pt idx="43">
-                  <c:v>632646</c:v>
-                </c:pt>
-                <c:pt idx="44">
-                  <c:v>664525</c:v>
-                </c:pt>
-                <c:pt idx="45">
-                  <c:v>694727</c:v>
-                </c:pt>
-                <c:pt idx="46">
-                  <c:v>717281</c:v>
-                </c:pt>
-                <c:pt idx="47">
-                  <c:v>756311</c:v>
-                </c:pt>
-                <c:pt idx="48">
-                  <c:v>793492</c:v>
-                </c:pt>
-                <c:pt idx="49">
-                  <c:v>798016</c:v>
-                </c:pt>
-                <c:pt idx="50">
-                  <c:v>823978</c:v>
-                </c:pt>
-                <c:pt idx="51">
-                  <c:v>856815</c:v>
-                </c:pt>
-                <c:pt idx="52">
-                  <c:v>882289</c:v>
-                </c:pt>
-                <c:pt idx="53">
-                  <c:v>897899</c:v>
-                </c:pt>
-                <c:pt idx="54">
-                  <c:v>919795</c:v>
-                </c:pt>
-                <c:pt idx="55">
-                  <c:v>941795</c:v>
-                </c:pt>
-                <c:pt idx="56">
-                  <c:v>968070</c:v>
-                </c:pt>
-                <c:pt idx="57">
                   <c:v>993674</c:v>
                 </c:pt>
               </c:numCache>
@@ -599,7 +479,7 @@
           </c:val>
           <c:extLst>
             <c:ext xmlns:c16="http://schemas.microsoft.com/office/drawing/2014/chart" uri="{C3380CC4-5D6E-409C-BE32-E72D297353CC}">
-              <c16:uniqueId val="{00000000-AB6C-4449-A109-BEC2F1916BB5}"/>
+              <c16:uniqueId val="{00000000-3A59-4911-AA88-338FE0BB0156}"/>
             </c:ext>
           </c:extLst>
         </c:ser>
@@ -628,365 +508,245 @@
           </c:spPr>
           <c:cat>
             <c:numRef>
-              <c:f>Sheet1!$A$2:$A$68</c:f>
+              <c:f>Sheet1!$A$2:$A$39</c:f>
               <c:numCache>
-                <c:formatCode>mmm\-yyyy</c:formatCode>
-                <c:ptCount val="67"/>
+                <c:formatCode>0</c:formatCode>
+                <c:ptCount val="38"/>
                 <c:pt idx="0">
-                  <c:v>22068</c:v>
+                  <c:v>1980</c:v>
                 </c:pt>
                 <c:pt idx="1">
-                  <c:v>22433</c:v>
+                  <c:v>1981</c:v>
                 </c:pt>
                 <c:pt idx="2">
-                  <c:v>22798</c:v>
+                  <c:v>1982</c:v>
                 </c:pt>
                 <c:pt idx="3">
-                  <c:v>23163</c:v>
+                  <c:v>1983</c:v>
                 </c:pt>
                 <c:pt idx="4">
-                  <c:v>23529</c:v>
+                  <c:v>1984</c:v>
                 </c:pt>
                 <c:pt idx="5">
-                  <c:v>23894</c:v>
+                  <c:v>1985</c:v>
                 </c:pt>
                 <c:pt idx="6">
-                  <c:v>24259</c:v>
+                  <c:v>1986</c:v>
                 </c:pt>
                 <c:pt idx="7">
-                  <c:v>24624</c:v>
+                  <c:v>1987</c:v>
                 </c:pt>
                 <c:pt idx="8">
-                  <c:v>24990</c:v>
+                  <c:v>1988</c:v>
                 </c:pt>
                 <c:pt idx="9">
-                  <c:v>25355</c:v>
+                  <c:v>1989</c:v>
                 </c:pt>
                 <c:pt idx="10">
-                  <c:v>25720</c:v>
+                  <c:v>1990</c:v>
                 </c:pt>
                 <c:pt idx="11">
-                  <c:v>26085</c:v>
+                  <c:v>1991</c:v>
                 </c:pt>
                 <c:pt idx="12">
-                  <c:v>26451</c:v>
+                  <c:v>1992</c:v>
                 </c:pt>
                 <c:pt idx="13">
-                  <c:v>26816</c:v>
+                  <c:v>1993</c:v>
                 </c:pt>
                 <c:pt idx="14">
-                  <c:v>27181</c:v>
+                  <c:v>1994</c:v>
                 </c:pt>
                 <c:pt idx="15">
-                  <c:v>27546</c:v>
+                  <c:v>1995</c:v>
                 </c:pt>
                 <c:pt idx="16">
-                  <c:v>27912</c:v>
+                  <c:v>1996</c:v>
                 </c:pt>
                 <c:pt idx="17">
-                  <c:v>28277</c:v>
+                  <c:v>1997</c:v>
                 </c:pt>
                 <c:pt idx="18">
-                  <c:v>28642</c:v>
+                  <c:v>1998</c:v>
                 </c:pt>
                 <c:pt idx="19">
-                  <c:v>29007</c:v>
+                  <c:v>1999</c:v>
                 </c:pt>
                 <c:pt idx="20">
-                  <c:v>29373</c:v>
+                  <c:v>2000</c:v>
                 </c:pt>
                 <c:pt idx="21">
-                  <c:v>29738</c:v>
+                  <c:v>2001</c:v>
                 </c:pt>
                 <c:pt idx="22">
-                  <c:v>30103</c:v>
+                  <c:v>2002</c:v>
                 </c:pt>
                 <c:pt idx="23">
-                  <c:v>30468</c:v>
+                  <c:v>2003</c:v>
                 </c:pt>
                 <c:pt idx="24">
-                  <c:v>30834</c:v>
+                  <c:v>2004</c:v>
                 </c:pt>
                 <c:pt idx="25">
-                  <c:v>31199</c:v>
+                  <c:v>2005</c:v>
                 </c:pt>
                 <c:pt idx="26">
-                  <c:v>31564</c:v>
+                  <c:v>2006</c:v>
                 </c:pt>
                 <c:pt idx="27">
-                  <c:v>31929</c:v>
+                  <c:v>2007</c:v>
                 </c:pt>
                 <c:pt idx="28">
-                  <c:v>32295</c:v>
+                  <c:v>2008</c:v>
                 </c:pt>
                 <c:pt idx="29">
-                  <c:v>32660</c:v>
+                  <c:v>2009</c:v>
                 </c:pt>
                 <c:pt idx="30">
-                  <c:v>33025</c:v>
+                  <c:v>2010</c:v>
                 </c:pt>
                 <c:pt idx="31">
-                  <c:v>33390</c:v>
+                  <c:v>2011</c:v>
                 </c:pt>
                 <c:pt idx="32">
-                  <c:v>33756</c:v>
+                  <c:v>2012</c:v>
                 </c:pt>
                 <c:pt idx="33">
-                  <c:v>34121</c:v>
+                  <c:v>2013</c:v>
                 </c:pt>
                 <c:pt idx="34">
-                  <c:v>34486</c:v>
+                  <c:v>2014</c:v>
                 </c:pt>
                 <c:pt idx="35">
-                  <c:v>34851</c:v>
+                  <c:v>2015</c:v>
                 </c:pt>
                 <c:pt idx="36">
-                  <c:v>35217</c:v>
+                  <c:v>2016</c:v>
                 </c:pt>
                 <c:pt idx="37">
-                  <c:v>35582</c:v>
-                </c:pt>
-                <c:pt idx="38">
-                  <c:v>35947</c:v>
-                </c:pt>
-                <c:pt idx="39">
-                  <c:v>36312</c:v>
-                </c:pt>
-                <c:pt idx="40">
-                  <c:v>36678</c:v>
-                </c:pt>
-                <c:pt idx="41">
-                  <c:v>37043</c:v>
-                </c:pt>
-                <c:pt idx="42">
-                  <c:v>37408</c:v>
-                </c:pt>
-                <c:pt idx="43">
-                  <c:v>37773</c:v>
-                </c:pt>
-                <c:pt idx="44">
-                  <c:v>38139</c:v>
-                </c:pt>
-                <c:pt idx="45">
-                  <c:v>38504</c:v>
-                </c:pt>
-                <c:pt idx="46">
-                  <c:v>38869</c:v>
-                </c:pt>
-                <c:pt idx="47">
-                  <c:v>39234</c:v>
-                </c:pt>
-                <c:pt idx="48">
-                  <c:v>39600</c:v>
-                </c:pt>
-                <c:pt idx="49">
-                  <c:v>39965</c:v>
-                </c:pt>
-                <c:pt idx="50">
-                  <c:v>40330</c:v>
-                </c:pt>
-                <c:pt idx="51">
-                  <c:v>40695</c:v>
-                </c:pt>
-                <c:pt idx="52">
-                  <c:v>41061</c:v>
-                </c:pt>
-                <c:pt idx="53">
-                  <c:v>41426</c:v>
-                </c:pt>
-                <c:pt idx="54">
-                  <c:v>41791</c:v>
-                </c:pt>
-                <c:pt idx="55">
-                  <c:v>42156</c:v>
-                </c:pt>
-                <c:pt idx="56">
-                  <c:v>42522</c:v>
-                </c:pt>
-                <c:pt idx="57">
-                  <c:v>42887</c:v>
+                  <c:v>2017</c:v>
                 </c:pt>
               </c:numCache>
             </c:numRef>
           </c:cat>
           <c:val>
             <c:numRef>
-              <c:f>Sheet1!$C$2:$C$68</c:f>
+              <c:f>Sheet1!$C$2:$C$39</c:f>
               <c:numCache>
                 <c:formatCode>General</c:formatCode>
-                <c:ptCount val="67"/>
+                <c:ptCount val="38"/>
                 <c:pt idx="0">
-                  <c:v>28268</c:v>
+                  <c:v>70619</c:v>
                 </c:pt>
                 <c:pt idx="1">
-                  <c:v>30351</c:v>
+                  <c:v>82506</c:v>
                 </c:pt>
                 <c:pt idx="2">
-                  <c:v>29363</c:v>
+                  <c:v>88685</c:v>
                 </c:pt>
                 <c:pt idx="3">
-                  <c:v>31807</c:v>
+                  <c:v>76107</c:v>
                 </c:pt>
                 <c:pt idx="4">
-                  <c:v>34504</c:v>
+                  <c:v>78810</c:v>
                 </c:pt>
                 <c:pt idx="5">
-                  <c:v>36499</c:v>
+                  <c:v>88676</c:v>
                 </c:pt>
                 <c:pt idx="6">
-                  <c:v>39077</c:v>
+                  <c:v>93275</c:v>
                 </c:pt>
                 <c:pt idx="7">
-                  <c:v>40958</c:v>
+                  <c:v>93801</c:v>
                 </c:pt>
                 <c:pt idx="8">
-                  <c:v>44005</c:v>
+                  <c:v>107906</c:v>
                 </c:pt>
                 <c:pt idx="9">
-                  <c:v>48053</c:v>
+                  <c:v>122627</c:v>
                 </c:pt>
                 <c:pt idx="10">
-                  <c:v>50022</c:v>
+                  <c:v>119253</c:v>
                 </c:pt>
                 <c:pt idx="11">
-                  <c:v>52124</c:v>
+                  <c:v>105960</c:v>
                 </c:pt>
                 <c:pt idx="12">
-                  <c:v>52647</c:v>
+                  <c:v>100110</c:v>
                 </c:pt>
                 <c:pt idx="13">
-                  <c:v>55100</c:v>
+                  <c:v>109810</c:v>
                 </c:pt>
                 <c:pt idx="14">
-                  <c:v>58004</c:v>
+                  <c:v>119274</c:v>
                 </c:pt>
                 <c:pt idx="15">
-                  <c:v>50869</c:v>
+                  <c:v>132930</c:v>
                 </c:pt>
                 <c:pt idx="16">
-                  <c:v>53658</c:v>
+                  <c:v>138550</c:v>
                 </c:pt>
                 <c:pt idx="17">
-                  <c:v>57099</c:v>
+                  <c:v>151023</c:v>
                 </c:pt>
                 <c:pt idx="18">
-                  <c:v>59901</c:v>
+                  <c:v>171540</c:v>
                 </c:pt>
                 <c:pt idx="19">
-                  <c:v>67807</c:v>
+                  <c:v>174463</c:v>
                 </c:pt>
                 <c:pt idx="20">
-                  <c:v>70619</c:v>
+                  <c:v>192076</c:v>
                 </c:pt>
                 <c:pt idx="21">
-                  <c:v>82506</c:v>
+                  <c:v>173063</c:v>
                 </c:pt>
                 <c:pt idx="22">
-                  <c:v>88685</c:v>
+                  <c:v>189788</c:v>
                 </c:pt>
                 <c:pt idx="23">
-                  <c:v>76107</c:v>
+                  <c:v>216841</c:v>
                 </c:pt>
                 <c:pt idx="24">
-                  <c:v>78810</c:v>
+                  <c:v>236833</c:v>
                 </c:pt>
                 <c:pt idx="25">
-                  <c:v>88676</c:v>
+                  <c:v>248954</c:v>
                 </c:pt>
                 <c:pt idx="26">
-                  <c:v>93275</c:v>
+                  <c:v>269860</c:v>
                 </c:pt>
                 <c:pt idx="27">
-                  <c:v>93801</c:v>
+                  <c:v>280361</c:v>
                 </c:pt>
                 <c:pt idx="28">
-                  <c:v>107906</c:v>
+                  <c:v>305424</c:v>
                 </c:pt>
                 <c:pt idx="29">
-                  <c:v>122627</c:v>
+                  <c:v>306712</c:v>
                 </c:pt>
                 <c:pt idx="30">
-                  <c:v>119253</c:v>
+                  <c:v>295639</c:v>
                 </c:pt>
                 <c:pt idx="31">
-                  <c:v>105960</c:v>
+                  <c:v>312456</c:v>
                 </c:pt>
                 <c:pt idx="32">
-                  <c:v>100110</c:v>
+                  <c:v>359435</c:v>
                 </c:pt>
                 <c:pt idx="33">
-                  <c:v>109810</c:v>
+                  <c:v>374992</c:v>
                 </c:pt>
                 <c:pt idx="34">
-                  <c:v>119274</c:v>
+                  <c:v>370789</c:v>
                 </c:pt>
                 <c:pt idx="35">
-                  <c:v>132930</c:v>
+                  <c:v>360635</c:v>
                 </c:pt>
                 <c:pt idx="36">
-                  <c:v>138550</c:v>
+                  <c:v>342762</c:v>
                 </c:pt>
                 <c:pt idx="37">
-                  <c:v>151023</c:v>
-                </c:pt>
-                <c:pt idx="38">
-                  <c:v>171540</c:v>
-                </c:pt>
-                <c:pt idx="39">
-                  <c:v>174463</c:v>
-                </c:pt>
-                <c:pt idx="40">
-                  <c:v>192076</c:v>
-                </c:pt>
-                <c:pt idx="41">
-                  <c:v>173063</c:v>
-                </c:pt>
-                <c:pt idx="42">
-                  <c:v>189788</c:v>
-                </c:pt>
-                <c:pt idx="43">
-                  <c:v>216841</c:v>
-                </c:pt>
-                <c:pt idx="44">
-                  <c:v>236833</c:v>
-                </c:pt>
-                <c:pt idx="45">
-                  <c:v>248954</c:v>
-                </c:pt>
-                <c:pt idx="46">
-                  <c:v>269860</c:v>
-                </c:pt>
-                <c:pt idx="47">
-                  <c:v>280361</c:v>
-                </c:pt>
-                <c:pt idx="48">
-                  <c:v>305424</c:v>
-                </c:pt>
-                <c:pt idx="49">
-                  <c:v>306712</c:v>
-                </c:pt>
-                <c:pt idx="50">
-                  <c:v>295639</c:v>
-                </c:pt>
-                <c:pt idx="51">
-                  <c:v>312456</c:v>
-                </c:pt>
-                <c:pt idx="52">
-                  <c:v>359435</c:v>
-                </c:pt>
-                <c:pt idx="53">
-                  <c:v>374992</c:v>
-                </c:pt>
-                <c:pt idx="54">
-                  <c:v>370789</c:v>
-                </c:pt>
-                <c:pt idx="55">
-                  <c:v>360635</c:v>
-                </c:pt>
-                <c:pt idx="56">
-                  <c:v>342762</c:v>
-                </c:pt>
-                <c:pt idx="57">
                   <c:v>331311</c:v>
                 </c:pt>
               </c:numCache>
@@ -994,7 +754,7 @@
           </c:val>
           <c:extLst>
             <c:ext xmlns:c16="http://schemas.microsoft.com/office/drawing/2014/chart" uri="{C3380CC4-5D6E-409C-BE32-E72D297353CC}">
-              <c16:uniqueId val="{00000001-AB6C-4449-A109-BEC2F1916BB5}"/>
+              <c16:uniqueId val="{00000001-3A59-4911-AA88-338FE0BB0156}"/>
             </c:ext>
           </c:extLst>
         </c:ser>
@@ -1023,365 +783,245 @@
           </c:spPr>
           <c:cat>
             <c:numRef>
-              <c:f>Sheet1!$A$2:$A$68</c:f>
+              <c:f>Sheet1!$A$2:$A$39</c:f>
               <c:numCache>
-                <c:formatCode>mmm\-yyyy</c:formatCode>
-                <c:ptCount val="67"/>
+                <c:formatCode>0</c:formatCode>
+                <c:ptCount val="38"/>
                 <c:pt idx="0">
-                  <c:v>22068</c:v>
+                  <c:v>1980</c:v>
                 </c:pt>
                 <c:pt idx="1">
-                  <c:v>22433</c:v>
+                  <c:v>1981</c:v>
                 </c:pt>
                 <c:pt idx="2">
-                  <c:v>22798</c:v>
+                  <c:v>1982</c:v>
                 </c:pt>
                 <c:pt idx="3">
-                  <c:v>23163</c:v>
+                  <c:v>1983</c:v>
                 </c:pt>
                 <c:pt idx="4">
-                  <c:v>23529</c:v>
+                  <c:v>1984</c:v>
                 </c:pt>
                 <c:pt idx="5">
-                  <c:v>23894</c:v>
+                  <c:v>1985</c:v>
                 </c:pt>
                 <c:pt idx="6">
-                  <c:v>24259</c:v>
+                  <c:v>1986</c:v>
                 </c:pt>
                 <c:pt idx="7">
-                  <c:v>24624</c:v>
+                  <c:v>1987</c:v>
                 </c:pt>
                 <c:pt idx="8">
-                  <c:v>24990</c:v>
+                  <c:v>1988</c:v>
                 </c:pt>
                 <c:pt idx="9">
-                  <c:v>25355</c:v>
+                  <c:v>1989</c:v>
                 </c:pt>
                 <c:pt idx="10">
-                  <c:v>25720</c:v>
+                  <c:v>1990</c:v>
                 </c:pt>
                 <c:pt idx="11">
-                  <c:v>26085</c:v>
+                  <c:v>1991</c:v>
                 </c:pt>
                 <c:pt idx="12">
-                  <c:v>26451</c:v>
+                  <c:v>1992</c:v>
                 </c:pt>
                 <c:pt idx="13">
-                  <c:v>26816</c:v>
+                  <c:v>1993</c:v>
                 </c:pt>
                 <c:pt idx="14">
-                  <c:v>27181</c:v>
+                  <c:v>1994</c:v>
                 </c:pt>
                 <c:pt idx="15">
-                  <c:v>27546</c:v>
+                  <c:v>1995</c:v>
                 </c:pt>
                 <c:pt idx="16">
-                  <c:v>27912</c:v>
+                  <c:v>1996</c:v>
                 </c:pt>
                 <c:pt idx="17">
-                  <c:v>28277</c:v>
+                  <c:v>1997</c:v>
                 </c:pt>
                 <c:pt idx="18">
-                  <c:v>28642</c:v>
+                  <c:v>1998</c:v>
                 </c:pt>
                 <c:pt idx="19">
-                  <c:v>29007</c:v>
+                  <c:v>1999</c:v>
                 </c:pt>
                 <c:pt idx="20">
-                  <c:v>29373</c:v>
+                  <c:v>2000</c:v>
                 </c:pt>
                 <c:pt idx="21">
-                  <c:v>29738</c:v>
+                  <c:v>2001</c:v>
                 </c:pt>
                 <c:pt idx="22">
-                  <c:v>30103</c:v>
+                  <c:v>2002</c:v>
                 </c:pt>
                 <c:pt idx="23">
-                  <c:v>30468</c:v>
+                  <c:v>2003</c:v>
                 </c:pt>
                 <c:pt idx="24">
-                  <c:v>30834</c:v>
+                  <c:v>2004</c:v>
                 </c:pt>
                 <c:pt idx="25">
-                  <c:v>31199</c:v>
+                  <c:v>2005</c:v>
                 </c:pt>
                 <c:pt idx="26">
-                  <c:v>31564</c:v>
+                  <c:v>2006</c:v>
                 </c:pt>
                 <c:pt idx="27">
-                  <c:v>31929</c:v>
+                  <c:v>2007</c:v>
                 </c:pt>
                 <c:pt idx="28">
-                  <c:v>32295</c:v>
+                  <c:v>2008</c:v>
                 </c:pt>
                 <c:pt idx="29">
-                  <c:v>32660</c:v>
+                  <c:v>2009</c:v>
                 </c:pt>
                 <c:pt idx="30">
-                  <c:v>33025</c:v>
+                  <c:v>2010</c:v>
                 </c:pt>
                 <c:pt idx="31">
-                  <c:v>33390</c:v>
+                  <c:v>2011</c:v>
                 </c:pt>
                 <c:pt idx="32">
-                  <c:v>33756</c:v>
+                  <c:v>2012</c:v>
                 </c:pt>
                 <c:pt idx="33">
-                  <c:v>34121</c:v>
+                  <c:v>2013</c:v>
                 </c:pt>
                 <c:pt idx="34">
-                  <c:v>34486</c:v>
+                  <c:v>2014</c:v>
                 </c:pt>
                 <c:pt idx="35">
-                  <c:v>34851</c:v>
+                  <c:v>2015</c:v>
                 </c:pt>
                 <c:pt idx="36">
-                  <c:v>35217</c:v>
+                  <c:v>2016</c:v>
                 </c:pt>
                 <c:pt idx="37">
-                  <c:v>35582</c:v>
-                </c:pt>
-                <c:pt idx="38">
-                  <c:v>35947</c:v>
-                </c:pt>
-                <c:pt idx="39">
-                  <c:v>36312</c:v>
-                </c:pt>
-                <c:pt idx="40">
-                  <c:v>36678</c:v>
-                </c:pt>
-                <c:pt idx="41">
-                  <c:v>37043</c:v>
-                </c:pt>
-                <c:pt idx="42">
-                  <c:v>37408</c:v>
-                </c:pt>
-                <c:pt idx="43">
-                  <c:v>37773</c:v>
-                </c:pt>
-                <c:pt idx="44">
-                  <c:v>38139</c:v>
-                </c:pt>
-                <c:pt idx="45">
-                  <c:v>38504</c:v>
-                </c:pt>
-                <c:pt idx="46">
-                  <c:v>38869</c:v>
-                </c:pt>
-                <c:pt idx="47">
-                  <c:v>39234</c:v>
-                </c:pt>
-                <c:pt idx="48">
-                  <c:v>39600</c:v>
-                </c:pt>
-                <c:pt idx="49">
-                  <c:v>39965</c:v>
-                </c:pt>
-                <c:pt idx="50">
-                  <c:v>40330</c:v>
-                </c:pt>
-                <c:pt idx="51">
-                  <c:v>40695</c:v>
-                </c:pt>
-                <c:pt idx="52">
-                  <c:v>41061</c:v>
-                </c:pt>
-                <c:pt idx="53">
-                  <c:v>41426</c:v>
-                </c:pt>
-                <c:pt idx="54">
-                  <c:v>41791</c:v>
-                </c:pt>
-                <c:pt idx="55">
-                  <c:v>42156</c:v>
-                </c:pt>
-                <c:pt idx="56">
-                  <c:v>42522</c:v>
-                </c:pt>
-                <c:pt idx="57">
-                  <c:v>42887</c:v>
+                  <c:v>2017</c:v>
                 </c:pt>
               </c:numCache>
             </c:numRef>
           </c:cat>
           <c:val>
             <c:numRef>
-              <c:f>Sheet1!$D$2:$D$68</c:f>
+              <c:f>Sheet1!$D$2:$D$39</c:f>
               <c:numCache>
                 <c:formatCode>General</c:formatCode>
-                <c:ptCount val="67"/>
+                <c:ptCount val="38"/>
                 <c:pt idx="0">
-                  <c:v>49695</c:v>
+                  <c:v>127669</c:v>
                 </c:pt>
                 <c:pt idx="1">
-                  <c:v>51111</c:v>
+                  <c:v>132763</c:v>
                 </c:pt>
                 <c:pt idx="2">
-                  <c:v>54813</c:v>
+                  <c:v>136120</c:v>
                 </c:pt>
                 <c:pt idx="3">
-                  <c:v>56605</c:v>
+                  <c:v>140194</c:v>
                 </c:pt>
                 <c:pt idx="4">
-                  <c:v>59575</c:v>
+                  <c:v>147944</c:v>
                 </c:pt>
                 <c:pt idx="5">
-                  <c:v>65465</c:v>
+                  <c:v>157006</c:v>
                 </c:pt>
                 <c:pt idx="6">
-                  <c:v>72194</c:v>
+                  <c:v>164991</c:v>
                 </c:pt>
                 <c:pt idx="7">
-                  <c:v>76140</c:v>
+                  <c:v>169334</c:v>
                 </c:pt>
                 <c:pt idx="8">
-                  <c:v>82715</c:v>
+                  <c:v>170256</c:v>
                 </c:pt>
                 <c:pt idx="9">
-                  <c:v>84530</c:v>
+                  <c:v>174666</c:v>
                 </c:pt>
                 <c:pt idx="10">
-                  <c:v>89518</c:v>
+                  <c:v>183286</c:v>
                 </c:pt>
                 <c:pt idx="11">
-                  <c:v>93061</c:v>
+                  <c:v>186485</c:v>
                 </c:pt>
                 <c:pt idx="12">
-                  <c:v>97910</c:v>
+                  <c:v>190727</c:v>
                 </c:pt>
                 <c:pt idx="13">
-                  <c:v>99947</c:v>
+                  <c:v>194116</c:v>
                 </c:pt>
                 <c:pt idx="14">
-                  <c:v>102197</c:v>
+                  <c:v>194809</c:v>
                 </c:pt>
                 <c:pt idx="15">
-                  <c:v>111878</c:v>
+                  <c:v>203481</c:v>
                 </c:pt>
                 <c:pt idx="16">
-                  <c:v>118688</c:v>
+                  <c:v>209428</c:v>
                 </c:pt>
                 <c:pt idx="17">
-                  <c:v>118870</c:v>
+                  <c:v>212032</c:v>
                 </c:pt>
                 <c:pt idx="18">
-                  <c:v>121988</c:v>
+                  <c:v>216881</c:v>
                 </c:pt>
                 <c:pt idx="19">
-                  <c:v>125570</c:v>
+                  <c:v>230808</c:v>
                 </c:pt>
                 <c:pt idx="20">
-                  <c:v>127669</c:v>
+                  <c:v>236563</c:v>
                 </c:pt>
                 <c:pt idx="21">
-                  <c:v>132763</c:v>
+                  <c:v>240574</c:v>
                 </c:pt>
                 <c:pt idx="22">
-                  <c:v>136120</c:v>
+                  <c:v>249466</c:v>
                 </c:pt>
                 <c:pt idx="23">
-                  <c:v>140194</c:v>
+                  <c:v>257675</c:v>
                 </c:pt>
                 <c:pt idx="24">
-                  <c:v>147944</c:v>
+                  <c:v>269330</c:v>
                 </c:pt>
                 <c:pt idx="25">
-                  <c:v>157006</c:v>
+                  <c:v>281834</c:v>
                 </c:pt>
                 <c:pt idx="26">
-                  <c:v>164991</c:v>
+                  <c:v>293590</c:v>
                 </c:pt>
                 <c:pt idx="27">
-                  <c:v>169334</c:v>
+                  <c:v>304602</c:v>
                 </c:pt>
                 <c:pt idx="28">
-                  <c:v>170256</c:v>
+                  <c:v>316873</c:v>
                 </c:pt>
                 <c:pt idx="29">
-                  <c:v>174666</c:v>
+                  <c:v>331523</c:v>
                 </c:pt>
                 <c:pt idx="30">
-                  <c:v>183286</c:v>
+                  <c:v>353023</c:v>
                 </c:pt>
                 <c:pt idx="31">
-                  <c:v>186485</c:v>
+                  <c:v>358982</c:v>
                 </c:pt>
                 <c:pt idx="32">
-                  <c:v>190727</c:v>
+                  <c:v>367879</c:v>
                 </c:pt>
                 <c:pt idx="33">
-                  <c:v>194116</c:v>
+                  <c:v>366905</c:v>
                 </c:pt>
                 <c:pt idx="34">
-                  <c:v>194809</c:v>
+                  <c:v>367248</c:v>
                 </c:pt>
                 <c:pt idx="35">
-                  <c:v>203481</c:v>
+                  <c:v>369701</c:v>
                 </c:pt>
                 <c:pt idx="36">
-                  <c:v>209428</c:v>
+                  <c:v>385265</c:v>
                 </c:pt>
                 <c:pt idx="37">
-                  <c:v>212032</c:v>
-                </c:pt>
-                <c:pt idx="38">
-                  <c:v>216881</c:v>
-                </c:pt>
-                <c:pt idx="39">
-                  <c:v>230808</c:v>
-                </c:pt>
-                <c:pt idx="40">
-                  <c:v>236563</c:v>
-                </c:pt>
-                <c:pt idx="41">
-                  <c:v>240574</c:v>
-                </c:pt>
-                <c:pt idx="42">
-                  <c:v>249466</c:v>
-                </c:pt>
-                <c:pt idx="43">
-                  <c:v>257675</c:v>
-                </c:pt>
-                <c:pt idx="44">
-                  <c:v>269330</c:v>
-                </c:pt>
-                <c:pt idx="45">
-                  <c:v>281834</c:v>
-                </c:pt>
-                <c:pt idx="46">
-                  <c:v>293590</c:v>
-                </c:pt>
-                <c:pt idx="47">
-                  <c:v>304602</c:v>
-                </c:pt>
-                <c:pt idx="48">
-                  <c:v>316873</c:v>
-                </c:pt>
-                <c:pt idx="49">
-                  <c:v>331523</c:v>
-                </c:pt>
-                <c:pt idx="50">
-                  <c:v>353023</c:v>
-                </c:pt>
-                <c:pt idx="51">
-                  <c:v>358982</c:v>
-                </c:pt>
-                <c:pt idx="52">
-                  <c:v>367879</c:v>
-                </c:pt>
-                <c:pt idx="53">
-                  <c:v>366905</c:v>
-                </c:pt>
-                <c:pt idx="54">
-                  <c:v>367248</c:v>
-                </c:pt>
-                <c:pt idx="55">
-                  <c:v>369701</c:v>
-                </c:pt>
-                <c:pt idx="56">
-                  <c:v>385265</c:v>
-                </c:pt>
-                <c:pt idx="57">
                   <c:v>409605</c:v>
                 </c:pt>
               </c:numCache>
@@ -1389,7 +1029,7 @@
           </c:val>
           <c:extLst>
             <c:ext xmlns:c16="http://schemas.microsoft.com/office/drawing/2014/chart" uri="{C3380CC4-5D6E-409C-BE32-E72D297353CC}">
-              <c16:uniqueId val="{00000002-AB6C-4449-A109-BEC2F1916BB5}"/>
+              <c16:uniqueId val="{00000002-3A59-4911-AA88-338FE0BB0156}"/>
             </c:ext>
           </c:extLst>
         </c:ser>
@@ -1418,365 +1058,245 @@
           </c:spPr>
           <c:cat>
             <c:numRef>
-              <c:f>Sheet1!$A$2:$A$68</c:f>
+              <c:f>Sheet1!$A$2:$A$39</c:f>
               <c:numCache>
-                <c:formatCode>mmm\-yyyy</c:formatCode>
-                <c:ptCount val="67"/>
+                <c:formatCode>0</c:formatCode>
+                <c:ptCount val="38"/>
                 <c:pt idx="0">
-                  <c:v>22068</c:v>
+                  <c:v>1980</c:v>
                 </c:pt>
                 <c:pt idx="1">
-                  <c:v>22433</c:v>
+                  <c:v>1981</c:v>
                 </c:pt>
                 <c:pt idx="2">
-                  <c:v>22798</c:v>
+                  <c:v>1982</c:v>
                 </c:pt>
                 <c:pt idx="3">
-                  <c:v>23163</c:v>
+                  <c:v>1983</c:v>
                 </c:pt>
                 <c:pt idx="4">
-                  <c:v>23529</c:v>
+                  <c:v>1984</c:v>
                 </c:pt>
                 <c:pt idx="5">
-                  <c:v>23894</c:v>
+                  <c:v>1985</c:v>
                 </c:pt>
                 <c:pt idx="6">
-                  <c:v>24259</c:v>
+                  <c:v>1986</c:v>
                 </c:pt>
                 <c:pt idx="7">
-                  <c:v>24624</c:v>
+                  <c:v>1987</c:v>
                 </c:pt>
                 <c:pt idx="8">
-                  <c:v>24990</c:v>
+                  <c:v>1988</c:v>
                 </c:pt>
                 <c:pt idx="9">
-                  <c:v>25355</c:v>
+                  <c:v>1989</c:v>
                 </c:pt>
                 <c:pt idx="10">
-                  <c:v>25720</c:v>
+                  <c:v>1990</c:v>
                 </c:pt>
                 <c:pt idx="11">
-                  <c:v>26085</c:v>
+                  <c:v>1991</c:v>
                 </c:pt>
                 <c:pt idx="12">
-                  <c:v>26451</c:v>
+                  <c:v>1992</c:v>
                 </c:pt>
                 <c:pt idx="13">
-                  <c:v>26816</c:v>
+                  <c:v>1993</c:v>
                 </c:pt>
                 <c:pt idx="14">
-                  <c:v>27181</c:v>
+                  <c:v>1994</c:v>
                 </c:pt>
                 <c:pt idx="15">
-                  <c:v>27546</c:v>
+                  <c:v>1995</c:v>
                 </c:pt>
                 <c:pt idx="16">
-                  <c:v>27912</c:v>
+                  <c:v>1996</c:v>
                 </c:pt>
                 <c:pt idx="17">
-                  <c:v>28277</c:v>
+                  <c:v>1997</c:v>
                 </c:pt>
                 <c:pt idx="18">
-                  <c:v>28642</c:v>
+                  <c:v>1998</c:v>
                 </c:pt>
                 <c:pt idx="19">
-                  <c:v>29007</c:v>
+                  <c:v>1999</c:v>
                 </c:pt>
                 <c:pt idx="20">
-                  <c:v>29373</c:v>
+                  <c:v>2000</c:v>
                 </c:pt>
                 <c:pt idx="21">
-                  <c:v>29738</c:v>
+                  <c:v>2001</c:v>
                 </c:pt>
                 <c:pt idx="22">
-                  <c:v>30103</c:v>
+                  <c:v>2002</c:v>
                 </c:pt>
                 <c:pt idx="23">
-                  <c:v>30468</c:v>
+                  <c:v>2003</c:v>
                 </c:pt>
                 <c:pt idx="24">
-                  <c:v>30834</c:v>
+                  <c:v>2004</c:v>
                 </c:pt>
                 <c:pt idx="25">
-                  <c:v>31199</c:v>
+                  <c:v>2005</c:v>
                 </c:pt>
                 <c:pt idx="26">
-                  <c:v>31564</c:v>
+                  <c:v>2006</c:v>
                 </c:pt>
                 <c:pt idx="27">
-                  <c:v>31929</c:v>
+                  <c:v>2007</c:v>
                 </c:pt>
                 <c:pt idx="28">
-                  <c:v>32295</c:v>
+                  <c:v>2008</c:v>
                 </c:pt>
                 <c:pt idx="29">
-                  <c:v>32660</c:v>
+                  <c:v>2009</c:v>
                 </c:pt>
                 <c:pt idx="30">
-                  <c:v>33025</c:v>
+                  <c:v>2010</c:v>
                 </c:pt>
                 <c:pt idx="31">
-                  <c:v>33390</c:v>
+                  <c:v>2011</c:v>
                 </c:pt>
                 <c:pt idx="32">
-                  <c:v>33756</c:v>
+                  <c:v>2012</c:v>
                 </c:pt>
                 <c:pt idx="33">
-                  <c:v>34121</c:v>
+                  <c:v>2013</c:v>
                 </c:pt>
                 <c:pt idx="34">
-                  <c:v>34486</c:v>
+                  <c:v>2014</c:v>
                 </c:pt>
                 <c:pt idx="35">
-                  <c:v>34851</c:v>
+                  <c:v>2015</c:v>
                 </c:pt>
                 <c:pt idx="36">
-                  <c:v>35217</c:v>
+                  <c:v>2016</c:v>
                 </c:pt>
                 <c:pt idx="37">
-                  <c:v>35582</c:v>
-                </c:pt>
-                <c:pt idx="38">
-                  <c:v>35947</c:v>
-                </c:pt>
-                <c:pt idx="39">
-                  <c:v>36312</c:v>
-                </c:pt>
-                <c:pt idx="40">
-                  <c:v>36678</c:v>
-                </c:pt>
-                <c:pt idx="41">
-                  <c:v>37043</c:v>
-                </c:pt>
-                <c:pt idx="42">
-                  <c:v>37408</c:v>
-                </c:pt>
-                <c:pt idx="43">
-                  <c:v>37773</c:v>
-                </c:pt>
-                <c:pt idx="44">
-                  <c:v>38139</c:v>
-                </c:pt>
-                <c:pt idx="45">
-                  <c:v>38504</c:v>
-                </c:pt>
-                <c:pt idx="46">
-                  <c:v>38869</c:v>
-                </c:pt>
-                <c:pt idx="47">
-                  <c:v>39234</c:v>
-                </c:pt>
-                <c:pt idx="48">
-                  <c:v>39600</c:v>
-                </c:pt>
-                <c:pt idx="49">
-                  <c:v>39965</c:v>
-                </c:pt>
-                <c:pt idx="50">
-                  <c:v>40330</c:v>
-                </c:pt>
-                <c:pt idx="51">
-                  <c:v>40695</c:v>
-                </c:pt>
-                <c:pt idx="52">
-                  <c:v>41061</c:v>
-                </c:pt>
-                <c:pt idx="53">
-                  <c:v>41426</c:v>
-                </c:pt>
-                <c:pt idx="54">
-                  <c:v>41791</c:v>
-                </c:pt>
-                <c:pt idx="55">
-                  <c:v>42156</c:v>
-                </c:pt>
-                <c:pt idx="56">
-                  <c:v>42522</c:v>
-                </c:pt>
-                <c:pt idx="57">
-                  <c:v>42887</c:v>
+                  <c:v>2017</c:v>
                 </c:pt>
               </c:numCache>
             </c:numRef>
           </c:cat>
           <c:val>
             <c:numRef>
-              <c:f>Sheet1!$E$2:$E$68</c:f>
+              <c:f>Sheet1!$E$2:$E$39</c:f>
               <c:numCache>
                 <c:formatCode>General</c:formatCode>
-                <c:ptCount val="67"/>
+                <c:ptCount val="38"/>
                 <c:pt idx="0">
-                  <c:v>1614</c:v>
+                  <c:v>13071</c:v>
                 </c:pt>
                 <c:pt idx="1">
-                  <c:v>611</c:v>
+                  <c:v>6953</c:v>
                 </c:pt>
                 <c:pt idx="2">
-                  <c:v>5199</c:v>
+                  <c:v>3255</c:v>
                 </c:pt>
                 <c:pt idx="3">
-                  <c:v>2367</c:v>
+                  <c:v>7465</c:v>
                 </c:pt>
                 <c:pt idx="4">
-                  <c:v>3613</c:v>
+                  <c:v>8739</c:v>
                 </c:pt>
                 <c:pt idx="5">
-                  <c:v>96</c:v>
+                  <c:v>9542</c:v>
                 </c:pt>
                 <c:pt idx="6">
-                  <c:v>-184</c:v>
+                  <c:v>12032</c:v>
                 </c:pt>
                 <c:pt idx="7">
-                  <c:v>1855</c:v>
+                  <c:v>21034</c:v>
                 </c:pt>
                 <c:pt idx="8">
-                  <c:v>797</c:v>
+                  <c:v>21415</c:v>
                 </c:pt>
                 <c:pt idx="9">
-                  <c:v>1611</c:v>
+                  <c:v>8286</c:v>
                 </c:pt>
                 <c:pt idx="10">
-                  <c:v>3948</c:v>
+                  <c:v>8010</c:v>
                 </c:pt>
                 <c:pt idx="11">
-                  <c:v>6166</c:v>
+                  <c:v>21446</c:v>
                 </c:pt>
                 <c:pt idx="12">
-                  <c:v>11057</c:v>
+                  <c:v>27622</c:v>
                 </c:pt>
                 <c:pt idx="13">
-                  <c:v>11478</c:v>
+                  <c:v>30256</c:v>
                 </c:pt>
                 <c:pt idx="14">
-                  <c:v>1074</c:v>
+                  <c:v>34655</c:v>
                 </c:pt>
                 <c:pt idx="15">
-                  <c:v>3687</c:v>
+                  <c:v>26332</c:v>
                 </c:pt>
                 <c:pt idx="16">
-                  <c:v>6975</c:v>
+                  <c:v>34021</c:v>
                 </c:pt>
                 <c:pt idx="17">
-                  <c:v>6667</c:v>
+                  <c:v>38719</c:v>
                 </c:pt>
                 <c:pt idx="18">
-                  <c:v>9395</c:v>
+                  <c:v>34227</c:v>
                 </c:pt>
                 <c:pt idx="19">
-                  <c:v>9718</c:v>
+                  <c:v>30987</c:v>
                 </c:pt>
                 <c:pt idx="20">
-                  <c:v>13071</c:v>
+                  <c:v>31290</c:v>
                 </c:pt>
                 <c:pt idx="21">
-                  <c:v>6953</c:v>
+                  <c:v>47797</c:v>
                 </c:pt>
                 <c:pt idx="22">
-                  <c:v>3255</c:v>
+                  <c:v>44839</c:v>
                 </c:pt>
                 <c:pt idx="23">
-                  <c:v>7465</c:v>
+                  <c:v>26770</c:v>
                 </c:pt>
                 <c:pt idx="24">
-                  <c:v>8739</c:v>
+                  <c:v>7207</c:v>
                 </c:pt>
                 <c:pt idx="25">
-                  <c:v>9542</c:v>
+                  <c:v>-9275</c:v>
                 </c:pt>
                 <c:pt idx="26">
-                  <c:v>12032</c:v>
+                  <c:v>-20299</c:v>
                 </c:pt>
                 <c:pt idx="27">
-                  <c:v>21034</c:v>
+                  <c:v>-35601</c:v>
                 </c:pt>
                 <c:pt idx="28">
-                  <c:v>21415</c:v>
+                  <c:v>-62999</c:v>
                 </c:pt>
                 <c:pt idx="29">
-                  <c:v>8286</c:v>
+                  <c:v>-47908</c:v>
                 </c:pt>
                 <c:pt idx="30">
-                  <c:v>8010</c:v>
+                  <c:v>-56874</c:v>
                 </c:pt>
                 <c:pt idx="31">
-                  <c:v>21446</c:v>
+                  <c:v>-85090</c:v>
                 </c:pt>
                 <c:pt idx="32">
-                  <c:v>27622</c:v>
+                  <c:v>-110973</c:v>
                 </c:pt>
                 <c:pt idx="33">
-                  <c:v>30256</c:v>
+                  <c:v>-98655</c:v>
                 </c:pt>
                 <c:pt idx="34">
-                  <c:v>34655</c:v>
+                  <c:v>-74456</c:v>
                 </c:pt>
                 <c:pt idx="35">
-                  <c:v>26332</c:v>
+                  <c:v>-58605</c:v>
                 </c:pt>
                 <c:pt idx="36">
-                  <c:v>34021</c:v>
+                  <c:v>-37597</c:v>
                 </c:pt>
                 <c:pt idx="37">
-                  <c:v>38719</c:v>
-                </c:pt>
-                <c:pt idx="38">
-                  <c:v>34227</c:v>
-                </c:pt>
-                <c:pt idx="39">
-                  <c:v>30987</c:v>
-                </c:pt>
-                <c:pt idx="40">
-                  <c:v>31290</c:v>
-                </c:pt>
-                <c:pt idx="41">
-                  <c:v>47797</c:v>
-                </c:pt>
-                <c:pt idx="42">
-                  <c:v>44839</c:v>
-                </c:pt>
-                <c:pt idx="43">
-                  <c:v>26770</c:v>
-                </c:pt>
-                <c:pt idx="44">
-                  <c:v>7207</c:v>
-                </c:pt>
-                <c:pt idx="45">
-                  <c:v>-9275</c:v>
-                </c:pt>
-                <c:pt idx="46">
-                  <c:v>-20299</c:v>
-                </c:pt>
-                <c:pt idx="47">
-                  <c:v>-35601</c:v>
-                </c:pt>
-                <c:pt idx="48">
-                  <c:v>-62999</c:v>
-                </c:pt>
-                <c:pt idx="49">
-                  <c:v>-47908</c:v>
-                </c:pt>
-                <c:pt idx="50">
-                  <c:v>-56874</c:v>
-                </c:pt>
-                <c:pt idx="51">
-                  <c:v>-85090</c:v>
-                </c:pt>
-                <c:pt idx="52">
-                  <c:v>-110973</c:v>
-                </c:pt>
-                <c:pt idx="53">
-                  <c:v>-98655</c:v>
-                </c:pt>
-                <c:pt idx="54">
-                  <c:v>-74456</c:v>
-                </c:pt>
-                <c:pt idx="55">
-                  <c:v>-58605</c:v>
-                </c:pt>
-                <c:pt idx="56">
-                  <c:v>-37597</c:v>
-                </c:pt>
-                <c:pt idx="57">
                   <c:v>-37525</c:v>
                 </c:pt>
               </c:numCache>
@@ -1784,7 +1304,7 @@
           </c:val>
           <c:extLst>
             <c:ext xmlns:c16="http://schemas.microsoft.com/office/drawing/2014/chart" uri="{C3380CC4-5D6E-409C-BE32-E72D297353CC}">
-              <c16:uniqueId val="{00000003-AB6C-4449-A109-BEC2F1916BB5}"/>
+              <c16:uniqueId val="{00000003-3A59-4911-AA88-338FE0BB0156}"/>
             </c:ext>
           </c:extLst>
         </c:ser>
@@ -1796,17 +1316,17 @@
           <c:showPercent val="0"/>
           <c:showBubbleSize val="0"/>
         </c:dLbls>
-        <c:axId val="359371344"/>
-        <c:axId val="359371672"/>
+        <c:axId val="373330136"/>
+        <c:axId val="373330464"/>
       </c:areaChart>
-      <c:dateAx>
-        <c:axId val="359371344"/>
+      <c:catAx>
+        <c:axId val="373330136"/>
         <c:scaling>
           <c:orientation val="minMax"/>
         </c:scaling>
         <c:delete val="0"/>
         <c:axPos val="b"/>
-        <c:numFmt formatCode="mmm\-yyyy" sourceLinked="1"/>
+        <c:numFmt formatCode="0" sourceLinked="1"/>
         <c:majorTickMark val="out"/>
         <c:minorTickMark val="none"/>
         <c:tickLblPos val="nextTo"/>
@@ -1843,14 +1363,17 @@
             <a:endParaRPr lang="en-US"/>
           </a:p>
         </c:txPr>
-        <c:crossAx val="359371672"/>
+        <c:crossAx val="373330464"/>
         <c:crosses val="autoZero"/>
         <c:auto val="1"/>
+        <c:lblAlgn val="ctr"/>
         <c:lblOffset val="100"/>
-        <c:baseTimeUnit val="years"/>
-      </c:dateAx>
+        <c:tickLblSkip val="5"/>
+        <c:tickMarkSkip val="1"/>
+        <c:noMultiLvlLbl val="0"/>
+      </c:catAx>
       <c:valAx>
-        <c:axId val="359371672"/>
+        <c:axId val="373330464"/>
         <c:scaling>
           <c:orientation val="minMax"/>
         </c:scaling>
@@ -1901,7 +1424,7 @@
             <a:endParaRPr lang="en-US"/>
           </a:p>
         </c:txPr>
-        <c:crossAx val="359371344"/>
+        <c:crossAx val="373330136"/>
         <c:crosses val="autoZero"/>
         <c:crossBetween val="midCat"/>
       </c:valAx>
@@ -1928,7 +1451,7 @@
         <a:lstStyle/>
         <a:p>
           <a:pPr>
-            <a:defRPr sz="900" b="0" i="0" u="none" strike="noStrike" kern="1200" baseline="0">
+            <a:defRPr sz="1000" b="0" i="0" u="none" strike="noStrike" kern="1200" baseline="0">
               <a:solidFill>
                 <a:schemeClr val="tx1">
                   <a:lumMod val="65000"/>
@@ -2414,14 +1937,15 @@
               </a:defRPr>
             </a:pPr>
             <a:r>
-              <a:rPr lang="en-AU" sz="1600" b="1"/>
-              <a:t>Australia's GDP</a:t>
+              <a:rPr lang="en-AU" sz="1600" b="1" i="0" u="none" strike="noStrike" baseline="0">
+                <a:effectLst/>
+              </a:rPr>
+              <a:t>Australia's GDP in </a:t>
             </a:r>
             <a:r>
-              <a:rPr lang="en-AU" sz="1600" b="1" baseline="0"/>
-              <a:t> in 1960</a:t>
+              <a:rPr lang="en-US" sz="1600" b="1"/>
+              <a:t>1980</a:t>
             </a:r>
-            <a:endParaRPr lang="en-AU" sz="1600" b="1"/>
           </a:p>
         </c:rich>
       </c:tx>
@@ -2462,312 +1986,17 @@
         <c:ser>
           <c:idx val="0"/>
           <c:order val="0"/>
-          <c:cat>
+          <c:tx>
             <c:strRef>
-              <c:f>'Data1 (2)'!$AR$1:$AU$1</c:f>
+              <c:f>Sheet1!$A$2</c:f>
               <c:strCache>
-                <c:ptCount val="4"/>
+                <c:ptCount val="1"/>
                 <c:pt idx="0">
-                  <c:v>Consumption</c:v>
-                </c:pt>
-                <c:pt idx="1">
-                  <c:v>Investment</c:v>
-                </c:pt>
-                <c:pt idx="2">
-                  <c:v>Government Spending</c:v>
-                </c:pt>
-                <c:pt idx="3">
-                  <c:v>Net Exports</c:v>
+                  <c:v>1980</c:v>
                 </c:pt>
               </c:strCache>
             </c:strRef>
-          </c:cat>
-          <c:val>
-            <c:numRef>
-              <c:f>'Data1 (2)'!$AR$2:$AU$2</c:f>
-            </c:numRef>
-          </c:val>
-          <c:extLst>
-            <c:ext xmlns:c16="http://schemas.microsoft.com/office/drawing/2014/chart" uri="{C3380CC4-5D6E-409C-BE32-E72D297353CC}">
-              <c16:uniqueId val="{00000000-3DB0-4FEE-9772-5A454956245F}"/>
-            </c:ext>
-          </c:extLst>
-        </c:ser>
-        <c:ser>
-          <c:idx val="1"/>
-          <c:order val="1"/>
-          <c:cat>
-            <c:strRef>
-              <c:f>'Data1 (2)'!$AR$1:$AU$1</c:f>
-              <c:strCache>
-                <c:ptCount val="4"/>
-                <c:pt idx="0">
-                  <c:v>Consumption</c:v>
-                </c:pt>
-                <c:pt idx="1">
-                  <c:v>Investment</c:v>
-                </c:pt>
-                <c:pt idx="2">
-                  <c:v>Government Spending</c:v>
-                </c:pt>
-                <c:pt idx="3">
-                  <c:v>Net Exports</c:v>
-                </c:pt>
-              </c:strCache>
-            </c:strRef>
-          </c:cat>
-          <c:val>
-            <c:numRef>
-              <c:f>'Data1 (2)'!$AR$3:$AU$3</c:f>
-            </c:numRef>
-          </c:val>
-          <c:extLst>
-            <c:ext xmlns:c16="http://schemas.microsoft.com/office/drawing/2014/chart" uri="{C3380CC4-5D6E-409C-BE32-E72D297353CC}">
-              <c16:uniqueId val="{00000001-3DB0-4FEE-9772-5A454956245F}"/>
-            </c:ext>
-          </c:extLst>
-        </c:ser>
-        <c:ser>
-          <c:idx val="2"/>
-          <c:order val="2"/>
-          <c:cat>
-            <c:strRef>
-              <c:f>'Data1 (2)'!$AR$1:$AU$1</c:f>
-              <c:strCache>
-                <c:ptCount val="4"/>
-                <c:pt idx="0">
-                  <c:v>Consumption</c:v>
-                </c:pt>
-                <c:pt idx="1">
-                  <c:v>Investment</c:v>
-                </c:pt>
-                <c:pt idx="2">
-                  <c:v>Government Spending</c:v>
-                </c:pt>
-                <c:pt idx="3">
-                  <c:v>Net Exports</c:v>
-                </c:pt>
-              </c:strCache>
-            </c:strRef>
-          </c:cat>
-          <c:val>
-            <c:numRef>
-              <c:f>'Data1 (2)'!$AR$4:$AU$4</c:f>
-            </c:numRef>
-          </c:val>
-          <c:extLst>
-            <c:ext xmlns:c16="http://schemas.microsoft.com/office/drawing/2014/chart" uri="{C3380CC4-5D6E-409C-BE32-E72D297353CC}">
-              <c16:uniqueId val="{00000002-3DB0-4FEE-9772-5A454956245F}"/>
-            </c:ext>
-          </c:extLst>
-        </c:ser>
-        <c:ser>
-          <c:idx val="3"/>
-          <c:order val="3"/>
-          <c:cat>
-            <c:strRef>
-              <c:f>'Data1 (2)'!$AR$1:$AU$1</c:f>
-              <c:strCache>
-                <c:ptCount val="4"/>
-                <c:pt idx="0">
-                  <c:v>Consumption</c:v>
-                </c:pt>
-                <c:pt idx="1">
-                  <c:v>Investment</c:v>
-                </c:pt>
-                <c:pt idx="2">
-                  <c:v>Government Spending</c:v>
-                </c:pt>
-                <c:pt idx="3">
-                  <c:v>Net Exports</c:v>
-                </c:pt>
-              </c:strCache>
-            </c:strRef>
-          </c:cat>
-          <c:val>
-            <c:numRef>
-              <c:f>'Data1 (2)'!$AR$5:$AU$5</c:f>
-            </c:numRef>
-          </c:val>
-          <c:extLst>
-            <c:ext xmlns:c16="http://schemas.microsoft.com/office/drawing/2014/chart" uri="{C3380CC4-5D6E-409C-BE32-E72D297353CC}">
-              <c16:uniqueId val="{00000003-3DB0-4FEE-9772-5A454956245F}"/>
-            </c:ext>
-          </c:extLst>
-        </c:ser>
-        <c:ser>
-          <c:idx val="4"/>
-          <c:order val="4"/>
-          <c:cat>
-            <c:strRef>
-              <c:f>'Data1 (2)'!$AR$1:$AU$1</c:f>
-              <c:strCache>
-                <c:ptCount val="4"/>
-                <c:pt idx="0">
-                  <c:v>Consumption</c:v>
-                </c:pt>
-                <c:pt idx="1">
-                  <c:v>Investment</c:v>
-                </c:pt>
-                <c:pt idx="2">
-                  <c:v>Government Spending</c:v>
-                </c:pt>
-                <c:pt idx="3">
-                  <c:v>Net Exports</c:v>
-                </c:pt>
-              </c:strCache>
-            </c:strRef>
-          </c:cat>
-          <c:val>
-            <c:numRef>
-              <c:f>'Data1 (2)'!$AR$6:$AU$6</c:f>
-            </c:numRef>
-          </c:val>
-          <c:extLst>
-            <c:ext xmlns:c16="http://schemas.microsoft.com/office/drawing/2014/chart" uri="{C3380CC4-5D6E-409C-BE32-E72D297353CC}">
-              <c16:uniqueId val="{00000004-3DB0-4FEE-9772-5A454956245F}"/>
-            </c:ext>
-          </c:extLst>
-        </c:ser>
-        <c:ser>
-          <c:idx val="5"/>
-          <c:order val="5"/>
-          <c:cat>
-            <c:strRef>
-              <c:f>'Data1 (2)'!$AR$1:$AU$1</c:f>
-              <c:strCache>
-                <c:ptCount val="4"/>
-                <c:pt idx="0">
-                  <c:v>Consumption</c:v>
-                </c:pt>
-                <c:pt idx="1">
-                  <c:v>Investment</c:v>
-                </c:pt>
-                <c:pt idx="2">
-                  <c:v>Government Spending</c:v>
-                </c:pt>
-                <c:pt idx="3">
-                  <c:v>Net Exports</c:v>
-                </c:pt>
-              </c:strCache>
-            </c:strRef>
-          </c:cat>
-          <c:val>
-            <c:numRef>
-              <c:f>'Data1 (2)'!$AR$7:$AU$7</c:f>
-            </c:numRef>
-          </c:val>
-          <c:extLst>
-            <c:ext xmlns:c16="http://schemas.microsoft.com/office/drawing/2014/chart" uri="{C3380CC4-5D6E-409C-BE32-E72D297353CC}">
-              <c16:uniqueId val="{00000005-3DB0-4FEE-9772-5A454956245F}"/>
-            </c:ext>
-          </c:extLst>
-        </c:ser>
-        <c:ser>
-          <c:idx val="6"/>
-          <c:order val="6"/>
-          <c:cat>
-            <c:strRef>
-              <c:f>'Data1 (2)'!$AR$1:$AU$1</c:f>
-              <c:strCache>
-                <c:ptCount val="4"/>
-                <c:pt idx="0">
-                  <c:v>Consumption</c:v>
-                </c:pt>
-                <c:pt idx="1">
-                  <c:v>Investment</c:v>
-                </c:pt>
-                <c:pt idx="2">
-                  <c:v>Government Spending</c:v>
-                </c:pt>
-                <c:pt idx="3">
-                  <c:v>Net Exports</c:v>
-                </c:pt>
-              </c:strCache>
-            </c:strRef>
-          </c:cat>
-          <c:val>
-            <c:numRef>
-              <c:f>'Data1 (2)'!$AR$8:$AU$8</c:f>
-            </c:numRef>
-          </c:val>
-          <c:extLst>
-            <c:ext xmlns:c16="http://schemas.microsoft.com/office/drawing/2014/chart" uri="{C3380CC4-5D6E-409C-BE32-E72D297353CC}">
-              <c16:uniqueId val="{00000006-3DB0-4FEE-9772-5A454956245F}"/>
-            </c:ext>
-          </c:extLst>
-        </c:ser>
-        <c:ser>
-          <c:idx val="7"/>
-          <c:order val="7"/>
-          <c:cat>
-            <c:strRef>
-              <c:f>'Data1 (2)'!$AR$1:$AU$1</c:f>
-              <c:strCache>
-                <c:ptCount val="4"/>
-                <c:pt idx="0">
-                  <c:v>Consumption</c:v>
-                </c:pt>
-                <c:pt idx="1">
-                  <c:v>Investment</c:v>
-                </c:pt>
-                <c:pt idx="2">
-                  <c:v>Government Spending</c:v>
-                </c:pt>
-                <c:pt idx="3">
-                  <c:v>Net Exports</c:v>
-                </c:pt>
-              </c:strCache>
-            </c:strRef>
-          </c:cat>
-          <c:val>
-            <c:numRef>
-              <c:f>'Data1 (2)'!$AR$9:$AU$9</c:f>
-            </c:numRef>
-          </c:val>
-          <c:extLst>
-            <c:ext xmlns:c16="http://schemas.microsoft.com/office/drawing/2014/chart" uri="{C3380CC4-5D6E-409C-BE32-E72D297353CC}">
-              <c16:uniqueId val="{00000007-3DB0-4FEE-9772-5A454956245F}"/>
-            </c:ext>
-          </c:extLst>
-        </c:ser>
-        <c:ser>
-          <c:idx val="8"/>
-          <c:order val="8"/>
-          <c:cat>
-            <c:strRef>
-              <c:f>'Data1 (2)'!$AR$1:$AU$1</c:f>
-              <c:strCache>
-                <c:ptCount val="4"/>
-                <c:pt idx="0">
-                  <c:v>Consumption</c:v>
-                </c:pt>
-                <c:pt idx="1">
-                  <c:v>Investment</c:v>
-                </c:pt>
-                <c:pt idx="2">
-                  <c:v>Government Spending</c:v>
-                </c:pt>
-                <c:pt idx="3">
-                  <c:v>Net Exports</c:v>
-                </c:pt>
-              </c:strCache>
-            </c:strRef>
-          </c:cat>
-          <c:val>
-            <c:numRef>
-              <c:f>'Data1 (2)'!$AR$10:$AU$10</c:f>
-            </c:numRef>
-          </c:val>
-          <c:extLst>
-            <c:ext xmlns:c16="http://schemas.microsoft.com/office/drawing/2014/chart" uri="{C3380CC4-5D6E-409C-BE32-E72D297353CC}">
-              <c16:uniqueId val="{00000008-3DB0-4FEE-9772-5A454956245F}"/>
-            </c:ext>
-          </c:extLst>
-        </c:ser>
-        <c:ser>
-          <c:idx val="9"/>
-          <c:order val="9"/>
+          </c:tx>
           <c:dPt>
             <c:idx val="0"/>
             <c:bubble3D val="0"/>
@@ -2784,7 +2013,7 @@
             </c:spPr>
             <c:extLst>
               <c:ext xmlns:c16="http://schemas.microsoft.com/office/drawing/2014/chart" uri="{C3380CC4-5D6E-409C-BE32-E72D297353CC}">
-                <c16:uniqueId val="{0000000A-3DB0-4FEE-9772-5A454956245F}"/>
+                <c16:uniqueId val="{00000001-6A38-4766-87BB-39837FF12595}"/>
               </c:ext>
             </c:extLst>
           </c:dPt>
@@ -2804,7 +2033,7 @@
             </c:spPr>
             <c:extLst>
               <c:ext xmlns:c16="http://schemas.microsoft.com/office/drawing/2014/chart" uri="{C3380CC4-5D6E-409C-BE32-E72D297353CC}">
-                <c16:uniqueId val="{0000000C-3DB0-4FEE-9772-5A454956245F}"/>
+                <c16:uniqueId val="{00000003-6A38-4766-87BB-39837FF12595}"/>
               </c:ext>
             </c:extLst>
           </c:dPt>
@@ -2824,7 +2053,7 @@
             </c:spPr>
             <c:extLst>
               <c:ext xmlns:c16="http://schemas.microsoft.com/office/drawing/2014/chart" uri="{C3380CC4-5D6E-409C-BE32-E72D297353CC}">
-                <c16:uniqueId val="{0000000E-3DB0-4FEE-9772-5A454956245F}"/>
+                <c16:uniqueId val="{00000005-6A38-4766-87BB-39837FF12595}"/>
               </c:ext>
             </c:extLst>
           </c:dPt>
@@ -2844,7 +2073,7 @@
             </c:spPr>
             <c:extLst>
               <c:ext xmlns:c16="http://schemas.microsoft.com/office/drawing/2014/chart" uri="{C3380CC4-5D6E-409C-BE32-E72D297353CC}">
-                <c16:uniqueId val="{00000010-3DB0-4FEE-9772-5A454956245F}"/>
+                <c16:uniqueId val="{00000007-6A38-4766-87BB-39837FF12595}"/>
               </c:ext>
             </c:extLst>
           </c:dPt>
@@ -2853,8 +2082,8 @@
               <c:idx val="0"/>
               <c:layout>
                 <c:manualLayout>
-                  <c:x val="4.1164916885389327E-2"/>
-                  <c:y val="3.4220618256051327E-2"/>
+                  <c:x val="4.0099737532808398E-2"/>
+                  <c:y val="9.6894138232720914E-4"/>
                 </c:manualLayout>
               </c:layout>
               <c:showLegendKey val="0"/>
@@ -2866,7 +2095,7 @@
               <c:extLst>
                 <c:ext xmlns:c15="http://schemas.microsoft.com/office/drawing/2012/chart" uri="{CE6537A1-D6FC-4f65-9D91-7224C49458BB}"/>
                 <c:ext xmlns:c16="http://schemas.microsoft.com/office/drawing/2014/chart" uri="{C3380CC4-5D6E-409C-BE32-E72D297353CC}">
-                  <c16:uniqueId val="{0000000A-3DB0-4FEE-9772-5A454956245F}"/>
+                  <c16:uniqueId val="{00000001-6A38-4766-87BB-39837FF12595}"/>
                 </c:ext>
               </c:extLst>
             </c:dLbl>
@@ -2874,8 +2103,8 @@
               <c:idx val="1"/>
               <c:layout>
                 <c:manualLayout>
-                  <c:x val="-5.6305336832895889E-2"/>
-                  <c:y val="1.2253572470107903E-2"/>
+                  <c:x val="-5.2358048993875791E-2"/>
+                  <c:y val="-2.4064596092155149E-2"/>
                 </c:manualLayout>
               </c:layout>
               <c:showLegendKey val="0"/>
@@ -2887,7 +2116,7 @@
               <c:extLst>
                 <c:ext xmlns:c15="http://schemas.microsoft.com/office/drawing/2012/chart" uri="{CE6537A1-D6FC-4f65-9D91-7224C49458BB}"/>
                 <c:ext xmlns:c16="http://schemas.microsoft.com/office/drawing/2014/chart" uri="{C3380CC4-5D6E-409C-BE32-E72D297353CC}">
-                  <c16:uniqueId val="{0000000C-3DB0-4FEE-9772-5A454956245F}"/>
+                  <c16:uniqueId val="{00000003-6A38-4766-87BB-39837FF12595}"/>
                 </c:ext>
               </c:extLst>
             </c:dLbl>
@@ -2895,8 +2124,8 @@
               <c:idx val="2"/>
               <c:layout>
                 <c:manualLayout>
-                  <c:x val="-8.4105424321959776E-2"/>
-                  <c:y val="8.427128900554097E-2"/>
+                  <c:x val="-6.3994203849518816E-2"/>
+                  <c:y val="0.11148257509477982"/>
                 </c:manualLayout>
               </c:layout>
               <c:showLegendKey val="0"/>
@@ -2908,7 +2137,28 @@
               <c:extLst>
                 <c:ext xmlns:c15="http://schemas.microsoft.com/office/drawing/2012/chart" uri="{CE6537A1-D6FC-4f65-9D91-7224C49458BB}"/>
                 <c:ext xmlns:c16="http://schemas.microsoft.com/office/drawing/2014/chart" uri="{C3380CC4-5D6E-409C-BE32-E72D297353CC}">
-                  <c16:uniqueId val="{0000000E-3DB0-4FEE-9772-5A454956245F}"/>
+                  <c16:uniqueId val="{00000005-6A38-4766-87BB-39837FF12595}"/>
+                </c:ext>
+              </c:extLst>
+            </c:dLbl>
+            <c:dLbl>
+              <c:idx val="3"/>
+              <c:layout>
+                <c:manualLayout>
+                  <c:x val="8.3784478439384961E-3"/>
+                  <c:y val="-9.5330819408435807E-3"/>
+                </c:manualLayout>
+              </c:layout>
+              <c:showLegendKey val="0"/>
+              <c:showVal val="0"/>
+              <c:showCatName val="0"/>
+              <c:showSerName val="0"/>
+              <c:showPercent val="1"/>
+              <c:showBubbleSize val="0"/>
+              <c:extLst>
+                <c:ext xmlns:c15="http://schemas.microsoft.com/office/drawing/2012/chart" uri="{CE6537A1-D6FC-4f65-9D91-7224C49458BB}"/>
+                <c:ext xmlns:c16="http://schemas.microsoft.com/office/drawing/2014/chart" uri="{C3380CC4-5D6E-409C-BE32-E72D297353CC}">
+                  <c16:uniqueId val="{00000007-6A38-4766-87BB-39837FF12595}"/>
                 </c:ext>
               </c:extLst>
             </c:dLbl>
@@ -2968,7 +2218,7 @@
           </c:dLbls>
           <c:cat>
             <c:strRef>
-              <c:f>'Data1 (2)'!$AR$1:$AU$1</c:f>
+              <c:f>Sheet1!$B$1:$E$1</c:f>
               <c:strCache>
                 <c:ptCount val="4"/>
                 <c:pt idx="0">
@@ -2988,28 +2238,28 @@
           </c:cat>
           <c:val>
             <c:numRef>
-              <c:f>'Data1 (2)'!$AR$11:$AU$11</c:f>
+              <c:f>Sheet1!$B$2:$E$2</c:f>
               <c:numCache>
-                <c:formatCode>0;\-0;0;@</c:formatCode>
+                <c:formatCode>General</c:formatCode>
                 <c:ptCount val="4"/>
                 <c:pt idx="0">
-                  <c:v>135869</c:v>
+                  <c:v>300626</c:v>
                 </c:pt>
                 <c:pt idx="1">
-                  <c:v>28268</c:v>
+                  <c:v>70619</c:v>
                 </c:pt>
                 <c:pt idx="2">
-                  <c:v>49695</c:v>
+                  <c:v>127669</c:v>
                 </c:pt>
                 <c:pt idx="3">
-                  <c:v>1614</c:v>
+                  <c:v>13071</c:v>
                 </c:pt>
               </c:numCache>
             </c:numRef>
           </c:val>
           <c:extLst>
             <c:ext xmlns:c16="http://schemas.microsoft.com/office/drawing/2014/chart" uri="{C3380CC4-5D6E-409C-BE32-E72D297353CC}">
-              <c16:uniqueId val="{00000011-3DB0-4FEE-9772-5A454956245F}"/>
+              <c16:uniqueId val="{00000008-6A38-4766-87BB-39837FF12595}"/>
             </c:ext>
           </c:extLst>
         </c:ser>
@@ -3034,16 +2284,6 @@
     </c:plotArea>
     <c:legend>
       <c:legendPos val="b"/>
-      <c:layout>
-        <c:manualLayout>
-          <c:xMode val="edge"/>
-          <c:yMode val="edge"/>
-          <c:x val="4.760825064546443E-2"/>
-          <c:y val="0.93536664949859882"/>
-          <c:w val="0.89999998231180778"/>
-          <c:h val="6.4633350501401135E-2"/>
-        </c:manualLayout>
-      </c:layout>
       <c:overlay val="0"/>
       <c:spPr>
         <a:noFill/>
@@ -3056,7 +2296,7 @@
         <a:bodyPr rot="0" spcFirstLastPara="1" vertOverflow="ellipsis" vert="horz" wrap="square" anchor="ctr" anchorCtr="1"/>
         <a:lstStyle/>
         <a:p>
-          <a:pPr rtl="0">
+          <a:pPr>
             <a:defRPr sz="1200" b="0" i="0" u="none" strike="noStrike" kern="1200" baseline="0">
               <a:solidFill>
                 <a:schemeClr val="tx1">
@@ -19534,6 +18774,131 @@
               <a:buFont typeface="Arial" panose="020B0604020202020204" pitchFamily="34" charset="0"/>
               <a:buChar char="•"/>
             </a:pPr>
+            <a:r>
+              <a:rPr lang="en-AU" dirty="0"/>
+              <a:t>We all know that Australia has experienced an era of unprecedented economic prosperity over the last 26 years, avoiding recessions when the rest of the world did not </a:t>
+            </a:r>
+          </a:p>
+          <a:p>
+            <a:pPr marL="171450" indent="-171450">
+              <a:buFont typeface="Arial" panose="020B0604020202020204" pitchFamily="34" charset="0"/>
+              <a:buChar char="•"/>
+            </a:pPr>
+            <a:r>
+              <a:rPr lang="en-AU" dirty="0"/>
+              <a:t>As Commonwealth Government Ministers, you are responsible for making laws and decisions that affect the country, including the economy</a:t>
+            </a:r>
+          </a:p>
+          <a:p>
+            <a:pPr marL="171450" indent="-171450">
+              <a:buFont typeface="Arial" panose="020B0604020202020204" pitchFamily="34" charset="0"/>
+              <a:buChar char="•"/>
+            </a:pPr>
+            <a:r>
+              <a:rPr lang="en-AU" dirty="0"/>
+              <a:t>As the current world record holders for continued economic growth what do you need to do to continue the uninterrupted economic growth </a:t>
+            </a:r>
+          </a:p>
+          <a:p>
+            <a:pPr marL="0" indent="0">
+              <a:buFont typeface="Arial" panose="020B0604020202020204" pitchFamily="34" charset="0"/>
+              <a:buNone/>
+            </a:pPr>
+            <a:endParaRPr lang="en-AU" dirty="0"/>
+          </a:p>
+          <a:p>
+            <a:pPr marL="171450" indent="-171450">
+              <a:buFont typeface="Arial" panose="020B0604020202020204" pitchFamily="34" charset="0"/>
+              <a:buChar char="•"/>
+            </a:pPr>
+            <a:endParaRPr lang="en-AU" dirty="0"/>
+          </a:p>
+        </p:txBody>
+      </p:sp>
+      <p:sp>
+        <p:nvSpPr>
+          <p:cNvPr id="4" name="Slide Number Placeholder 3"/>
+          <p:cNvSpPr>
+            <a:spLocks noGrp="1"/>
+          </p:cNvSpPr>
+          <p:nvPr>
+            <p:ph type="sldNum" sz="quarter" idx="10"/>
+          </p:nvPr>
+        </p:nvSpPr>
+        <p:spPr/>
+        <p:txBody>
+          <a:bodyPr/>
+          <a:lstStyle/>
+          <a:p>
+            <a:fld id="{B1506C49-874C-4049-A2D7-4189454C6028}" type="slidenum">
+              <a:rPr lang="en-AU" smtClean="0"/>
+              <a:t>2</a:t>
+            </a:fld>
+            <a:endParaRPr lang="en-AU"/>
+          </a:p>
+        </p:txBody>
+      </p:sp>
+    </p:spTree>
+    <p:extLst>
+      <p:ext uri="{BB962C8B-B14F-4D97-AF65-F5344CB8AC3E}">
+        <p14:creationId xmlns:p14="http://schemas.microsoft.com/office/powerpoint/2010/main" val="386289238"/>
+      </p:ext>
+    </p:extLst>
+  </p:cSld>
+  <p:clrMapOvr>
+    <a:masterClrMapping/>
+  </p:clrMapOvr>
+</p:notes>
+</file>
+
+<file path=ppt/notesSlides/notesSlide2.xml><?xml version="1.0" encoding="utf-8"?>
+<p:notes xmlns:a="http://schemas.openxmlformats.org/drawingml/2006/main" xmlns:r="http://schemas.openxmlformats.org/officeDocument/2006/relationships" xmlns:p="http://schemas.openxmlformats.org/presentationml/2006/main">
+  <p:cSld>
+    <p:spTree>
+      <p:nvGrpSpPr>
+        <p:cNvPr id="1" name=""/>
+        <p:cNvGrpSpPr/>
+        <p:nvPr/>
+      </p:nvGrpSpPr>
+      <p:grpSpPr>
+        <a:xfrm>
+          <a:off x="0" y="0"/>
+          <a:ext cx="0" cy="0"/>
+          <a:chOff x="0" y="0"/>
+          <a:chExt cx="0" cy="0"/>
+        </a:xfrm>
+      </p:grpSpPr>
+      <p:sp>
+        <p:nvSpPr>
+          <p:cNvPr id="2" name="Slide Image Placeholder 1"/>
+          <p:cNvSpPr>
+            <a:spLocks noGrp="1" noRot="1" noChangeAspect="1"/>
+          </p:cNvSpPr>
+          <p:nvPr>
+            <p:ph type="sldImg"/>
+          </p:nvPr>
+        </p:nvSpPr>
+        <p:spPr/>
+      </p:sp>
+      <p:sp>
+        <p:nvSpPr>
+          <p:cNvPr id="3" name="Notes Placeholder 2"/>
+          <p:cNvSpPr>
+            <a:spLocks noGrp="1"/>
+          </p:cNvSpPr>
+          <p:nvPr>
+            <p:ph type="body" idx="1"/>
+          </p:nvPr>
+        </p:nvSpPr>
+        <p:spPr/>
+        <p:txBody>
+          <a:bodyPr/>
+          <a:lstStyle/>
+          <a:p>
+            <a:pPr marL="171450" indent="-171450">
+              <a:buFont typeface="Arial" panose="020B0604020202020204" pitchFamily="34" charset="0"/>
+              <a:buChar char="•"/>
+            </a:pPr>
             <a:endParaRPr lang="en-AU" dirty="0"/>
           </a:p>
         </p:txBody>
@@ -19574,7 +18939,7 @@
 </p:notes>
 </file>
 
-<file path=ppt/notesSlides/notesSlide2.xml><?xml version="1.0" encoding="utf-8"?>
+<file path=ppt/notesSlides/notesSlide3.xml><?xml version="1.0" encoding="utf-8"?>
 <p:notes xmlns:a="http://schemas.openxmlformats.org/drawingml/2006/main" xmlns:r="http://schemas.openxmlformats.org/officeDocument/2006/relationships" xmlns:p="http://schemas.openxmlformats.org/presentationml/2006/main">
   <p:cSld>
     <p:spTree>
@@ -23373,7 +22738,14 @@
           <a:p>
             <a:r>
               <a:rPr lang="en-AU" dirty="0"/>
-              <a:t>Research Questions</a:t>
+              <a:t>How can we help you </a:t>
+            </a:r>
+            <a:br>
+              <a:rPr lang="en-AU" dirty="0"/>
+            </a:br>
+            <a:r>
+              <a:rPr lang="en-AU" dirty="0"/>
+              <a:t>(commonwealth Government Ministers)</a:t>
             </a:r>
           </a:p>
         </p:txBody>
@@ -23396,16 +22768,18 @@
         </p:nvSpPr>
         <p:spPr/>
         <p:txBody>
-          <a:bodyPr/>
+          <a:bodyPr>
+            <a:normAutofit/>
+          </a:bodyPr>
           <a:lstStyle/>
           <a:p>
             <a:r>
               <a:rPr lang="en-AU" b="1" dirty="0"/>
-              <a:t>MAIN Question:</a:t>
+              <a:t>MAIN ISSUE:</a:t>
             </a:r>
             <a:r>
               <a:rPr lang="en-AU" dirty="0"/>
-              <a:t> how did Australia break the world record for economic growth</a:t>
+              <a:t>  It has now been 107 quarters since Australia had a technical recession, defined as two consecutive quarters of negative economic growth.</a:t>
             </a:r>
           </a:p>
           <a:p>
@@ -23416,15 +22790,46 @@
             </a:r>
             <a:r>
               <a:rPr lang="en-AU" dirty="0"/>
-              <a:t>what are the main factors that contribute to economic growth in Australia</a:t>
+              <a:t>is this an accurate description of what is actually happening with the underlying data</a:t>
+            </a:r>
+            <a:endParaRPr lang="en-AU" b="1" i="1" dirty="0"/>
+          </a:p>
+          <a:p>
+            <a:pPr lvl="1"/>
+            <a:r>
+              <a:rPr lang="en-AU" b="1" i="1" dirty="0"/>
+              <a:t>Supplementary Question: </a:t>
+            </a:r>
+            <a:r>
+              <a:rPr lang="en-AU" dirty="0"/>
+              <a:t>what are the main factors that contribute to economic growth</a:t>
             </a:r>
           </a:p>
           <a:p>
             <a:pPr lvl="1"/>
             <a:r>
               <a:rPr lang="en-AU" b="1" i="1" dirty="0"/>
-              <a:t>Supplementary Question:</a:t>
+              <a:t>Supplementary Question: </a:t>
             </a:r>
+            <a:r>
+              <a:rPr lang="en-AU" dirty="0"/>
+              <a:t>is it possible to predict economic growth using information from other factors</a:t>
+            </a:r>
+          </a:p>
+          <a:p>
+            <a:pPr lvl="1"/>
+            <a:r>
+              <a:rPr lang="en-AU" b="1" i="1" dirty="0"/>
+              <a:t>Supplementary Question: </a:t>
+            </a:r>
+            <a:r>
+              <a:rPr lang="en-AU" dirty="0"/>
+              <a:t>what factors do you need to watch out for as Commonwealth Government Ministers when making new policy decisions or new laws</a:t>
+            </a:r>
+          </a:p>
+          <a:p>
+            <a:pPr lvl="1"/>
+            <a:endParaRPr lang="en-AU" b="1" i="1" dirty="0"/>
           </a:p>
         </p:txBody>
       </p:sp>
@@ -23504,7 +22909,9 @@
         </p:nvSpPr>
         <p:spPr/>
         <p:txBody>
-          <a:bodyPr/>
+          <a:bodyPr>
+            <a:normAutofit/>
+          </a:bodyPr>
           <a:lstStyle/>
           <a:p>
             <a:r>
@@ -23533,15 +22940,7 @@
           <a:p>
             <a:r>
               <a:rPr lang="en-AU" dirty="0"/>
-              <a:t>Australia has avoided a recession (defined as two consecutive quarters of negative GDP growth) for 28 years to hold the world record </a:t>
-            </a:r>
-            <a:r>
-              <a:rPr lang="en-AU"/>
-              <a:t>for continued economic </a:t>
-            </a:r>
-            <a:r>
-              <a:rPr lang="en-AU" dirty="0"/>
-              <a:t>growth</a:t>
+              <a:t>Australia currently holds the world record for continued economic growth</a:t>
             </a:r>
           </a:p>
           <a:p>
@@ -23992,10 +23391,10 @@
       </p:sp>
       <p:graphicFrame>
         <p:nvGraphicFramePr>
-          <p:cNvPr id="4" name="Chart 3">
+          <p:cNvPr id="5" name="Chart 4">
             <a:extLst>
               <a:ext uri="{FF2B5EF4-FFF2-40B4-BE49-F238E27FC236}">
-                <a16:creationId xmlns:a16="http://schemas.microsoft.com/office/drawing/2014/main" id="{D5D0F35D-30C0-4A30-9CDE-36352F91AADF}"/>
+                <a16:creationId xmlns:a16="http://schemas.microsoft.com/office/drawing/2014/main" id="{2D3710B8-7BA8-4E20-9315-DE5E2D42F992}"/>
               </a:ext>
             </a:extLst>
           </p:cNvPr>
@@ -24005,14 +23404,14 @@
           <p:nvPr>
             <p:extLst>
               <p:ext uri="{D42A27DB-BD31-4B8C-83A1-F6EECF244321}">
-                <p14:modId xmlns:p14="http://schemas.microsoft.com/office/powerpoint/2010/main" val="3083800362"/>
+                <p14:modId xmlns:p14="http://schemas.microsoft.com/office/powerpoint/2010/main" val="2407573013"/>
               </p:ext>
             </p:extLst>
           </p:nvPr>
         </p:nvGraphicFramePr>
         <p:xfrm>
-          <a:off x="1542362" y="2787267"/>
-          <a:ext cx="9512492" cy="3150825"/>
+          <a:off x="1451580" y="2610998"/>
+          <a:ext cx="9603274" cy="3338109"/>
         </p:xfrm>
         <a:graphic>
           <a:graphicData uri="http://schemas.openxmlformats.org/drawingml/2006/chart">
@@ -24111,10 +23510,10 @@
       </p:graphicFrame>
       <p:graphicFrame>
         <p:nvGraphicFramePr>
-          <p:cNvPr id="5" name="Chart 4">
+          <p:cNvPr id="6" name="Chart 5">
             <a:extLst>
               <a:ext uri="{FF2B5EF4-FFF2-40B4-BE49-F238E27FC236}">
-                <a16:creationId xmlns:a16="http://schemas.microsoft.com/office/drawing/2014/main" id="{EF1249E8-D8BF-479A-9E39-271D2691465C}"/>
+                <a16:creationId xmlns:a16="http://schemas.microsoft.com/office/drawing/2014/main" id="{47BA3D78-C5EA-4A81-BC92-77233DF1DDBA}"/>
               </a:ext>
             </a:extLst>
           </p:cNvPr>
@@ -24124,14 +23523,14 @@
           <p:nvPr>
             <p:extLst>
               <p:ext uri="{D42A27DB-BD31-4B8C-83A1-F6EECF244321}">
-                <p14:modId xmlns:p14="http://schemas.microsoft.com/office/powerpoint/2010/main" val="2194871516"/>
+                <p14:modId xmlns:p14="http://schemas.microsoft.com/office/powerpoint/2010/main" val="4253153344"/>
               </p:ext>
             </p:extLst>
           </p:nvPr>
         </p:nvGraphicFramePr>
         <p:xfrm>
-          <a:off x="1355075" y="1987989"/>
-          <a:ext cx="5310130" cy="4005187"/>
+          <a:off x="1451579" y="1987988"/>
+          <a:ext cx="4917856" cy="4104339"/>
         </p:xfrm>
         <a:graphic>
           <a:graphicData uri="http://schemas.openxmlformats.org/drawingml/2006/chart">

--- a/draft GDP presentation.pptx
+++ b/draft GDP presentation.pptx
@@ -22786,8 +22786,11 @@
             <a:pPr lvl="1"/>
             <a:r>
               <a:rPr lang="en-AU" b="1" i="1" dirty="0"/>
-              <a:t>Supplementary Question: </a:t>
+              <a:t>Supplementary Questions: </a:t>
             </a:r>
+          </a:p>
+          <a:p>
+            <a:pPr lvl="1"/>
             <a:r>
               <a:rPr lang="en-AU" dirty="0"/>
               <a:t>is this an accurate description of what is actually happening with the underlying data</a:t>
@@ -22797,10 +22800,6 @@
           <a:p>
             <a:pPr lvl="1"/>
             <a:r>
-              <a:rPr lang="en-AU" b="1" i="1" dirty="0"/>
-              <a:t>Supplementary Question: </a:t>
-            </a:r>
-            <a:r>
               <a:rPr lang="en-AU" dirty="0"/>
               <a:t>what are the main factors that contribute to economic growth</a:t>
             </a:r>
@@ -22808,20 +22807,12 @@
           <a:p>
             <a:pPr lvl="1"/>
             <a:r>
-              <a:rPr lang="en-AU" b="1" i="1" dirty="0"/>
-              <a:t>Supplementary Question: </a:t>
-            </a:r>
-            <a:r>
               <a:rPr lang="en-AU" dirty="0"/>
               <a:t>is it possible to predict economic growth using information from other factors</a:t>
             </a:r>
           </a:p>
           <a:p>
             <a:pPr lvl="1"/>
-            <a:r>
-              <a:rPr lang="en-AU" b="1" i="1" dirty="0"/>
-              <a:t>Supplementary Question: </a:t>
-            </a:r>
             <a:r>
               <a:rPr lang="en-AU" dirty="0"/>
               <a:t>what factors do you need to watch out for as Commonwealth Government Ministers when making new policy decisions or new laws</a:t>
@@ -22935,6 +22926,12 @@
             <a:r>
               <a:rPr lang="en-AU" dirty="0"/>
               <a:t>Economic growth occurs when GDP increases between quarters (e.g. Q2 &gt; Q1)</a:t>
+            </a:r>
+          </a:p>
+          <a:p>
+            <a:r>
+              <a:rPr lang="en-AU" dirty="0"/>
+              <a:t>It has now been 107 quarters since Australia had a technical recession</a:t>
             </a:r>
           </a:p>
           <a:p>

--- a/draft GDP presentation.pptx
+++ b/draft GDP presentation.pptx
@@ -5,19 +5,20 @@
     <p:sldMasterId id="2147483749" r:id="rId1"/>
   </p:sldMasterIdLst>
   <p:notesMasterIdLst>
-    <p:notesMasterId r:id="rId12"/>
+    <p:notesMasterId r:id="rId13"/>
   </p:notesMasterIdLst>
   <p:sldIdLst>
     <p:sldId id="256" r:id="rId2"/>
     <p:sldId id="270" r:id="rId3"/>
     <p:sldId id="263" r:id="rId4"/>
-    <p:sldId id="257" r:id="rId5"/>
-    <p:sldId id="269" r:id="rId6"/>
-    <p:sldId id="264" r:id="rId7"/>
-    <p:sldId id="265" r:id="rId8"/>
-    <p:sldId id="266" r:id="rId9"/>
-    <p:sldId id="268" r:id="rId10"/>
-    <p:sldId id="267" r:id="rId11"/>
+    <p:sldId id="271" r:id="rId5"/>
+    <p:sldId id="257" r:id="rId6"/>
+    <p:sldId id="269" r:id="rId7"/>
+    <p:sldId id="264" r:id="rId8"/>
+    <p:sldId id="265" r:id="rId9"/>
+    <p:sldId id="266" r:id="rId10"/>
+    <p:sldId id="268" r:id="rId11"/>
+    <p:sldId id="267" r:id="rId12"/>
   </p:sldIdLst>
   <p:sldSz cx="12192000" cy="6858000"/>
   <p:notesSz cx="6858000" cy="9144000"/>
@@ -129,6 +130,1200 @@
 </file>
 
 <file path=ppt/charts/chart1.xml><?xml version="1.0" encoding="utf-8"?>
+<c:chartSpace xmlns:c="http://schemas.openxmlformats.org/drawingml/2006/chart" xmlns:a="http://schemas.openxmlformats.org/drawingml/2006/main" xmlns:r="http://schemas.openxmlformats.org/officeDocument/2006/relationships" xmlns:c16r2="http://schemas.microsoft.com/office/drawing/2015/06/chart">
+  <c:date1904 val="0"/>
+  <c:lang val="en-US"/>
+  <c:roundedCorners val="0"/>
+  <mc:AlternateContent xmlns:mc="http://schemas.openxmlformats.org/markup-compatibility/2006">
+    <mc:Choice xmlns:c14="http://schemas.microsoft.com/office/drawing/2007/8/2/chart" Requires="c14">
+      <c14:style val="102"/>
+    </mc:Choice>
+    <mc:Fallback>
+      <c:style val="2"/>
+    </mc:Fallback>
+  </mc:AlternateContent>
+  <c:chart>
+    <c:title>
+      <c:tx>
+        <c:rich>
+          <a:bodyPr rot="0" spcFirstLastPara="1" vertOverflow="ellipsis" vert="horz" wrap="square" anchor="ctr" anchorCtr="1"/>
+          <a:lstStyle/>
+          <a:p>
+            <a:pPr>
+              <a:defRPr sz="1400" b="1" i="0" u="none" strike="noStrike" kern="1200" spc="0" baseline="0">
+                <a:solidFill>
+                  <a:schemeClr val="tx1">
+                    <a:lumMod val="65000"/>
+                    <a:lumOff val="35000"/>
+                  </a:schemeClr>
+                </a:solidFill>
+                <a:latin typeface="+mn-lt"/>
+                <a:ea typeface="+mn-ea"/>
+                <a:cs typeface="+mn-cs"/>
+              </a:defRPr>
+            </a:pPr>
+            <a:r>
+              <a:rPr lang="en-AU" sz="1400" b="1" i="0" u="none" strike="noStrike" cap="all" baseline="0">
+                <a:effectLst/>
+              </a:rPr>
+              <a:t>GDP percentage change between quarters </a:t>
+            </a:r>
+          </a:p>
+          <a:p>
+            <a:pPr>
+              <a:defRPr b="1"/>
+            </a:pPr>
+            <a:r>
+              <a:rPr lang="en-AU" sz="1400" b="1" i="0" u="none" strike="noStrike" cap="all" baseline="0">
+                <a:effectLst/>
+              </a:rPr>
+              <a:t>between 1980 and 2017</a:t>
+            </a:r>
+            <a:endParaRPr lang="en-AU" b="1"/>
+          </a:p>
+        </c:rich>
+      </c:tx>
+      <c:overlay val="0"/>
+      <c:spPr>
+        <a:noFill/>
+        <a:ln>
+          <a:noFill/>
+        </a:ln>
+        <a:effectLst/>
+      </c:spPr>
+      <c:txPr>
+        <a:bodyPr rot="0" spcFirstLastPara="1" vertOverflow="ellipsis" vert="horz" wrap="square" anchor="ctr" anchorCtr="1"/>
+        <a:lstStyle/>
+        <a:p>
+          <a:pPr>
+            <a:defRPr sz="1400" b="1" i="0" u="none" strike="noStrike" kern="1200" spc="0" baseline="0">
+              <a:solidFill>
+                <a:schemeClr val="tx1">
+                  <a:lumMod val="65000"/>
+                  <a:lumOff val="35000"/>
+                </a:schemeClr>
+              </a:solidFill>
+              <a:latin typeface="+mn-lt"/>
+              <a:ea typeface="+mn-ea"/>
+              <a:cs typeface="+mn-cs"/>
+            </a:defRPr>
+          </a:pPr>
+          <a:endParaRPr lang="en-US"/>
+        </a:p>
+      </c:txPr>
+    </c:title>
+    <c:autoTitleDeleted val="0"/>
+    <c:plotArea>
+      <c:layout/>
+      <c:lineChart>
+        <c:grouping val="standard"/>
+        <c:varyColors val="0"/>
+        <c:ser>
+          <c:idx val="0"/>
+          <c:order val="0"/>
+          <c:spPr>
+            <a:ln w="28575" cap="rnd">
+              <a:solidFill>
+                <a:srgbClr val="C00000"/>
+              </a:solidFill>
+              <a:round/>
+            </a:ln>
+            <a:effectLst/>
+          </c:spPr>
+          <c:marker>
+            <c:symbol val="none"/>
+          </c:marker>
+          <c:cat>
+            <c:numRef>
+              <c:f>Data1!$A$93:$A$244</c:f>
+              <c:numCache>
+                <c:formatCode>mmm\-yyyy</c:formatCode>
+                <c:ptCount val="152"/>
+                <c:pt idx="0">
+                  <c:v>29281</c:v>
+                </c:pt>
+                <c:pt idx="1">
+                  <c:v>29373</c:v>
+                </c:pt>
+                <c:pt idx="2">
+                  <c:v>29465</c:v>
+                </c:pt>
+                <c:pt idx="3">
+                  <c:v>29556</c:v>
+                </c:pt>
+                <c:pt idx="4">
+                  <c:v>29646</c:v>
+                </c:pt>
+                <c:pt idx="5">
+                  <c:v>29738</c:v>
+                </c:pt>
+                <c:pt idx="6">
+                  <c:v>29830</c:v>
+                </c:pt>
+                <c:pt idx="7">
+                  <c:v>29921</c:v>
+                </c:pt>
+                <c:pt idx="8">
+                  <c:v>30011</c:v>
+                </c:pt>
+                <c:pt idx="9">
+                  <c:v>30103</c:v>
+                </c:pt>
+                <c:pt idx="10">
+                  <c:v>30195</c:v>
+                </c:pt>
+                <c:pt idx="11">
+                  <c:v>30286</c:v>
+                </c:pt>
+                <c:pt idx="12">
+                  <c:v>30376</c:v>
+                </c:pt>
+                <c:pt idx="13">
+                  <c:v>30468</c:v>
+                </c:pt>
+                <c:pt idx="14">
+                  <c:v>30560</c:v>
+                </c:pt>
+                <c:pt idx="15">
+                  <c:v>30651</c:v>
+                </c:pt>
+                <c:pt idx="16">
+                  <c:v>30742</c:v>
+                </c:pt>
+                <c:pt idx="17">
+                  <c:v>30834</c:v>
+                </c:pt>
+                <c:pt idx="18">
+                  <c:v>30926</c:v>
+                </c:pt>
+                <c:pt idx="19">
+                  <c:v>31017</c:v>
+                </c:pt>
+                <c:pt idx="20">
+                  <c:v>31107</c:v>
+                </c:pt>
+                <c:pt idx="21">
+                  <c:v>31199</c:v>
+                </c:pt>
+                <c:pt idx="22">
+                  <c:v>31291</c:v>
+                </c:pt>
+                <c:pt idx="23">
+                  <c:v>31382</c:v>
+                </c:pt>
+                <c:pt idx="24">
+                  <c:v>31472</c:v>
+                </c:pt>
+                <c:pt idx="25">
+                  <c:v>31564</c:v>
+                </c:pt>
+                <c:pt idx="26">
+                  <c:v>31656</c:v>
+                </c:pt>
+                <c:pt idx="27">
+                  <c:v>31747</c:v>
+                </c:pt>
+                <c:pt idx="28">
+                  <c:v>31837</c:v>
+                </c:pt>
+                <c:pt idx="29">
+                  <c:v>31929</c:v>
+                </c:pt>
+                <c:pt idx="30">
+                  <c:v>32021</c:v>
+                </c:pt>
+                <c:pt idx="31">
+                  <c:v>32112</c:v>
+                </c:pt>
+                <c:pt idx="32">
+                  <c:v>32203</c:v>
+                </c:pt>
+                <c:pt idx="33">
+                  <c:v>32295</c:v>
+                </c:pt>
+                <c:pt idx="34">
+                  <c:v>32387</c:v>
+                </c:pt>
+                <c:pt idx="35">
+                  <c:v>32478</c:v>
+                </c:pt>
+                <c:pt idx="36">
+                  <c:v>32568</c:v>
+                </c:pt>
+                <c:pt idx="37">
+                  <c:v>32660</c:v>
+                </c:pt>
+                <c:pt idx="38">
+                  <c:v>32752</c:v>
+                </c:pt>
+                <c:pt idx="39">
+                  <c:v>32843</c:v>
+                </c:pt>
+                <c:pt idx="40">
+                  <c:v>32933</c:v>
+                </c:pt>
+                <c:pt idx="41">
+                  <c:v>33025</c:v>
+                </c:pt>
+                <c:pt idx="42">
+                  <c:v>33117</c:v>
+                </c:pt>
+                <c:pt idx="43">
+                  <c:v>33208</c:v>
+                </c:pt>
+                <c:pt idx="44">
+                  <c:v>33298</c:v>
+                </c:pt>
+                <c:pt idx="45">
+                  <c:v>33390</c:v>
+                </c:pt>
+                <c:pt idx="46">
+                  <c:v>33482</c:v>
+                </c:pt>
+                <c:pt idx="47">
+                  <c:v>33573</c:v>
+                </c:pt>
+                <c:pt idx="48">
+                  <c:v>33664</c:v>
+                </c:pt>
+                <c:pt idx="49">
+                  <c:v>33756</c:v>
+                </c:pt>
+                <c:pt idx="50">
+                  <c:v>33848</c:v>
+                </c:pt>
+                <c:pt idx="51">
+                  <c:v>33939</c:v>
+                </c:pt>
+                <c:pt idx="52">
+                  <c:v>34029</c:v>
+                </c:pt>
+                <c:pt idx="53">
+                  <c:v>34121</c:v>
+                </c:pt>
+                <c:pt idx="54">
+                  <c:v>34213</c:v>
+                </c:pt>
+                <c:pt idx="55">
+                  <c:v>34304</c:v>
+                </c:pt>
+                <c:pt idx="56">
+                  <c:v>34394</c:v>
+                </c:pt>
+                <c:pt idx="57">
+                  <c:v>34486</c:v>
+                </c:pt>
+                <c:pt idx="58">
+                  <c:v>34578</c:v>
+                </c:pt>
+                <c:pt idx="59">
+                  <c:v>34669</c:v>
+                </c:pt>
+                <c:pt idx="60">
+                  <c:v>34759</c:v>
+                </c:pt>
+                <c:pt idx="61">
+                  <c:v>34851</c:v>
+                </c:pt>
+                <c:pt idx="62">
+                  <c:v>34943</c:v>
+                </c:pt>
+                <c:pt idx="63">
+                  <c:v>35034</c:v>
+                </c:pt>
+                <c:pt idx="64">
+                  <c:v>35125</c:v>
+                </c:pt>
+                <c:pt idx="65">
+                  <c:v>35217</c:v>
+                </c:pt>
+                <c:pt idx="66">
+                  <c:v>35309</c:v>
+                </c:pt>
+                <c:pt idx="67">
+                  <c:v>35400</c:v>
+                </c:pt>
+                <c:pt idx="68">
+                  <c:v>35490</c:v>
+                </c:pt>
+                <c:pt idx="69">
+                  <c:v>35582</c:v>
+                </c:pt>
+                <c:pt idx="70">
+                  <c:v>35674</c:v>
+                </c:pt>
+                <c:pt idx="71">
+                  <c:v>35765</c:v>
+                </c:pt>
+                <c:pt idx="72">
+                  <c:v>35855</c:v>
+                </c:pt>
+                <c:pt idx="73">
+                  <c:v>35947</c:v>
+                </c:pt>
+                <c:pt idx="74">
+                  <c:v>36039</c:v>
+                </c:pt>
+                <c:pt idx="75">
+                  <c:v>36130</c:v>
+                </c:pt>
+                <c:pt idx="76">
+                  <c:v>36220</c:v>
+                </c:pt>
+                <c:pt idx="77">
+                  <c:v>36312</c:v>
+                </c:pt>
+                <c:pt idx="78">
+                  <c:v>36404</c:v>
+                </c:pt>
+                <c:pt idx="79">
+                  <c:v>36495</c:v>
+                </c:pt>
+                <c:pt idx="80">
+                  <c:v>36586</c:v>
+                </c:pt>
+                <c:pt idx="81">
+                  <c:v>36678</c:v>
+                </c:pt>
+                <c:pt idx="82">
+                  <c:v>36770</c:v>
+                </c:pt>
+                <c:pt idx="83">
+                  <c:v>36861</c:v>
+                </c:pt>
+                <c:pt idx="84">
+                  <c:v>36951</c:v>
+                </c:pt>
+                <c:pt idx="85">
+                  <c:v>37043</c:v>
+                </c:pt>
+                <c:pt idx="86">
+                  <c:v>37135</c:v>
+                </c:pt>
+                <c:pt idx="87">
+                  <c:v>37226</c:v>
+                </c:pt>
+                <c:pt idx="88">
+                  <c:v>37316</c:v>
+                </c:pt>
+                <c:pt idx="89">
+                  <c:v>37408</c:v>
+                </c:pt>
+                <c:pt idx="90">
+                  <c:v>37500</c:v>
+                </c:pt>
+                <c:pt idx="91">
+                  <c:v>37591</c:v>
+                </c:pt>
+                <c:pt idx="92">
+                  <c:v>37681</c:v>
+                </c:pt>
+                <c:pt idx="93">
+                  <c:v>37773</c:v>
+                </c:pt>
+                <c:pt idx="94">
+                  <c:v>37865</c:v>
+                </c:pt>
+                <c:pt idx="95">
+                  <c:v>37956</c:v>
+                </c:pt>
+                <c:pt idx="96">
+                  <c:v>38047</c:v>
+                </c:pt>
+                <c:pt idx="97">
+                  <c:v>38139</c:v>
+                </c:pt>
+                <c:pt idx="98">
+                  <c:v>38231</c:v>
+                </c:pt>
+                <c:pt idx="99">
+                  <c:v>38322</c:v>
+                </c:pt>
+                <c:pt idx="100">
+                  <c:v>38412</c:v>
+                </c:pt>
+                <c:pt idx="101">
+                  <c:v>38504</c:v>
+                </c:pt>
+                <c:pt idx="102">
+                  <c:v>38596</c:v>
+                </c:pt>
+                <c:pt idx="103">
+                  <c:v>38687</c:v>
+                </c:pt>
+                <c:pt idx="104">
+                  <c:v>38777</c:v>
+                </c:pt>
+                <c:pt idx="105">
+                  <c:v>38869</c:v>
+                </c:pt>
+                <c:pt idx="106">
+                  <c:v>38961</c:v>
+                </c:pt>
+                <c:pt idx="107">
+                  <c:v>39052</c:v>
+                </c:pt>
+                <c:pt idx="108">
+                  <c:v>39142</c:v>
+                </c:pt>
+                <c:pt idx="109">
+                  <c:v>39234</c:v>
+                </c:pt>
+                <c:pt idx="110">
+                  <c:v>39326</c:v>
+                </c:pt>
+                <c:pt idx="111">
+                  <c:v>39417</c:v>
+                </c:pt>
+                <c:pt idx="112">
+                  <c:v>39508</c:v>
+                </c:pt>
+                <c:pt idx="113">
+                  <c:v>39600</c:v>
+                </c:pt>
+                <c:pt idx="114">
+                  <c:v>39692</c:v>
+                </c:pt>
+                <c:pt idx="115">
+                  <c:v>39783</c:v>
+                </c:pt>
+                <c:pt idx="116">
+                  <c:v>39873</c:v>
+                </c:pt>
+                <c:pt idx="117">
+                  <c:v>39965</c:v>
+                </c:pt>
+                <c:pt idx="118">
+                  <c:v>40057</c:v>
+                </c:pt>
+                <c:pt idx="119">
+                  <c:v>40148</c:v>
+                </c:pt>
+                <c:pt idx="120">
+                  <c:v>40238</c:v>
+                </c:pt>
+                <c:pt idx="121">
+                  <c:v>40330</c:v>
+                </c:pt>
+                <c:pt idx="122">
+                  <c:v>40422</c:v>
+                </c:pt>
+                <c:pt idx="123">
+                  <c:v>40513</c:v>
+                </c:pt>
+                <c:pt idx="124">
+                  <c:v>40603</c:v>
+                </c:pt>
+                <c:pt idx="125">
+                  <c:v>40695</c:v>
+                </c:pt>
+                <c:pt idx="126">
+                  <c:v>40787</c:v>
+                </c:pt>
+                <c:pt idx="127">
+                  <c:v>40878</c:v>
+                </c:pt>
+                <c:pt idx="128">
+                  <c:v>40969</c:v>
+                </c:pt>
+                <c:pt idx="129">
+                  <c:v>41061</c:v>
+                </c:pt>
+                <c:pt idx="130">
+                  <c:v>41153</c:v>
+                </c:pt>
+                <c:pt idx="131">
+                  <c:v>41244</c:v>
+                </c:pt>
+                <c:pt idx="132">
+                  <c:v>41334</c:v>
+                </c:pt>
+                <c:pt idx="133">
+                  <c:v>41426</c:v>
+                </c:pt>
+                <c:pt idx="134">
+                  <c:v>41518</c:v>
+                </c:pt>
+                <c:pt idx="135">
+                  <c:v>41609</c:v>
+                </c:pt>
+                <c:pt idx="136">
+                  <c:v>41699</c:v>
+                </c:pt>
+                <c:pt idx="137">
+                  <c:v>41791</c:v>
+                </c:pt>
+                <c:pt idx="138">
+                  <c:v>41883</c:v>
+                </c:pt>
+                <c:pt idx="139">
+                  <c:v>41974</c:v>
+                </c:pt>
+                <c:pt idx="140">
+                  <c:v>42064</c:v>
+                </c:pt>
+                <c:pt idx="141">
+                  <c:v>42156</c:v>
+                </c:pt>
+                <c:pt idx="142">
+                  <c:v>42248</c:v>
+                </c:pt>
+                <c:pt idx="143">
+                  <c:v>42339</c:v>
+                </c:pt>
+                <c:pt idx="144">
+                  <c:v>42430</c:v>
+                </c:pt>
+                <c:pt idx="145">
+                  <c:v>42522</c:v>
+                </c:pt>
+                <c:pt idx="146">
+                  <c:v>42614</c:v>
+                </c:pt>
+                <c:pt idx="147">
+                  <c:v>42705</c:v>
+                </c:pt>
+                <c:pt idx="148">
+                  <c:v>42795</c:v>
+                </c:pt>
+                <c:pt idx="149">
+                  <c:v>42887</c:v>
+                </c:pt>
+                <c:pt idx="150">
+                  <c:v>42979</c:v>
+                </c:pt>
+                <c:pt idx="151">
+                  <c:v>43070</c:v>
+                </c:pt>
+              </c:numCache>
+            </c:numRef>
+          </c:cat>
+          <c:val>
+            <c:numRef>
+              <c:f>Data1!$DF$93:$DF$244</c:f>
+              <c:numCache>
+                <c:formatCode>General</c:formatCode>
+                <c:ptCount val="152"/>
+                <c:pt idx="0">
+                  <c:v>8.8879640914360462E-3</c:v>
+                </c:pt>
+                <c:pt idx="1">
+                  <c:v>5.3476723629935176E-3</c:v>
+                </c:pt>
+                <c:pt idx="2">
+                  <c:v>6.5501223568717667E-3</c:v>
+                </c:pt>
+                <c:pt idx="3">
+                  <c:v>9.3900131023438634E-3</c:v>
+                </c:pt>
+                <c:pt idx="4">
+                  <c:v>1.2764116247205595E-2</c:v>
+                </c:pt>
+                <c:pt idx="5">
+                  <c:v>1.4397607519225293E-2</c:v>
+                </c:pt>
+                <c:pt idx="6">
+                  <c:v>9.6867936712948018E-3</c:v>
+                </c:pt>
+                <c:pt idx="7">
+                  <c:v>3.3578509753757597E-3</c:v>
+                </c:pt>
+                <c:pt idx="8">
+                  <c:v>-1.0046769443963278E-3</c:v>
+                </c:pt>
+                <c:pt idx="9">
+                  <c:v>-2.2957414343182134E-3</c:v>
+                </c:pt>
+                <c:pt idx="10">
+                  <c:v>-5.4432078081877522E-3</c:v>
+                </c:pt>
+                <c:pt idx="11">
+                  <c:v>-1.2148239274181146E-2</c:v>
+                </c:pt>
+                <c:pt idx="12">
+                  <c:v>-9.7857466319483753E-3</c:v>
+                </c:pt>
+                <c:pt idx="13">
+                  <c:v>3.2870056093465289E-3</c:v>
+                </c:pt>
+                <c:pt idx="14">
+                  <c:v>1.6965207791745308E-2</c:v>
+                </c:pt>
+                <c:pt idx="15">
+                  <c:v>2.307633047826483E-2</c:v>
+                </c:pt>
+                <c:pt idx="16">
+                  <c:v>2.0467956353281035E-2</c:v>
+                </c:pt>
+                <c:pt idx="17">
+                  <c:v>1.385236664162284E-2</c:v>
+                </c:pt>
+                <c:pt idx="18">
+                  <c:v>9.1307886222433948E-3</c:v>
+                </c:pt>
+                <c:pt idx="19">
+                  <c:v>8.8908121717579027E-3</c:v>
+                </c:pt>
+                <c:pt idx="20">
+                  <c:v>1.4726430237923482E-2</c:v>
+                </c:pt>
+                <c:pt idx="21">
+                  <c:v>1.6542952113181204E-2</c:v>
+                </c:pt>
+                <c:pt idx="22">
+                  <c:v>1.2499842491904084E-2</c:v>
+                </c:pt>
+                <c:pt idx="23">
+                  <c:v>5.2082685151767826E-3</c:v>
+                </c:pt>
+                <c:pt idx="24">
+                  <c:v>-1.0523513863181939E-4</c:v>
+                </c:pt>
+                <c:pt idx="25">
+                  <c:v>1.2505726632244963E-3</c:v>
+                </c:pt>
+                <c:pt idx="26">
+                  <c:v>5.8122279382667192E-3</c:v>
+                </c:pt>
+                <c:pt idx="27">
+                  <c:v>1.0063442102933582E-2</c:v>
+                </c:pt>
+                <c:pt idx="28">
+                  <c:v>1.371838958035361E-2</c:v>
+                </c:pt>
+                <c:pt idx="29">
+                  <c:v>1.6336553413505123E-2</c:v>
+                </c:pt>
+                <c:pt idx="30">
+                  <c:v>1.77398393194707E-2</c:v>
+                </c:pt>
+                <c:pt idx="31">
+                  <c:v>1.4748988582738865E-2</c:v>
+                </c:pt>
+                <c:pt idx="32">
+                  <c:v>7.6934516999954241E-3</c:v>
+                </c:pt>
+                <c:pt idx="33">
+                  <c:v>4.4502721818254062E-3</c:v>
+                </c:pt>
+                <c:pt idx="34">
+                  <c:v>6.6062739823568974E-3</c:v>
+                </c:pt>
+                <c:pt idx="35">
+                  <c:v>1.242406889659896E-2</c:v>
+                </c:pt>
+                <c:pt idx="36">
+                  <c:v>1.6153270302492584E-2</c:v>
+                </c:pt>
+                <c:pt idx="37">
+                  <c:v>1.3828254605780145E-2</c:v>
+                </c:pt>
+                <c:pt idx="38">
+                  <c:v>8.768341389370337E-3</c:v>
+                </c:pt>
+                <c:pt idx="39">
+                  <c:v>4.7275773567186557E-3</c:v>
+                </c:pt>
+                <c:pt idx="40">
+                  <c:v>1.5985384791048184E-3</c:v>
+                </c:pt>
+                <c:pt idx="41">
+                  <c:v>1.7285443111803942E-3</c:v>
+                </c:pt>
+                <c:pt idx="42">
+                  <c:v>-2.911223560796934E-4</c:v>
+                </c:pt>
+                <c:pt idx="43">
+                  <c:v>-3.875702206291133E-3</c:v>
+                </c:pt>
+                <c:pt idx="44">
+                  <c:v>-4.374471794490185E-3</c:v>
+                </c:pt>
+                <c:pt idx="45">
+                  <c:v>-2.9629392357218361E-3</c:v>
+                </c:pt>
+                <c:pt idx="46">
+                  <c:v>5.6222190095256452E-4</c:v>
+                </c:pt>
+                <c:pt idx="47">
+                  <c:v>4.4577874818049487E-3</c:v>
+                </c:pt>
+                <c:pt idx="48">
+                  <c:v>5.2265086815452564E-3</c:v>
+                </c:pt>
+                <c:pt idx="49">
+                  <c:v>8.7344576474204724E-3</c:v>
+                </c:pt>
+                <c:pt idx="50">
+                  <c:v>1.283061694145834E-2</c:v>
+                </c:pt>
+                <c:pt idx="51">
+                  <c:v>1.3731532204515272E-2</c:v>
+                </c:pt>
+                <c:pt idx="52">
+                  <c:v>9.6256684491978616E-3</c:v>
+                </c:pt>
+                <c:pt idx="53">
+                  <c:v>5.3118157489254721E-3</c:v>
+                </c:pt>
+                <c:pt idx="54">
+                  <c:v>6.9777759851571012E-3</c:v>
+                </c:pt>
+                <c:pt idx="55">
+                  <c:v>1.3112833453496755E-2</c:v>
+                </c:pt>
+                <c:pt idx="56">
+                  <c:v>1.5606853573317123E-2</c:v>
+                </c:pt>
+                <c:pt idx="57">
+                  <c:v>1.3775820539646237E-2</c:v>
+                </c:pt>
+                <c:pt idx="58">
+                  <c:v>9.249481606635435E-3</c:v>
+                </c:pt>
+                <c:pt idx="59">
+                  <c:v>4.7939960906103309E-3</c:v>
+                </c:pt>
+                <c:pt idx="60">
+                  <c:v>4.8941880333789305E-3</c:v>
+                </c:pt>
+                <c:pt idx="61">
+                  <c:v>7.3102376298250157E-3</c:v>
+                </c:pt>
+                <c:pt idx="62">
+                  <c:v>1.0577161374189294E-2</c:v>
+                </c:pt>
+                <c:pt idx="63">
+                  <c:v>1.1886969678741805E-2</c:v>
+                </c:pt>
+                <c:pt idx="64">
+                  <c:v>1.0233757682177349E-2</c:v>
+                </c:pt>
+                <c:pt idx="65">
+                  <c:v>9.1297538542317331E-3</c:v>
+                </c:pt>
+                <c:pt idx="66">
+                  <c:v>7.5535002220298462E-3</c:v>
+                </c:pt>
+                <c:pt idx="67">
+                  <c:v>8.9481674064115172E-3</c:v>
+                </c:pt>
+                <c:pt idx="68">
+                  <c:v>1.3060532922691352E-2</c:v>
+                </c:pt>
+                <c:pt idx="69">
+                  <c:v>1.4625626641463085E-2</c:v>
+                </c:pt>
+                <c:pt idx="70">
+                  <c:v>1.2903779699942049E-2</c:v>
+                </c:pt>
+                <c:pt idx="71">
+                  <c:v>9.1286271883913011E-3</c:v>
+                </c:pt>
+                <c:pt idx="72">
+                  <c:v>8.6512819435986821E-3</c:v>
+                </c:pt>
+                <c:pt idx="73">
+                  <c:v>1.3019673154991153E-2</c:v>
+                </c:pt>
+                <c:pt idx="74">
+                  <c:v>1.4956720454414677E-2</c:v>
+                </c:pt>
+                <c:pt idx="75">
+                  <c:v>1.3489052040770872E-2</c:v>
+                </c:pt>
+                <c:pt idx="76">
+                  <c:v>8.6625751182713203E-3</c:v>
+                </c:pt>
+                <c:pt idx="77">
+                  <c:v>7.5780383457455238E-3</c:v>
+                </c:pt>
+                <c:pt idx="78">
+                  <c:v>1.0100136424575294E-2</c:v>
+                </c:pt>
+                <c:pt idx="79">
+                  <c:v>1.1863522781233215E-2</c:v>
+                </c:pt>
+                <c:pt idx="80">
+                  <c:v>1.0239643035734892E-2</c:v>
+                </c:pt>
+                <c:pt idx="81">
+                  <c:v>5.1402723202046974E-3</c:v>
+                </c:pt>
+                <c:pt idx="82">
+                  <c:v>1.685720996128524E-3</c:v>
+                </c:pt>
+                <c:pt idx="83">
+                  <c:v>1.8908810371104313E-3</c:v>
+                </c:pt>
+                <c:pt idx="84">
+                  <c:v>4.9409837426913827E-3</c:v>
+                </c:pt>
+                <c:pt idx="85">
+                  <c:v>9.8408930422632553E-3</c:v>
+                </c:pt>
+                <c:pt idx="86">
+                  <c:v>1.1128633915553307E-2</c:v>
+                </c:pt>
+                <c:pt idx="87">
+                  <c:v>1.1429181012918984E-2</c:v>
+                </c:pt>
+                <c:pt idx="88">
+                  <c:v>1.1820116018984925E-2</c:v>
+                </c:pt>
+                <c:pt idx="89">
+                  <c:v>1.0880465843532647E-2</c:v>
+                </c:pt>
+                <c:pt idx="90">
+                  <c:v>8.1640780565511752E-3</c:v>
+                </c:pt>
+                <c:pt idx="91">
+                  <c:v>3.8408904940605512E-3</c:v>
+                </c:pt>
+                <c:pt idx="92">
+                  <c:v>2.185393001823503E-3</c:v>
+                </c:pt>
+                <c:pt idx="93">
+                  <c:v>6.8013139858154039E-3</c:v>
+                </c:pt>
+                <c:pt idx="94">
+                  <c:v>1.2333770923361388E-2</c:v>
+                </c:pt>
+                <c:pt idx="95">
+                  <c:v>1.4594748917346871E-2</c:v>
+                </c:pt>
+                <c:pt idx="96">
+                  <c:v>1.157768405635942E-2</c:v>
+                </c:pt>
+                <c:pt idx="97">
+                  <c:v>7.7384802549777297E-3</c:v>
+                </c:pt>
+                <c:pt idx="98">
+                  <c:v>6.8077209599318898E-3</c:v>
+                </c:pt>
+                <c:pt idx="99">
+                  <c:v>6.8508761788362762E-3</c:v>
+                </c:pt>
+                <c:pt idx="100">
+                  <c:v>6.5975742186090303E-3</c:v>
+                </c:pt>
+                <c:pt idx="101">
+                  <c:v>7.5060295938987028E-3</c:v>
+                </c:pt>
+                <c:pt idx="102">
+                  <c:v>8.3300175011241477E-3</c:v>
+                </c:pt>
+                <c:pt idx="103">
+                  <c:v>6.7372905825510594E-3</c:v>
+                </c:pt>
+                <c:pt idx="104">
+                  <c:v>4.9745377599602295E-3</c:v>
+                </c:pt>
+                <c:pt idx="105">
+                  <c:v>5.6982676885708036E-3</c:v>
+                </c:pt>
+                <c:pt idx="106">
+                  <c:v>1.0105437071977197E-2</c:v>
+                </c:pt>
+                <c:pt idx="107">
+                  <c:v>1.296974350810492E-2</c:v>
+                </c:pt>
+                <c:pt idx="108">
+                  <c:v>1.2279825956193223E-2</c:v>
+                </c:pt>
+                <c:pt idx="109">
+                  <c:v>9.5250851595581141E-3</c:v>
+                </c:pt>
+                <c:pt idx="110">
+                  <c:v>8.6451768537225224E-3</c:v>
+                </c:pt>
+                <c:pt idx="111">
+                  <c:v>8.0000717495224173E-3</c:v>
+                </c:pt>
+                <c:pt idx="112">
+                  <c:v>7.9662369169536118E-3</c:v>
+                </c:pt>
+                <c:pt idx="113">
+                  <c:v>5.2462933157574167E-3</c:v>
+                </c:pt>
+                <c:pt idx="114">
+                  <c:v>2.9182594645857361E-3</c:v>
+                </c:pt>
+                <c:pt idx="115">
+                  <c:v>2.8192937756647669E-3</c:v>
+                </c:pt>
+                <c:pt idx="116">
+                  <c:v>4.5488278692102854E-3</c:v>
+                </c:pt>
+                <c:pt idx="117">
+                  <c:v>5.585685810967413E-3</c:v>
+                </c:pt>
+                <c:pt idx="118">
+                  <c:v>5.6843063590476407E-3</c:v>
+                </c:pt>
+                <c:pt idx="119">
+                  <c:v>4.9359868679258257E-3</c:v>
+                </c:pt>
+                <c:pt idx="120">
+                  <c:v>5.6329676845538095E-3</c:v>
+                </c:pt>
+                <c:pt idx="121">
+                  <c:v>6.9450743831640056E-3</c:v>
+                </c:pt>
+                <c:pt idx="122">
+                  <c:v>6.5227550405666376E-3</c:v>
+                </c:pt>
+                <c:pt idx="123">
+                  <c:v>5.1966940299551095E-3</c:v>
+                </c:pt>
+                <c:pt idx="124">
+                  <c:v>5.2087825861939436E-3</c:v>
+                </c:pt>
+                <c:pt idx="125">
+                  <c:v>7.8335847646464514E-3</c:v>
+                </c:pt>
+                <c:pt idx="126">
+                  <c:v>1.1041074444856426E-2</c:v>
+                </c:pt>
+                <c:pt idx="127">
+                  <c:v>1.2550425818018825E-2</c:v>
+                </c:pt>
+                <c:pt idx="128">
+                  <c:v>1.0457831971776195E-2</c:v>
+                </c:pt>
+                <c:pt idx="129">
+                  <c:v>8.2042731252970399E-3</c:v>
+                </c:pt>
+                <c:pt idx="130">
+                  <c:v>5.8885029350342222E-3</c:v>
+                </c:pt>
+                <c:pt idx="131">
+                  <c:v>4.2282025034100518E-3</c:v>
+                </c:pt>
+                <c:pt idx="132">
+                  <c:v>4.1921506671463655E-3</c:v>
+                </c:pt>
+                <c:pt idx="133">
+                  <c:v>5.4675452123931021E-3</c:v>
+                </c:pt>
+                <c:pt idx="134">
+                  <c:v>6.8037222945198407E-3</c:v>
+                </c:pt>
+                <c:pt idx="135">
+                  <c:v>7.7015205566227174E-3</c:v>
+                </c:pt>
+                <c:pt idx="136">
+                  <c:v>7.187103933056097E-3</c:v>
+                </c:pt>
+                <c:pt idx="137">
+                  <c:v>5.6171825647504739E-3</c:v>
+                </c:pt>
+                <c:pt idx="138">
+                  <c:v>5.3345327446836848E-3</c:v>
+                </c:pt>
+                <c:pt idx="139">
+                  <c:v>5.5211749180196753E-3</c:v>
+                </c:pt>
+                <c:pt idx="140">
+                  <c:v>6.1371347609400825E-3</c:v>
+                </c:pt>
+                <c:pt idx="141">
+                  <c:v>6.2207552856655812E-3</c:v>
+                </c:pt>
+                <c:pt idx="142">
+                  <c:v>6.4990228140989759E-3</c:v>
+                </c:pt>
+                <c:pt idx="143">
+                  <c:v>8.0353418435425757E-3</c:v>
+                </c:pt>
+                <c:pt idx="144">
+                  <c:v>7.7776944242110386E-3</c:v>
+                </c:pt>
+                <c:pt idx="145">
+                  <c:v>5.5253129449845959E-3</c:v>
+                </c:pt>
+                <c:pt idx="146">
+                  <c:v>4.0358401711769369E-3</c:v>
+                </c:pt>
+                <c:pt idx="147">
+                  <c:v>4.2455724744195336E-3</c:v>
+                </c:pt>
+                <c:pt idx="148">
+                  <c:v>6.4776196464901249E-3</c:v>
+                </c:pt>
+                <c:pt idx="149">
+                  <c:v>7.1889457311075447E-3</c:v>
+                </c:pt>
+                <c:pt idx="150">
+                  <c:v>6.1960734837493252E-3</c:v>
+                </c:pt>
+                <c:pt idx="151">
+                  <c:v>5.5402691186885395E-3</c:v>
+                </c:pt>
+              </c:numCache>
+            </c:numRef>
+          </c:val>
+          <c:smooth val="0"/>
+          <c:extLst>
+            <c:ext xmlns:c16="http://schemas.microsoft.com/office/drawing/2014/chart" uri="{C3380CC4-5D6E-409C-BE32-E72D297353CC}">
+              <c16:uniqueId val="{00000000-B128-49AE-89B3-F5B2A811E52B}"/>
+            </c:ext>
+          </c:extLst>
+        </c:ser>
+        <c:dLbls>
+          <c:showLegendKey val="0"/>
+          <c:showVal val="0"/>
+          <c:showCatName val="0"/>
+          <c:showSerName val="0"/>
+          <c:showPercent val="0"/>
+          <c:showBubbleSize val="0"/>
+        </c:dLbls>
+        <c:smooth val="0"/>
+        <c:axId val="363421640"/>
+        <c:axId val="363419344"/>
+      </c:lineChart>
+      <c:dateAx>
+        <c:axId val="363421640"/>
+        <c:scaling>
+          <c:orientation val="minMax"/>
+        </c:scaling>
+        <c:delete val="0"/>
+        <c:axPos val="b"/>
+        <c:numFmt formatCode="mmm\-yyyy" sourceLinked="1"/>
+        <c:majorTickMark val="out"/>
+        <c:minorTickMark val="none"/>
+        <c:tickLblPos val="low"/>
+        <c:spPr>
+          <a:noFill/>
+          <a:ln w="9525" cap="flat" cmpd="sng" algn="ctr">
+            <a:solidFill>
+              <a:schemeClr val="tx1">
+                <a:lumMod val="15000"/>
+                <a:lumOff val="85000"/>
+              </a:schemeClr>
+            </a:solidFill>
+            <a:round/>
+          </a:ln>
+          <a:effectLst/>
+        </c:spPr>
+        <c:txPr>
+          <a:bodyPr rot="-60000000" spcFirstLastPara="1" vertOverflow="ellipsis" vert="horz" wrap="square" anchor="ctr" anchorCtr="1"/>
+          <a:lstStyle/>
+          <a:p>
+            <a:pPr>
+              <a:defRPr sz="900" b="0" i="0" u="none" strike="noStrike" kern="1200" baseline="0">
+                <a:solidFill>
+                  <a:schemeClr val="tx1">
+                    <a:lumMod val="65000"/>
+                    <a:lumOff val="35000"/>
+                  </a:schemeClr>
+                </a:solidFill>
+                <a:latin typeface="+mn-lt"/>
+                <a:ea typeface="+mn-ea"/>
+                <a:cs typeface="+mn-cs"/>
+              </a:defRPr>
+            </a:pPr>
+            <a:endParaRPr lang="en-US"/>
+          </a:p>
+        </c:txPr>
+        <c:crossAx val="363419344"/>
+        <c:crosses val="autoZero"/>
+        <c:auto val="1"/>
+        <c:lblOffset val="100"/>
+        <c:baseTimeUnit val="months"/>
+      </c:dateAx>
+      <c:valAx>
+        <c:axId val="363419344"/>
+        <c:scaling>
+          <c:orientation val="minMax"/>
+        </c:scaling>
+        <c:delete val="0"/>
+        <c:axPos val="l"/>
+        <c:majorGridlines>
+          <c:spPr>
+            <a:ln w="9525" cap="flat" cmpd="sng" algn="ctr">
+              <a:solidFill>
+                <a:schemeClr val="tx1">
+                  <a:lumMod val="15000"/>
+                  <a:lumOff val="85000"/>
+                </a:schemeClr>
+              </a:solidFill>
+              <a:round/>
+            </a:ln>
+            <a:effectLst/>
+          </c:spPr>
+        </c:majorGridlines>
+        <c:numFmt formatCode="General" sourceLinked="1"/>
+        <c:majorTickMark val="none"/>
+        <c:minorTickMark val="none"/>
+        <c:tickLblPos val="nextTo"/>
+        <c:spPr>
+          <a:noFill/>
+          <a:ln>
+            <a:noFill/>
+          </a:ln>
+          <a:effectLst/>
+        </c:spPr>
+        <c:txPr>
+          <a:bodyPr rot="-60000000" spcFirstLastPara="1" vertOverflow="ellipsis" vert="horz" wrap="square" anchor="ctr" anchorCtr="1"/>
+          <a:lstStyle/>
+          <a:p>
+            <a:pPr>
+              <a:defRPr sz="900" b="0" i="0" u="none" strike="noStrike" kern="1200" baseline="0">
+                <a:solidFill>
+                  <a:schemeClr val="tx1">
+                    <a:lumMod val="65000"/>
+                    <a:lumOff val="35000"/>
+                  </a:schemeClr>
+                </a:solidFill>
+                <a:latin typeface="+mn-lt"/>
+                <a:ea typeface="+mn-ea"/>
+                <a:cs typeface="+mn-cs"/>
+              </a:defRPr>
+            </a:pPr>
+            <a:endParaRPr lang="en-US"/>
+          </a:p>
+        </c:txPr>
+        <c:crossAx val="363421640"/>
+        <c:crosses val="autoZero"/>
+        <c:crossBetween val="between"/>
+      </c:valAx>
+      <c:spPr>
+        <a:noFill/>
+        <a:ln>
+          <a:noFill/>
+        </a:ln>
+        <a:effectLst/>
+      </c:spPr>
+    </c:plotArea>
+    <c:plotVisOnly val="1"/>
+    <c:dispBlanksAs val="gap"/>
+    <c:showDLblsOverMax val="0"/>
+  </c:chart>
+  <c:spPr>
+    <a:noFill/>
+    <a:ln>
+      <a:noFill/>
+    </a:ln>
+    <a:effectLst/>
+  </c:spPr>
+  <c:txPr>
+    <a:bodyPr/>
+    <a:lstStyle/>
+    <a:p>
+      <a:pPr>
+        <a:defRPr/>
+      </a:pPr>
+      <a:endParaRPr lang="en-US"/>
+    </a:p>
+  </c:txPr>
+  <c:externalData r:id="rId3">
+    <c:autoUpdate val="0"/>
+  </c:externalData>
+</c:chartSpace>
+</file>
+
+<file path=ppt/charts/chart2.xml><?xml version="1.0" encoding="utf-8"?>
 <c:chartSpace xmlns:c="http://schemas.openxmlformats.org/drawingml/2006/chart" xmlns:a="http://schemas.openxmlformats.org/drawingml/2006/main" xmlns:r="http://schemas.openxmlformats.org/officeDocument/2006/relationships" xmlns:c16r2="http://schemas.microsoft.com/office/drawing/2015/06/chart">
   <c:date1904 val="0"/>
   <c:lang val="en-US"/>
@@ -1494,7 +2689,7 @@
 </c:chartSpace>
 </file>
 
-<file path=ppt/charts/chart2.xml><?xml version="1.0" encoding="utf-8"?>
+<file path=ppt/charts/chart3.xml><?xml version="1.0" encoding="utf-8"?>
 <c:chartSpace xmlns:c="http://schemas.openxmlformats.org/drawingml/2006/chart" xmlns:a="http://schemas.openxmlformats.org/drawingml/2006/main" xmlns:r="http://schemas.openxmlformats.org/officeDocument/2006/relationships" xmlns:c16r2="http://schemas.microsoft.com/office/drawing/2015/06/chart">
   <c:date1904 val="0"/>
   <c:lang val="en-US"/>
@@ -1903,7 +3098,7 @@
 </c:chartSpace>
 </file>
 
-<file path=ppt/charts/chart3.xml><?xml version="1.0" encoding="utf-8"?>
+<file path=ppt/charts/chart4.xml><?xml version="1.0" encoding="utf-8"?>
 <c:chartSpace xmlns:c="http://schemas.openxmlformats.org/drawingml/2006/chart" xmlns:a="http://schemas.openxmlformats.org/drawingml/2006/main" xmlns:r="http://schemas.openxmlformats.org/officeDocument/2006/relationships" xmlns:c16r2="http://schemas.microsoft.com/office/drawing/2015/06/chart">
   <c:date1904 val="0"/>
   <c:lang val="en-US"/>
@@ -2460,7 +3655,563 @@
 </cs:colorStyle>
 </file>
 
+<file path=ppt/charts/colors4.xml><?xml version="1.0" encoding="utf-8"?>
+<cs:colorStyle xmlns:cs="http://schemas.microsoft.com/office/drawing/2012/chartStyle" xmlns:a="http://schemas.openxmlformats.org/drawingml/2006/main" meth="cycle" id="10">
+  <a:schemeClr val="accent1"/>
+  <a:schemeClr val="accent2"/>
+  <a:schemeClr val="accent3"/>
+  <a:schemeClr val="accent4"/>
+  <a:schemeClr val="accent5"/>
+  <a:schemeClr val="accent6"/>
+  <cs:variation/>
+  <cs:variation>
+    <a:lumMod val="60000"/>
+  </cs:variation>
+  <cs:variation>
+    <a:lumMod val="80000"/>
+    <a:lumOff val="20000"/>
+  </cs:variation>
+  <cs:variation>
+    <a:lumMod val="80000"/>
+  </cs:variation>
+  <cs:variation>
+    <a:lumMod val="60000"/>
+    <a:lumOff val="40000"/>
+  </cs:variation>
+  <cs:variation>
+    <a:lumMod val="50000"/>
+  </cs:variation>
+  <cs:variation>
+    <a:lumMod val="70000"/>
+    <a:lumOff val="30000"/>
+  </cs:variation>
+  <cs:variation>
+    <a:lumMod val="70000"/>
+  </cs:variation>
+  <cs:variation>
+    <a:lumMod val="50000"/>
+    <a:lumOff val="50000"/>
+  </cs:variation>
+</cs:colorStyle>
+</file>
+
 <file path=ppt/charts/style1.xml><?xml version="1.0" encoding="utf-8"?>
+<cs:chartStyle xmlns:cs="http://schemas.microsoft.com/office/drawing/2012/chartStyle" xmlns:a="http://schemas.openxmlformats.org/drawingml/2006/main" id="227">
+  <cs:axisTitle>
+    <cs:lnRef idx="0"/>
+    <cs:fillRef idx="0"/>
+    <cs:effectRef idx="0"/>
+    <cs:fontRef idx="minor">
+      <a:schemeClr val="tx1">
+        <a:lumMod val="65000"/>
+        <a:lumOff val="35000"/>
+      </a:schemeClr>
+    </cs:fontRef>
+    <cs:defRPr sz="1000" kern="1200"/>
+  </cs:axisTitle>
+  <cs:categoryAxis>
+    <cs:lnRef idx="0"/>
+    <cs:fillRef idx="0"/>
+    <cs:effectRef idx="0"/>
+    <cs:fontRef idx="minor">
+      <a:schemeClr val="tx1">
+        <a:lumMod val="65000"/>
+        <a:lumOff val="35000"/>
+      </a:schemeClr>
+    </cs:fontRef>
+    <cs:spPr>
+      <a:ln w="9525" cap="flat" cmpd="sng" algn="ctr">
+        <a:solidFill>
+          <a:schemeClr val="tx1">
+            <a:lumMod val="15000"/>
+            <a:lumOff val="85000"/>
+          </a:schemeClr>
+        </a:solidFill>
+        <a:round/>
+      </a:ln>
+    </cs:spPr>
+    <cs:defRPr sz="900" kern="1200"/>
+  </cs:categoryAxis>
+  <cs:chartArea mods="allowNoFillOverride allowNoLineOverride">
+    <cs:lnRef idx="0"/>
+    <cs:fillRef idx="0"/>
+    <cs:effectRef idx="0"/>
+    <cs:fontRef idx="minor">
+      <a:schemeClr val="tx1"/>
+    </cs:fontRef>
+    <cs:spPr>
+      <a:solidFill>
+        <a:schemeClr val="bg1"/>
+      </a:solidFill>
+      <a:ln w="9525" cap="flat" cmpd="sng" algn="ctr">
+        <a:solidFill>
+          <a:schemeClr val="tx1">
+            <a:lumMod val="15000"/>
+            <a:lumOff val="85000"/>
+          </a:schemeClr>
+        </a:solidFill>
+        <a:round/>
+      </a:ln>
+    </cs:spPr>
+    <cs:defRPr sz="1000" kern="1200"/>
+  </cs:chartArea>
+  <cs:dataLabel>
+    <cs:lnRef idx="0"/>
+    <cs:fillRef idx="0"/>
+    <cs:effectRef idx="0"/>
+    <cs:fontRef idx="minor">
+      <a:schemeClr val="tx1">
+        <a:lumMod val="75000"/>
+        <a:lumOff val="25000"/>
+      </a:schemeClr>
+    </cs:fontRef>
+    <cs:defRPr sz="900" kern="1200"/>
+  </cs:dataLabel>
+  <cs:dataLabelCallout>
+    <cs:lnRef idx="0"/>
+    <cs:fillRef idx="0"/>
+    <cs:effectRef idx="0"/>
+    <cs:fontRef idx="minor">
+      <a:schemeClr val="dk1">
+        <a:lumMod val="65000"/>
+        <a:lumOff val="35000"/>
+      </a:schemeClr>
+    </cs:fontRef>
+    <cs:spPr>
+      <a:solidFill>
+        <a:schemeClr val="lt1"/>
+      </a:solidFill>
+      <a:ln>
+        <a:solidFill>
+          <a:schemeClr val="dk1">
+            <a:lumMod val="25000"/>
+            <a:lumOff val="75000"/>
+          </a:schemeClr>
+        </a:solidFill>
+      </a:ln>
+    </cs:spPr>
+    <cs:defRPr sz="900" kern="1200"/>
+    <cs:bodyPr rot="0" spcFirstLastPara="1" vertOverflow="clip" horzOverflow="clip" vert="horz" wrap="square" lIns="36576" tIns="18288" rIns="36576" bIns="18288" anchor="ctr" anchorCtr="1">
+      <a:spAutoFit/>
+    </cs:bodyPr>
+  </cs:dataLabelCallout>
+  <cs:dataPoint>
+    <cs:lnRef idx="0"/>
+    <cs:fillRef idx="1">
+      <cs:styleClr val="auto"/>
+    </cs:fillRef>
+    <cs:effectRef idx="0"/>
+    <cs:fontRef idx="minor">
+      <a:schemeClr val="tx1"/>
+    </cs:fontRef>
+    <cs:spPr>
+      <a:solidFill>
+        <a:schemeClr val="phClr"/>
+      </a:solidFill>
+    </cs:spPr>
+  </cs:dataPoint>
+  <cs:dataPoint3D>
+    <cs:lnRef idx="0"/>
+    <cs:fillRef idx="1">
+      <cs:styleClr val="auto"/>
+    </cs:fillRef>
+    <cs:effectRef idx="0"/>
+    <cs:fontRef idx="minor">
+      <a:schemeClr val="tx1"/>
+    </cs:fontRef>
+    <cs:spPr>
+      <a:solidFill>
+        <a:schemeClr val="phClr"/>
+      </a:solidFill>
+    </cs:spPr>
+  </cs:dataPoint3D>
+  <cs:dataPointLine>
+    <cs:lnRef idx="0">
+      <cs:styleClr val="auto"/>
+    </cs:lnRef>
+    <cs:fillRef idx="1"/>
+    <cs:effectRef idx="0"/>
+    <cs:fontRef idx="minor">
+      <a:schemeClr val="tx1"/>
+    </cs:fontRef>
+    <cs:spPr>
+      <a:ln w="28575" cap="rnd">
+        <a:solidFill>
+          <a:schemeClr val="phClr"/>
+        </a:solidFill>
+        <a:round/>
+      </a:ln>
+    </cs:spPr>
+  </cs:dataPointLine>
+  <cs:dataPointMarker>
+    <cs:lnRef idx="0">
+      <cs:styleClr val="auto"/>
+    </cs:lnRef>
+    <cs:fillRef idx="1">
+      <cs:styleClr val="auto"/>
+    </cs:fillRef>
+    <cs:effectRef idx="0"/>
+    <cs:fontRef idx="minor">
+      <a:schemeClr val="tx1"/>
+    </cs:fontRef>
+    <cs:spPr>
+      <a:solidFill>
+        <a:schemeClr val="phClr"/>
+      </a:solidFill>
+      <a:ln w="9525">
+        <a:solidFill>
+          <a:schemeClr val="phClr"/>
+        </a:solidFill>
+      </a:ln>
+    </cs:spPr>
+  </cs:dataPointMarker>
+  <cs:dataPointMarkerLayout symbol="circle" size="5"/>
+  <cs:dataPointWireframe>
+    <cs:lnRef idx="0">
+      <cs:styleClr val="auto"/>
+    </cs:lnRef>
+    <cs:fillRef idx="1"/>
+    <cs:effectRef idx="0"/>
+    <cs:fontRef idx="minor">
+      <a:schemeClr val="tx1"/>
+    </cs:fontRef>
+    <cs:spPr>
+      <a:ln w="9525" cap="rnd">
+        <a:solidFill>
+          <a:schemeClr val="phClr"/>
+        </a:solidFill>
+        <a:round/>
+      </a:ln>
+    </cs:spPr>
+  </cs:dataPointWireframe>
+  <cs:dataTable>
+    <cs:lnRef idx="0"/>
+    <cs:fillRef idx="0"/>
+    <cs:effectRef idx="0"/>
+    <cs:fontRef idx="minor">
+      <a:schemeClr val="tx1">
+        <a:lumMod val="65000"/>
+        <a:lumOff val="35000"/>
+      </a:schemeClr>
+    </cs:fontRef>
+    <cs:spPr>
+      <a:noFill/>
+      <a:ln w="9525" cap="flat" cmpd="sng" algn="ctr">
+        <a:solidFill>
+          <a:schemeClr val="tx1">
+            <a:lumMod val="15000"/>
+            <a:lumOff val="85000"/>
+          </a:schemeClr>
+        </a:solidFill>
+        <a:round/>
+      </a:ln>
+    </cs:spPr>
+    <cs:defRPr sz="900" kern="1200"/>
+  </cs:dataTable>
+  <cs:downBar>
+    <cs:lnRef idx="0"/>
+    <cs:fillRef idx="0"/>
+    <cs:effectRef idx="0"/>
+    <cs:fontRef idx="minor">
+      <a:schemeClr val="dk1"/>
+    </cs:fontRef>
+    <cs:spPr>
+      <a:solidFill>
+        <a:schemeClr val="dk1">
+          <a:lumMod val="65000"/>
+          <a:lumOff val="35000"/>
+        </a:schemeClr>
+      </a:solidFill>
+      <a:ln w="9525">
+        <a:solidFill>
+          <a:schemeClr val="tx1">
+            <a:lumMod val="65000"/>
+            <a:lumOff val="35000"/>
+          </a:schemeClr>
+        </a:solidFill>
+      </a:ln>
+    </cs:spPr>
+  </cs:downBar>
+  <cs:dropLine>
+    <cs:lnRef idx="0"/>
+    <cs:fillRef idx="0"/>
+    <cs:effectRef idx="0"/>
+    <cs:fontRef idx="minor">
+      <a:schemeClr val="tx1"/>
+    </cs:fontRef>
+    <cs:spPr>
+      <a:ln w="9525" cap="flat" cmpd="sng" algn="ctr">
+        <a:solidFill>
+          <a:schemeClr val="tx1">
+            <a:lumMod val="35000"/>
+            <a:lumOff val="65000"/>
+          </a:schemeClr>
+        </a:solidFill>
+        <a:round/>
+      </a:ln>
+    </cs:spPr>
+  </cs:dropLine>
+  <cs:errorBar>
+    <cs:lnRef idx="0"/>
+    <cs:fillRef idx="0"/>
+    <cs:effectRef idx="0"/>
+    <cs:fontRef idx="minor">
+      <a:schemeClr val="tx1"/>
+    </cs:fontRef>
+    <cs:spPr>
+      <a:ln w="9525" cap="flat" cmpd="sng" algn="ctr">
+        <a:solidFill>
+          <a:schemeClr val="tx1">
+            <a:lumMod val="65000"/>
+            <a:lumOff val="35000"/>
+          </a:schemeClr>
+        </a:solidFill>
+        <a:round/>
+      </a:ln>
+    </cs:spPr>
+  </cs:errorBar>
+  <cs:floor>
+    <cs:lnRef idx="0"/>
+    <cs:fillRef idx="0"/>
+    <cs:effectRef idx="0"/>
+    <cs:fontRef idx="minor">
+      <a:schemeClr val="tx1"/>
+    </cs:fontRef>
+    <cs:spPr>
+      <a:noFill/>
+      <a:ln>
+        <a:noFill/>
+      </a:ln>
+    </cs:spPr>
+  </cs:floor>
+  <cs:gridlineMajor>
+    <cs:lnRef idx="0"/>
+    <cs:fillRef idx="0"/>
+    <cs:effectRef idx="0"/>
+    <cs:fontRef idx="minor">
+      <a:schemeClr val="tx1"/>
+    </cs:fontRef>
+    <cs:spPr>
+      <a:ln w="9525" cap="flat" cmpd="sng" algn="ctr">
+        <a:solidFill>
+          <a:schemeClr val="tx1">
+            <a:lumMod val="15000"/>
+            <a:lumOff val="85000"/>
+          </a:schemeClr>
+        </a:solidFill>
+        <a:round/>
+      </a:ln>
+    </cs:spPr>
+  </cs:gridlineMajor>
+  <cs:gridlineMinor>
+    <cs:lnRef idx="0"/>
+    <cs:fillRef idx="0"/>
+    <cs:effectRef idx="0"/>
+    <cs:fontRef idx="minor">
+      <a:schemeClr val="tx1"/>
+    </cs:fontRef>
+    <cs:spPr>
+      <a:ln w="9525" cap="flat" cmpd="sng" algn="ctr">
+        <a:solidFill>
+          <a:schemeClr val="tx1">
+            <a:lumMod val="5000"/>
+            <a:lumOff val="95000"/>
+          </a:schemeClr>
+        </a:solidFill>
+        <a:round/>
+      </a:ln>
+    </cs:spPr>
+  </cs:gridlineMinor>
+  <cs:hiLoLine>
+    <cs:lnRef idx="0"/>
+    <cs:fillRef idx="0"/>
+    <cs:effectRef idx="0"/>
+    <cs:fontRef idx="minor">
+      <a:schemeClr val="tx1"/>
+    </cs:fontRef>
+    <cs:spPr>
+      <a:ln w="9525" cap="flat" cmpd="sng" algn="ctr">
+        <a:solidFill>
+          <a:schemeClr val="tx1">
+            <a:lumMod val="75000"/>
+            <a:lumOff val="25000"/>
+          </a:schemeClr>
+        </a:solidFill>
+        <a:round/>
+      </a:ln>
+    </cs:spPr>
+  </cs:hiLoLine>
+  <cs:leaderLine>
+    <cs:lnRef idx="0"/>
+    <cs:fillRef idx="0"/>
+    <cs:effectRef idx="0"/>
+    <cs:fontRef idx="minor">
+      <a:schemeClr val="tx1"/>
+    </cs:fontRef>
+    <cs:spPr>
+      <a:ln w="9525" cap="flat" cmpd="sng" algn="ctr">
+        <a:solidFill>
+          <a:schemeClr val="tx1">
+            <a:lumMod val="35000"/>
+            <a:lumOff val="65000"/>
+          </a:schemeClr>
+        </a:solidFill>
+        <a:round/>
+      </a:ln>
+    </cs:spPr>
+  </cs:leaderLine>
+  <cs:legend>
+    <cs:lnRef idx="0"/>
+    <cs:fillRef idx="0"/>
+    <cs:effectRef idx="0"/>
+    <cs:fontRef idx="minor">
+      <a:schemeClr val="tx1">
+        <a:lumMod val="65000"/>
+        <a:lumOff val="35000"/>
+      </a:schemeClr>
+    </cs:fontRef>
+    <cs:defRPr sz="900" kern="1200"/>
+  </cs:legend>
+  <cs:plotArea mods="allowNoFillOverride allowNoLineOverride">
+    <cs:lnRef idx="0"/>
+    <cs:fillRef idx="0"/>
+    <cs:effectRef idx="0"/>
+    <cs:fontRef idx="minor">
+      <a:schemeClr val="tx1"/>
+    </cs:fontRef>
+  </cs:plotArea>
+  <cs:plotArea3D mods="allowNoFillOverride allowNoLineOverride">
+    <cs:lnRef idx="0"/>
+    <cs:fillRef idx="0"/>
+    <cs:effectRef idx="0"/>
+    <cs:fontRef idx="minor">
+      <a:schemeClr val="tx1"/>
+    </cs:fontRef>
+  </cs:plotArea3D>
+  <cs:seriesAxis>
+    <cs:lnRef idx="0"/>
+    <cs:fillRef idx="0"/>
+    <cs:effectRef idx="0"/>
+    <cs:fontRef idx="minor">
+      <a:schemeClr val="tx1">
+        <a:lumMod val="65000"/>
+        <a:lumOff val="35000"/>
+      </a:schemeClr>
+    </cs:fontRef>
+    <cs:defRPr sz="900" kern="1200"/>
+  </cs:seriesAxis>
+  <cs:seriesLine>
+    <cs:lnRef idx="0"/>
+    <cs:fillRef idx="0"/>
+    <cs:effectRef idx="0"/>
+    <cs:fontRef idx="minor">
+      <a:schemeClr val="tx1"/>
+    </cs:fontRef>
+    <cs:spPr>
+      <a:ln w="9525" cap="flat" cmpd="sng" algn="ctr">
+        <a:solidFill>
+          <a:schemeClr val="tx1">
+            <a:lumMod val="35000"/>
+            <a:lumOff val="65000"/>
+          </a:schemeClr>
+        </a:solidFill>
+        <a:round/>
+      </a:ln>
+    </cs:spPr>
+  </cs:seriesLine>
+  <cs:title>
+    <cs:lnRef idx="0"/>
+    <cs:fillRef idx="0"/>
+    <cs:effectRef idx="0"/>
+    <cs:fontRef idx="minor">
+      <a:schemeClr val="tx1">
+        <a:lumMod val="65000"/>
+        <a:lumOff val="35000"/>
+      </a:schemeClr>
+    </cs:fontRef>
+    <cs:defRPr sz="1400" b="0" kern="1200" spc="0" baseline="0"/>
+  </cs:title>
+  <cs:trendline>
+    <cs:lnRef idx="0">
+      <cs:styleClr val="auto"/>
+    </cs:lnRef>
+    <cs:fillRef idx="0"/>
+    <cs:effectRef idx="0"/>
+    <cs:fontRef idx="minor">
+      <a:schemeClr val="tx1"/>
+    </cs:fontRef>
+    <cs:spPr>
+      <a:ln w="19050" cap="rnd">
+        <a:solidFill>
+          <a:schemeClr val="phClr"/>
+        </a:solidFill>
+        <a:prstDash val="sysDot"/>
+      </a:ln>
+    </cs:spPr>
+  </cs:trendline>
+  <cs:trendlineLabel>
+    <cs:lnRef idx="0"/>
+    <cs:fillRef idx="0"/>
+    <cs:effectRef idx="0"/>
+    <cs:fontRef idx="minor">
+      <a:schemeClr val="tx1">
+        <a:lumMod val="65000"/>
+        <a:lumOff val="35000"/>
+      </a:schemeClr>
+    </cs:fontRef>
+    <cs:defRPr sz="900" kern="1200"/>
+  </cs:trendlineLabel>
+  <cs:upBar>
+    <cs:lnRef idx="0"/>
+    <cs:fillRef idx="0"/>
+    <cs:effectRef idx="0"/>
+    <cs:fontRef idx="minor">
+      <a:schemeClr val="dk1"/>
+    </cs:fontRef>
+    <cs:spPr>
+      <a:solidFill>
+        <a:schemeClr val="lt1"/>
+      </a:solidFill>
+      <a:ln w="9525">
+        <a:solidFill>
+          <a:schemeClr val="tx1">
+            <a:lumMod val="15000"/>
+            <a:lumOff val="85000"/>
+          </a:schemeClr>
+        </a:solidFill>
+      </a:ln>
+    </cs:spPr>
+  </cs:upBar>
+  <cs:valueAxis>
+    <cs:lnRef idx="0"/>
+    <cs:fillRef idx="0"/>
+    <cs:effectRef idx="0"/>
+    <cs:fontRef idx="minor">
+      <a:schemeClr val="tx1">
+        <a:lumMod val="65000"/>
+        <a:lumOff val="35000"/>
+      </a:schemeClr>
+    </cs:fontRef>
+    <cs:defRPr sz="900" kern="1200"/>
+  </cs:valueAxis>
+  <cs:wall>
+    <cs:lnRef idx="0"/>
+    <cs:fillRef idx="0"/>
+    <cs:effectRef idx="0"/>
+    <cs:fontRef idx="minor">
+      <a:schemeClr val="tx1"/>
+    </cs:fontRef>
+    <cs:spPr>
+      <a:noFill/>
+      <a:ln>
+        <a:noFill/>
+      </a:ln>
+    </cs:spPr>
+  </cs:wall>
+</cs:chartStyle>
+</file>
+
+<file path=ppt/charts/style2.xml><?xml version="1.0" encoding="utf-8"?>
 <cs:chartStyle xmlns:cs="http://schemas.microsoft.com/office/drawing/2012/chartStyle" xmlns:a="http://schemas.openxmlformats.org/drawingml/2006/main" id="276">
   <cs:axisTitle>
     <cs:lnRef idx="0"/>
@@ -2981,7 +4732,7 @@
 </cs:chartStyle>
 </file>
 
-<file path=ppt/charts/style2.xml><?xml version="1.0" encoding="utf-8"?>
+<file path=ppt/charts/style3.xml><?xml version="1.0" encoding="utf-8"?>
 <cs:chartStyle xmlns:cs="http://schemas.microsoft.com/office/drawing/2012/chartStyle" xmlns:a="http://schemas.openxmlformats.org/drawingml/2006/main" id="251">
   <cs:axisTitle>
     <cs:lnRef idx="0"/>
@@ -3500,7 +5251,7 @@
 </cs:chartStyle>
 </file>
 
-<file path=ppt/charts/style3.xml><?xml version="1.0" encoding="utf-8"?>
+<file path=ppt/charts/style4.xml><?xml version="1.0" encoding="utf-8"?>
 <cs:chartStyle xmlns:cs="http://schemas.microsoft.com/office/drawing/2012/chartStyle" xmlns:a="http://schemas.openxmlformats.org/drawingml/2006/main" id="251">
   <cs:axisTitle>
     <cs:lnRef idx="0"/>
@@ -18458,7 +20209,7 @@
           <a:p>
             <a:fld id="{AF728027-5FF1-4C4C-840F-5791F9AE04D5}" type="datetimeFigureOut">
               <a:rPr lang="en-AU" smtClean="0"/>
-              <a:t>13/05/2018</a:t>
+              <a:t>14/05/2018</a:t>
             </a:fld>
             <a:endParaRPr lang="en-AU"/>
           </a:p>
@@ -18895,10 +20646,92 @@
           <a:bodyPr/>
           <a:lstStyle/>
           <a:p>
-            <a:pPr marL="171450" indent="-171450">
-              <a:buFont typeface="Arial" panose="020B0604020202020204" pitchFamily="34" charset="0"/>
-              <a:buChar char="•"/>
-            </a:pPr>
+            <a:r>
+              <a:rPr lang="en-AU" sz="1200" b="0" i="0" u="none" strike="noStrike" kern="1200" baseline="0" dirty="0">
+                <a:solidFill>
+                  <a:schemeClr val="tx1"/>
+                </a:solidFill>
+                <a:latin typeface="+mn-lt"/>
+                <a:ea typeface="+mn-ea"/>
+                <a:cs typeface="+mn-cs"/>
+              </a:rPr>
+              <a:t>Mild recessions have been occurring with greater frequency over the past 10 years than they did in the 1990s, when we began the decade with a deep recession, then enjoyed a low-inflation, high productivity</a:t>
+            </a:r>
+          </a:p>
+          <a:p>
+            <a:r>
+              <a:rPr lang="en-AU" sz="1200" b="0" i="0" u="none" strike="noStrike" kern="1200" baseline="0" dirty="0">
+                <a:solidFill>
+                  <a:schemeClr val="tx1"/>
+                </a:solidFill>
+                <a:latin typeface="+mn-lt"/>
+                <a:ea typeface="+mn-ea"/>
+                <a:cs typeface="+mn-cs"/>
+              </a:rPr>
+              <a:t>boom. The scrappier record since 2000 may be a reflection of the increased volatility in the world</a:t>
+            </a:r>
+          </a:p>
+          <a:p>
+            <a:r>
+              <a:rPr lang="en-AU" sz="1200" b="0" i="0" u="none" strike="noStrike" kern="1200" baseline="0" dirty="0">
+                <a:solidFill>
+                  <a:schemeClr val="tx1"/>
+                </a:solidFill>
+                <a:latin typeface="+mn-lt"/>
+                <a:ea typeface="+mn-ea"/>
+                <a:cs typeface="+mn-cs"/>
+              </a:rPr>
+              <a:t>economy, or lack of structural economic reform since the GST was bedded down, or a combination of both.</a:t>
+            </a:r>
+          </a:p>
+          <a:p>
+            <a:endParaRPr lang="en-AU" sz="1200" b="0" i="0" u="none" strike="noStrike" kern="1200" baseline="0" dirty="0">
+              <a:solidFill>
+                <a:schemeClr val="tx1"/>
+              </a:solidFill>
+              <a:latin typeface="+mn-lt"/>
+              <a:ea typeface="+mn-ea"/>
+              <a:cs typeface="+mn-cs"/>
+            </a:endParaRPr>
+          </a:p>
+          <a:p>
+            <a:r>
+              <a:rPr lang="en-AU" sz="1200" b="0" i="0" u="none" strike="noStrike" kern="1200" baseline="0" dirty="0">
+                <a:solidFill>
+                  <a:schemeClr val="tx1"/>
+                </a:solidFill>
+                <a:latin typeface="+mn-lt"/>
+                <a:ea typeface="+mn-ea"/>
+                <a:cs typeface="+mn-cs"/>
+              </a:rPr>
+              <a:t>The economic debate would be better served with a little more perspective. Recessions are a normal part of the</a:t>
+            </a:r>
+          </a:p>
+          <a:p>
+            <a:r>
+              <a:rPr lang="en-AU" sz="1200" b="0" i="0" u="none" strike="noStrike" kern="1200" baseline="0" dirty="0">
+                <a:solidFill>
+                  <a:schemeClr val="tx1"/>
+                </a:solidFill>
+                <a:latin typeface="+mn-lt"/>
+                <a:ea typeface="+mn-ea"/>
+                <a:cs typeface="+mn-cs"/>
+              </a:rPr>
+              <a:t>business cycle. They will never be eliminated; the trick for policy-makers is to avoid the crash landings that lead to</a:t>
+            </a:r>
+          </a:p>
+          <a:p>
+            <a:r>
+              <a:rPr lang="en-AU" sz="1200" b="0" i="0" u="none" strike="noStrike" kern="1200" baseline="0" dirty="0">
+                <a:solidFill>
+                  <a:schemeClr val="tx1"/>
+                </a:solidFill>
+                <a:latin typeface="+mn-lt"/>
+                <a:ea typeface="+mn-ea"/>
+                <a:cs typeface="+mn-cs"/>
+              </a:rPr>
+              <a:t>mass retrenchments, and we haven't had one of those in 20 years.</a:t>
+            </a:r>
             <a:endParaRPr lang="en-AU" dirty="0"/>
           </a:p>
         </p:txBody>
@@ -18929,7 +20762,7 @@
     </p:spTree>
     <p:extLst>
       <p:ext uri="{BB962C8B-B14F-4D97-AF65-F5344CB8AC3E}">
-        <p14:creationId xmlns:p14="http://schemas.microsoft.com/office/powerpoint/2010/main" val="1954028401"/>
+        <p14:creationId xmlns:p14="http://schemas.microsoft.com/office/powerpoint/2010/main" val="1465610628"/>
       </p:ext>
     </p:extLst>
   </p:cSld>
@@ -19008,7 +20841,95 @@
           <a:p>
             <a:fld id="{B1506C49-874C-4049-A2D7-4189454C6028}" type="slidenum">
               <a:rPr lang="en-AU" smtClean="0"/>
-              <a:t>6</a:t>
+              <a:t>5</a:t>
+            </a:fld>
+            <a:endParaRPr lang="en-AU"/>
+          </a:p>
+        </p:txBody>
+      </p:sp>
+    </p:spTree>
+    <p:extLst>
+      <p:ext uri="{BB962C8B-B14F-4D97-AF65-F5344CB8AC3E}">
+        <p14:creationId xmlns:p14="http://schemas.microsoft.com/office/powerpoint/2010/main" val="1954028401"/>
+      </p:ext>
+    </p:extLst>
+  </p:cSld>
+  <p:clrMapOvr>
+    <a:masterClrMapping/>
+  </p:clrMapOvr>
+</p:notes>
+</file>
+
+<file path=ppt/notesSlides/notesSlide4.xml><?xml version="1.0" encoding="utf-8"?>
+<p:notes xmlns:a="http://schemas.openxmlformats.org/drawingml/2006/main" xmlns:r="http://schemas.openxmlformats.org/officeDocument/2006/relationships" xmlns:p="http://schemas.openxmlformats.org/presentationml/2006/main">
+  <p:cSld>
+    <p:spTree>
+      <p:nvGrpSpPr>
+        <p:cNvPr id="1" name=""/>
+        <p:cNvGrpSpPr/>
+        <p:nvPr/>
+      </p:nvGrpSpPr>
+      <p:grpSpPr>
+        <a:xfrm>
+          <a:off x="0" y="0"/>
+          <a:ext cx="0" cy="0"/>
+          <a:chOff x="0" y="0"/>
+          <a:chExt cx="0" cy="0"/>
+        </a:xfrm>
+      </p:grpSpPr>
+      <p:sp>
+        <p:nvSpPr>
+          <p:cNvPr id="2" name="Slide Image Placeholder 1"/>
+          <p:cNvSpPr>
+            <a:spLocks noGrp="1" noRot="1" noChangeAspect="1"/>
+          </p:cNvSpPr>
+          <p:nvPr>
+            <p:ph type="sldImg"/>
+          </p:nvPr>
+        </p:nvSpPr>
+        <p:spPr/>
+      </p:sp>
+      <p:sp>
+        <p:nvSpPr>
+          <p:cNvPr id="3" name="Notes Placeholder 2"/>
+          <p:cNvSpPr>
+            <a:spLocks noGrp="1"/>
+          </p:cNvSpPr>
+          <p:nvPr>
+            <p:ph type="body" idx="1"/>
+          </p:nvPr>
+        </p:nvSpPr>
+        <p:spPr/>
+        <p:txBody>
+          <a:bodyPr/>
+          <a:lstStyle/>
+          <a:p>
+            <a:pPr marL="171450" indent="-171450">
+              <a:buFont typeface="Arial" panose="020B0604020202020204" pitchFamily="34" charset="0"/>
+              <a:buChar char="•"/>
+            </a:pPr>
+            <a:endParaRPr lang="en-AU" dirty="0"/>
+          </a:p>
+        </p:txBody>
+      </p:sp>
+      <p:sp>
+        <p:nvSpPr>
+          <p:cNvPr id="4" name="Slide Number Placeholder 3"/>
+          <p:cNvSpPr>
+            <a:spLocks noGrp="1"/>
+          </p:cNvSpPr>
+          <p:nvPr>
+            <p:ph type="sldNum" sz="quarter" idx="10"/>
+          </p:nvPr>
+        </p:nvSpPr>
+        <p:spPr/>
+        <p:txBody>
+          <a:bodyPr/>
+          <a:lstStyle/>
+          <a:p>
+            <a:fld id="{B1506C49-874C-4049-A2D7-4189454C6028}" type="slidenum">
+              <a:rPr lang="en-AU" smtClean="0"/>
+              <a:t>7</a:t>
             </a:fld>
             <a:endParaRPr lang="en-AU"/>
           </a:p>
@@ -19166,7 +21087,7 @@
           <a:p>
             <a:fld id="{E6F99C51-2E42-468C-B8B5-019DB01796CD}" type="datetimeFigureOut">
               <a:rPr lang="en-AU" smtClean="0"/>
-              <a:t>13/05/2018</a:t>
+              <a:t>14/05/2018</a:t>
             </a:fld>
             <a:endParaRPr lang="en-AU"/>
           </a:p>
@@ -19377,7 +21298,7 @@
           <a:p>
             <a:fld id="{E6F99C51-2E42-468C-B8B5-019DB01796CD}" type="datetimeFigureOut">
               <a:rPr lang="en-AU" smtClean="0"/>
-              <a:t>13/05/2018</a:t>
+              <a:t>14/05/2018</a:t>
             </a:fld>
             <a:endParaRPr lang="en-AU"/>
           </a:p>
@@ -19592,7 +21513,7 @@
           <a:p>
             <a:fld id="{E6F99C51-2E42-468C-B8B5-019DB01796CD}" type="datetimeFigureOut">
               <a:rPr lang="en-AU" smtClean="0"/>
-              <a:t>13/05/2018</a:t>
+              <a:t>14/05/2018</a:t>
             </a:fld>
             <a:endParaRPr lang="en-AU"/>
           </a:p>
@@ -19793,7 +21714,7 @@
           <a:p>
             <a:fld id="{E6F99C51-2E42-468C-B8B5-019DB01796CD}" type="datetimeFigureOut">
               <a:rPr lang="en-AU" smtClean="0"/>
-              <a:t>13/05/2018</a:t>
+              <a:t>14/05/2018</a:t>
             </a:fld>
             <a:endParaRPr lang="en-AU"/>
           </a:p>
@@ -20072,7 +21993,7 @@
           <a:p>
             <a:fld id="{E6F99C51-2E42-468C-B8B5-019DB01796CD}" type="datetimeFigureOut">
               <a:rPr lang="en-AU" smtClean="0"/>
-              <a:t>13/05/2018</a:t>
+              <a:t>14/05/2018</a:t>
             </a:fld>
             <a:endParaRPr lang="en-AU"/>
           </a:p>
@@ -20340,7 +22261,7 @@
           <a:p>
             <a:fld id="{E6F99C51-2E42-468C-B8B5-019DB01796CD}" type="datetimeFigureOut">
               <a:rPr lang="en-AU" smtClean="0"/>
-              <a:t>13/05/2018</a:t>
+              <a:t>14/05/2018</a:t>
             </a:fld>
             <a:endParaRPr lang="en-AU"/>
           </a:p>
@@ -20756,7 +22677,7 @@
           <a:p>
             <a:fld id="{E6F99C51-2E42-468C-B8B5-019DB01796CD}" type="datetimeFigureOut">
               <a:rPr lang="en-AU" smtClean="0"/>
-              <a:t>13/05/2018</a:t>
+              <a:t>14/05/2018</a:t>
             </a:fld>
             <a:endParaRPr lang="en-AU"/>
           </a:p>
@@ -20905,7 +22826,7 @@
           <a:p>
             <a:fld id="{E6F99C51-2E42-468C-B8B5-019DB01796CD}" type="datetimeFigureOut">
               <a:rPr lang="en-AU" smtClean="0"/>
-              <a:t>13/05/2018</a:t>
+              <a:t>14/05/2018</a:t>
             </a:fld>
             <a:endParaRPr lang="en-AU"/>
           </a:p>
@@ -21031,7 +22952,7 @@
           <a:p>
             <a:fld id="{E6F99C51-2E42-468C-B8B5-019DB01796CD}" type="datetimeFigureOut">
               <a:rPr lang="en-AU" smtClean="0"/>
-              <a:t>13/05/2018</a:t>
+              <a:t>14/05/2018</a:t>
             </a:fld>
             <a:endParaRPr lang="en-AU"/>
           </a:p>
@@ -21282,7 +23203,7 @@
           <a:p>
             <a:fld id="{E6F99C51-2E42-468C-B8B5-019DB01796CD}" type="datetimeFigureOut">
               <a:rPr lang="en-AU" smtClean="0"/>
-              <a:t>13/05/2018</a:t>
+              <a:t>14/05/2018</a:t>
             </a:fld>
             <a:endParaRPr lang="en-AU"/>
           </a:p>
@@ -21727,7 +23648,7 @@
           <a:p>
             <a:fld id="{E6F99C51-2E42-468C-B8B5-019DB01796CD}" type="datetimeFigureOut">
               <a:rPr lang="en-AU" smtClean="0"/>
-              <a:t>13/05/2018</a:t>
+              <a:t>14/05/2018</a:t>
             </a:fld>
             <a:endParaRPr lang="en-AU"/>
           </a:p>
@@ -22053,7 +23974,7 @@
           <a:p>
             <a:fld id="{E6F99C51-2E42-468C-B8B5-019DB01796CD}" type="datetimeFigureOut">
               <a:rPr lang="en-AU" smtClean="0"/>
-              <a:t>13/05/2018</a:t>
+              <a:t>14/05/2018</a:t>
             </a:fld>
             <a:endParaRPr lang="en-AU"/>
           </a:p>
@@ -22637,6 +24558,89 @@
           <p:cNvPr id="2" name="Title 1">
             <a:extLst>
               <a:ext uri="{FF2B5EF4-FFF2-40B4-BE49-F238E27FC236}">
+                <a16:creationId xmlns:a16="http://schemas.microsoft.com/office/drawing/2014/main" id="{102EFA13-C025-4B94-8189-04F94DAEC532}"/>
+              </a:ext>
+            </a:extLst>
+          </p:cNvPr>
+          <p:cNvSpPr>
+            <a:spLocks noGrp="1"/>
+          </p:cNvSpPr>
+          <p:nvPr>
+            <p:ph type="title"/>
+          </p:nvPr>
+        </p:nvSpPr>
+        <p:spPr/>
+        <p:txBody>
+          <a:bodyPr/>
+          <a:lstStyle/>
+          <a:p>
+            <a:r>
+              <a:rPr lang="en-AU" dirty="0"/>
+              <a:t>Model 2</a:t>
+            </a:r>
+          </a:p>
+        </p:txBody>
+      </p:sp>
+      <p:sp>
+        <p:nvSpPr>
+          <p:cNvPr id="3" name="Content Placeholder 2">
+            <a:extLst>
+              <a:ext uri="{FF2B5EF4-FFF2-40B4-BE49-F238E27FC236}">
+                <a16:creationId xmlns:a16="http://schemas.microsoft.com/office/drawing/2014/main" id="{19F669AE-1285-4590-B4F4-90EABBBF888E}"/>
+              </a:ext>
+            </a:extLst>
+          </p:cNvPr>
+          <p:cNvSpPr>
+            <a:spLocks noGrp="1"/>
+          </p:cNvSpPr>
+          <p:nvPr>
+            <p:ph idx="1"/>
+          </p:nvPr>
+        </p:nvSpPr>
+        <p:spPr/>
+        <p:txBody>
+          <a:bodyPr/>
+          <a:lstStyle/>
+          <a:p>
+            <a:endParaRPr lang="en-AU"/>
+          </a:p>
+        </p:txBody>
+      </p:sp>
+    </p:spTree>
+    <p:extLst>
+      <p:ext uri="{BB962C8B-B14F-4D97-AF65-F5344CB8AC3E}">
+        <p14:creationId xmlns:p14="http://schemas.microsoft.com/office/powerpoint/2010/main" val="2684175183"/>
+      </p:ext>
+    </p:extLst>
+  </p:cSld>
+  <p:clrMapOvr>
+    <a:masterClrMapping/>
+  </p:clrMapOvr>
+</p:sld>
+</file>
+
+<file path=ppt/slides/slide11.xml><?xml version="1.0" encoding="utf-8"?>
+<p:sld xmlns:a="http://schemas.openxmlformats.org/drawingml/2006/main" xmlns:r="http://schemas.openxmlformats.org/officeDocument/2006/relationships" xmlns:p="http://schemas.openxmlformats.org/presentationml/2006/main">
+  <p:cSld>
+    <p:spTree>
+      <p:nvGrpSpPr>
+        <p:cNvPr id="1" name=""/>
+        <p:cNvGrpSpPr/>
+        <p:nvPr/>
+      </p:nvGrpSpPr>
+      <p:grpSpPr>
+        <a:xfrm>
+          <a:off x="0" y="0"/>
+          <a:ext cx="0" cy="0"/>
+          <a:chOff x="0" y="0"/>
+          <a:chExt cx="0" cy="0"/>
+        </a:xfrm>
+      </p:grpSpPr>
+      <p:sp>
+        <p:nvSpPr>
+          <p:cNvPr id="2" name="Title 1">
+            <a:extLst>
+              <a:ext uri="{FF2B5EF4-FFF2-40B4-BE49-F238E27FC236}">
                 <a16:creationId xmlns:a16="http://schemas.microsoft.com/office/drawing/2014/main" id="{6F58F258-C06A-47DC-9F49-59E435C56A34}"/>
               </a:ext>
             </a:extLst>
@@ -22980,6 +24984,95 @@
           <p:cNvPr id="2" name="Title 1">
             <a:extLst>
               <a:ext uri="{FF2B5EF4-FFF2-40B4-BE49-F238E27FC236}">
+                <a16:creationId xmlns:a16="http://schemas.microsoft.com/office/drawing/2014/main" id="{829A6B13-8011-4D04-A740-65F55A9DC4F0}"/>
+              </a:ext>
+            </a:extLst>
+          </p:cNvPr>
+          <p:cNvSpPr>
+            <a:spLocks noGrp="1"/>
+          </p:cNvSpPr>
+          <p:nvPr>
+            <p:ph type="title"/>
+          </p:nvPr>
+        </p:nvSpPr>
+        <p:spPr/>
+        <p:txBody>
+          <a:bodyPr/>
+          <a:lstStyle/>
+          <a:p>
+            <a:r>
+              <a:rPr lang="en-AU" dirty="0"/>
+              <a:t>GDP percentage change between quarters between 1980 and 2017</a:t>
+            </a:r>
+          </a:p>
+        </p:txBody>
+      </p:sp>
+      <p:graphicFrame>
+        <p:nvGraphicFramePr>
+          <p:cNvPr id="8" name="Content Placeholder 7">
+            <a:extLst>
+              <a:ext uri="{FF2B5EF4-FFF2-40B4-BE49-F238E27FC236}">
+                <a16:creationId xmlns:a16="http://schemas.microsoft.com/office/drawing/2014/main" id="{663BECA1-D735-4FD0-8E71-DB46D0C47312}"/>
+              </a:ext>
+            </a:extLst>
+          </p:cNvPr>
+          <p:cNvGraphicFramePr>
+            <a:graphicFrameLocks noGrp="1"/>
+          </p:cNvGraphicFramePr>
+          <p:nvPr>
+            <p:ph idx="1"/>
+            <p:extLst>
+              <p:ext uri="{D42A27DB-BD31-4B8C-83A1-F6EECF244321}">
+                <p14:modId xmlns:p14="http://schemas.microsoft.com/office/powerpoint/2010/main" val="36432065"/>
+              </p:ext>
+            </p:extLst>
+          </p:nvPr>
+        </p:nvGraphicFramePr>
+        <p:xfrm>
+          <a:off x="1450975" y="2016125"/>
+          <a:ext cx="9604375" cy="3866882"/>
+        </p:xfrm>
+        <a:graphic>
+          <a:graphicData uri="http://schemas.openxmlformats.org/drawingml/2006/chart">
+            <c:chart xmlns:c="http://schemas.openxmlformats.org/drawingml/2006/chart" xmlns:r="http://schemas.openxmlformats.org/officeDocument/2006/relationships" r:id="rId3"/>
+          </a:graphicData>
+        </a:graphic>
+      </p:graphicFrame>
+    </p:spTree>
+    <p:extLst>
+      <p:ext uri="{BB962C8B-B14F-4D97-AF65-F5344CB8AC3E}">
+        <p14:creationId xmlns:p14="http://schemas.microsoft.com/office/powerpoint/2010/main" val="1764755392"/>
+      </p:ext>
+    </p:extLst>
+  </p:cSld>
+  <p:clrMapOvr>
+    <a:masterClrMapping/>
+  </p:clrMapOvr>
+</p:sld>
+</file>
+
+<file path=ppt/slides/slide5.xml><?xml version="1.0" encoding="utf-8"?>
+<p:sld xmlns:a="http://schemas.openxmlformats.org/drawingml/2006/main" xmlns:r="http://schemas.openxmlformats.org/officeDocument/2006/relationships" xmlns:p="http://schemas.openxmlformats.org/presentationml/2006/main">
+  <p:cSld>
+    <p:spTree>
+      <p:nvGrpSpPr>
+        <p:cNvPr id="1" name=""/>
+        <p:cNvGrpSpPr/>
+        <p:nvPr/>
+      </p:nvGrpSpPr>
+      <p:grpSpPr>
+        <a:xfrm>
+          <a:off x="0" y="0"/>
+          <a:ext cx="0" cy="0"/>
+          <a:chOff x="0" y="0"/>
+          <a:chExt cx="0" cy="0"/>
+        </a:xfrm>
+      </p:grpSpPr>
+      <p:sp>
+        <p:nvSpPr>
+          <p:cNvPr id="2" name="Title 1">
+            <a:extLst>
+              <a:ext uri="{FF2B5EF4-FFF2-40B4-BE49-F238E27FC236}">
                 <a16:creationId xmlns:a16="http://schemas.microsoft.com/office/drawing/2014/main" id="{13C6263A-8F37-44BB-8020-214F1D456BA3}"/>
               </a:ext>
             </a:extLst>
@@ -23052,7 +25145,7 @@
 </p:sld>
 </file>
 
-<file path=ppt/slides/slide5.xml><?xml version="1.0" encoding="utf-8"?>
+<file path=ppt/slides/slide6.xml><?xml version="1.0" encoding="utf-8"?>
 <p:sld xmlns:a="http://schemas.openxmlformats.org/drawingml/2006/main" xmlns:r="http://schemas.openxmlformats.org/officeDocument/2006/relationships" xmlns:p="http://schemas.openxmlformats.org/presentationml/2006/main">
   <p:cSld>
     <p:spTree>
@@ -23156,7 +25249,7 @@
 </p:sld>
 </file>
 
-<file path=ppt/slides/slide6.xml><?xml version="1.0" encoding="utf-8"?>
+<file path=ppt/slides/slide7.xml><?xml version="1.0" encoding="utf-8"?>
 <p:sld xmlns:a="http://schemas.openxmlformats.org/drawingml/2006/main" xmlns:r="http://schemas.openxmlformats.org/officeDocument/2006/relationships" xmlns:p="http://schemas.openxmlformats.org/presentationml/2006/main">
   <p:cSld>
     <p:spTree>
@@ -23305,7 +25398,7 @@
 </p:sld>
 </file>
 
-<file path=ppt/slides/slide7.xml><?xml version="1.0" encoding="utf-8"?>
+<file path=ppt/slides/slide8.xml><?xml version="1.0" encoding="utf-8"?>
 <p:sld xmlns:a="http://schemas.openxmlformats.org/drawingml/2006/main" xmlns:r="http://schemas.openxmlformats.org/officeDocument/2006/relationships" xmlns:p="http://schemas.openxmlformats.org/presentationml/2006/main">
   <p:cSld>
     <p:spTree>
@@ -23429,7 +25522,7 @@
 </p:sld>
 </file>
 
-<file path=ppt/slides/slide8.xml><?xml version="1.0" encoding="utf-8"?>
+<file path=ppt/slides/slide9.xml><?xml version="1.0" encoding="utf-8"?>
 <p:sld xmlns:a="http://schemas.openxmlformats.org/drawingml/2006/main" xmlns:r="http://schemas.openxmlformats.org/officeDocument/2006/relationships" xmlns:p="http://schemas.openxmlformats.org/presentationml/2006/main">
   <p:cSld>
     <p:spTree>
@@ -23539,89 +25632,6 @@
     <p:extLst>
       <p:ext uri="{BB962C8B-B14F-4D97-AF65-F5344CB8AC3E}">
         <p14:creationId xmlns:p14="http://schemas.microsoft.com/office/powerpoint/2010/main" val="323030766"/>
-      </p:ext>
-    </p:extLst>
-  </p:cSld>
-  <p:clrMapOvr>
-    <a:masterClrMapping/>
-  </p:clrMapOvr>
-</p:sld>
-</file>
-
-<file path=ppt/slides/slide9.xml><?xml version="1.0" encoding="utf-8"?>
-<p:sld xmlns:a="http://schemas.openxmlformats.org/drawingml/2006/main" xmlns:r="http://schemas.openxmlformats.org/officeDocument/2006/relationships" xmlns:p="http://schemas.openxmlformats.org/presentationml/2006/main">
-  <p:cSld>
-    <p:spTree>
-      <p:nvGrpSpPr>
-        <p:cNvPr id="1" name=""/>
-        <p:cNvGrpSpPr/>
-        <p:nvPr/>
-      </p:nvGrpSpPr>
-      <p:grpSpPr>
-        <a:xfrm>
-          <a:off x="0" y="0"/>
-          <a:ext cx="0" cy="0"/>
-          <a:chOff x="0" y="0"/>
-          <a:chExt cx="0" cy="0"/>
-        </a:xfrm>
-      </p:grpSpPr>
-      <p:sp>
-        <p:nvSpPr>
-          <p:cNvPr id="2" name="Title 1">
-            <a:extLst>
-              <a:ext uri="{FF2B5EF4-FFF2-40B4-BE49-F238E27FC236}">
-                <a16:creationId xmlns:a16="http://schemas.microsoft.com/office/drawing/2014/main" id="{102EFA13-C025-4B94-8189-04F94DAEC532}"/>
-              </a:ext>
-            </a:extLst>
-          </p:cNvPr>
-          <p:cNvSpPr>
-            <a:spLocks noGrp="1"/>
-          </p:cNvSpPr>
-          <p:nvPr>
-            <p:ph type="title"/>
-          </p:nvPr>
-        </p:nvSpPr>
-        <p:spPr/>
-        <p:txBody>
-          <a:bodyPr/>
-          <a:lstStyle/>
-          <a:p>
-            <a:r>
-              <a:rPr lang="en-AU" dirty="0"/>
-              <a:t>Model 2</a:t>
-            </a:r>
-          </a:p>
-        </p:txBody>
-      </p:sp>
-      <p:sp>
-        <p:nvSpPr>
-          <p:cNvPr id="3" name="Content Placeholder 2">
-            <a:extLst>
-              <a:ext uri="{FF2B5EF4-FFF2-40B4-BE49-F238E27FC236}">
-                <a16:creationId xmlns:a16="http://schemas.microsoft.com/office/drawing/2014/main" id="{19F669AE-1285-4590-B4F4-90EABBBF888E}"/>
-              </a:ext>
-            </a:extLst>
-          </p:cNvPr>
-          <p:cNvSpPr>
-            <a:spLocks noGrp="1"/>
-          </p:cNvSpPr>
-          <p:nvPr>
-            <p:ph idx="1"/>
-          </p:nvPr>
-        </p:nvSpPr>
-        <p:spPr/>
-        <p:txBody>
-          <a:bodyPr/>
-          <a:lstStyle/>
-          <a:p>
-            <a:endParaRPr lang="en-AU"/>
-          </a:p>
-        </p:txBody>
-      </p:sp>
-    </p:spTree>
-    <p:extLst>
-      <p:ext uri="{BB962C8B-B14F-4D97-AF65-F5344CB8AC3E}">
-        <p14:creationId xmlns:p14="http://schemas.microsoft.com/office/powerpoint/2010/main" val="2684175183"/>
       </p:ext>
     </p:extLst>
   </p:cSld>
